--- a/円周角の定理_発表会用授業イメージ説明.pptx
+++ b/円周角の定理_発表会用授業イメージ説明.pptx
@@ -5,22 +5,34 @@
     <p:sldMasterId id="2147483648" r:id="rId1"/>
   </p:sldMasterIdLst>
   <p:notesMasterIdLst>
-    <p:notesMasterId r:id="rId15"/>
+    <p:notesMasterId r:id="rId27"/>
   </p:notesMasterIdLst>
   <p:sldIdLst>
     <p:sldId id="256" r:id="rId2"/>
-    <p:sldId id="259" r:id="rId3"/>
-    <p:sldId id="261" r:id="rId4"/>
-    <p:sldId id="262" r:id="rId5"/>
-    <p:sldId id="271" r:id="rId6"/>
-    <p:sldId id="272" r:id="rId7"/>
-    <p:sldId id="273" r:id="rId8"/>
-    <p:sldId id="277" r:id="rId9"/>
-    <p:sldId id="278" r:id="rId10"/>
-    <p:sldId id="279" r:id="rId11"/>
-    <p:sldId id="274" r:id="rId12"/>
-    <p:sldId id="276" r:id="rId13"/>
-    <p:sldId id="275" r:id="rId14"/>
+    <p:sldId id="287" r:id="rId3"/>
+    <p:sldId id="259" r:id="rId4"/>
+    <p:sldId id="281" r:id="rId5"/>
+    <p:sldId id="282" r:id="rId6"/>
+    <p:sldId id="283" r:id="rId7"/>
+    <p:sldId id="284" r:id="rId8"/>
+    <p:sldId id="285" r:id="rId9"/>
+    <p:sldId id="288" r:id="rId10"/>
+    <p:sldId id="290" r:id="rId11"/>
+    <p:sldId id="286" r:id="rId12"/>
+    <p:sldId id="261" r:id="rId13"/>
+    <p:sldId id="291" r:id="rId14"/>
+    <p:sldId id="292" r:id="rId15"/>
+    <p:sldId id="293" r:id="rId16"/>
+    <p:sldId id="294" r:id="rId17"/>
+    <p:sldId id="262" r:id="rId18"/>
+    <p:sldId id="299" r:id="rId19"/>
+    <p:sldId id="271" r:id="rId20"/>
+    <p:sldId id="295" r:id="rId21"/>
+    <p:sldId id="296" r:id="rId22"/>
+    <p:sldId id="278" r:id="rId23"/>
+    <p:sldId id="298" r:id="rId24"/>
+    <p:sldId id="279" r:id="rId25"/>
+    <p:sldId id="276" r:id="rId26"/>
   </p:sldIdLst>
   <p:sldSz cx="12192000" cy="6858000"/>
   <p:notesSz cx="6858000" cy="9144000"/>
@@ -209,7 +221,7 @@
           <a:p>
             <a:fld id="{F0B60087-0F57-444D-929A-D5ACBD689AD0}" type="datetimeFigureOut">
               <a:rPr kumimoji="1" lang="ja-JP" altLang="en-US" smtClean="0"/>
-              <a:t>2025/1/8</a:t>
+              <a:t>2025/1/15</a:t>
             </a:fld>
             <a:endParaRPr kumimoji="1" lang="ja-JP" altLang="en-US"/>
           </a:p>
@@ -655,7 +667,7 @@
           <a:p>
             <a:fld id="{788A20FB-D9B3-40C9-9B16-A4344757B33F}" type="datetime1">
               <a:rPr kumimoji="1" lang="ja-JP" altLang="en-US" smtClean="0"/>
-              <a:t>2025/1/8</a:t>
+              <a:t>2025/1/15</a:t>
             </a:fld>
             <a:endParaRPr kumimoji="1" lang="ja-JP" altLang="en-US"/>
           </a:p>
@@ -885,7 +897,7 @@
           <a:p>
             <a:fld id="{58AB930F-0A3B-4327-B0EA-64155B808691}" type="datetime1">
               <a:rPr kumimoji="1" lang="ja-JP" altLang="en-US" smtClean="0"/>
-              <a:t>2025/1/8</a:t>
+              <a:t>2025/1/15</a:t>
             </a:fld>
             <a:endParaRPr kumimoji="1" lang="ja-JP" altLang="en-US"/>
           </a:p>
@@ -1125,7 +1137,7 @@
           <a:p>
             <a:fld id="{5EC175E0-D9DF-4430-A489-D6BFAC5BC281}" type="datetime1">
               <a:rPr kumimoji="1" lang="ja-JP" altLang="en-US" smtClean="0"/>
-              <a:t>2025/1/8</a:t>
+              <a:t>2025/1/15</a:t>
             </a:fld>
             <a:endParaRPr kumimoji="1" lang="ja-JP" altLang="en-US"/>
           </a:p>
@@ -1355,7 +1367,7 @@
           <a:p>
             <a:fld id="{7BCCA3FB-3F55-4E83-B0E1-EDF88B50CA06}" type="datetime1">
               <a:rPr kumimoji="1" lang="ja-JP" altLang="en-US" smtClean="0"/>
-              <a:t>2025/1/8</a:t>
+              <a:t>2025/1/15</a:t>
             </a:fld>
             <a:endParaRPr kumimoji="1" lang="ja-JP" altLang="en-US"/>
           </a:p>
@@ -1630,7 +1642,7 @@
           <a:p>
             <a:fld id="{3442EE8B-F893-4E80-80D4-7D0121353ECF}" type="datetime1">
               <a:rPr kumimoji="1" lang="ja-JP" altLang="en-US" smtClean="0"/>
-              <a:t>2025/1/8</a:t>
+              <a:t>2025/1/15</a:t>
             </a:fld>
             <a:endParaRPr kumimoji="1" lang="ja-JP" altLang="en-US"/>
           </a:p>
@@ -1959,7 +1971,7 @@
           <a:p>
             <a:fld id="{9914ACAF-5CB3-4FAC-838E-DF54D1ED42C0}" type="datetime1">
               <a:rPr kumimoji="1" lang="ja-JP" altLang="en-US" smtClean="0"/>
-              <a:t>2025/1/8</a:t>
+              <a:t>2025/1/15</a:t>
             </a:fld>
             <a:endParaRPr kumimoji="1" lang="ja-JP" altLang="en-US"/>
           </a:p>
@@ -2435,7 +2447,7 @@
           <a:p>
             <a:fld id="{8F2B1944-861A-4E95-93B3-65D650C9EA4C}" type="datetime1">
               <a:rPr kumimoji="1" lang="ja-JP" altLang="en-US" smtClean="0"/>
-              <a:t>2025/1/8</a:t>
+              <a:t>2025/1/15</a:t>
             </a:fld>
             <a:endParaRPr kumimoji="1" lang="ja-JP" altLang="en-US"/>
           </a:p>
@@ -2576,7 +2588,7 @@
           <a:p>
             <a:fld id="{527917CB-6965-47FE-9EF6-8B245C32B621}" type="datetime1">
               <a:rPr kumimoji="1" lang="ja-JP" altLang="en-US" smtClean="0"/>
-              <a:t>2025/1/8</a:t>
+              <a:t>2025/1/15</a:t>
             </a:fld>
             <a:endParaRPr kumimoji="1" lang="ja-JP" altLang="en-US"/>
           </a:p>
@@ -2689,7 +2701,7 @@
           <a:p>
             <a:fld id="{B93628B6-6391-4F34-9EB7-73CFB968C1CF}" type="datetime1">
               <a:rPr kumimoji="1" lang="ja-JP" altLang="en-US" smtClean="0"/>
-              <a:t>2025/1/8</a:t>
+              <a:t>2025/1/15</a:t>
             </a:fld>
             <a:endParaRPr kumimoji="1" lang="ja-JP" altLang="en-US"/>
           </a:p>
@@ -3032,7 +3044,7 @@
           <a:p>
             <a:fld id="{1D83B4FE-4B62-4034-8338-7D077FA01A6A}" type="datetime1">
               <a:rPr kumimoji="1" lang="ja-JP" altLang="en-US" smtClean="0"/>
-              <a:t>2025/1/8</a:t>
+              <a:t>2025/1/15</a:t>
             </a:fld>
             <a:endParaRPr kumimoji="1" lang="ja-JP" altLang="en-US"/>
           </a:p>
@@ -3320,7 +3332,7 @@
           <a:p>
             <a:fld id="{29DCDC66-DB31-4A9C-94E3-3E49D97E11DB}" type="datetime1">
               <a:rPr kumimoji="1" lang="ja-JP" altLang="en-US" smtClean="0"/>
-              <a:t>2025/1/8</a:t>
+              <a:t>2025/1/15</a:t>
             </a:fld>
             <a:endParaRPr kumimoji="1" lang="ja-JP" altLang="en-US"/>
           </a:p>
@@ -3593,7 +3605,7 @@
           <a:p>
             <a:fld id="{65B697E9-F8BE-485B-8556-721A38651257}" type="datetime1">
               <a:rPr kumimoji="1" lang="ja-JP" altLang="en-US" smtClean="0"/>
-              <a:t>2025/1/8</a:t>
+              <a:t>2025/1/15</a:t>
             </a:fld>
             <a:endParaRPr kumimoji="1" lang="ja-JP" altLang="en-US"/>
           </a:p>
@@ -4070,8 +4082,12 @@
           <a:lstStyle/>
           <a:p>
             <a:r>
+              <a:rPr kumimoji="1" lang="ja-JP" altLang="en-US"/>
+              <a:t>担当：緒方</a:t>
+            </a:r>
+            <a:r>
               <a:rPr kumimoji="1" lang="ja-JP" altLang="en-US" dirty="0"/>
-              <a:t>緒方秀男</a:t>
+              <a:t>秀男</a:t>
             </a:r>
           </a:p>
         </p:txBody>
@@ -4137,10 +4153,184 @@
       </p:grpSpPr>
       <p:sp>
         <p:nvSpPr>
-          <p:cNvPr id="2" name="スライド番号プレースホルダー 1">
-            <a:extLst>
-              <a:ext uri="{FF2B5EF4-FFF2-40B4-BE49-F238E27FC236}">
-                <a16:creationId xmlns:a16="http://schemas.microsoft.com/office/drawing/2014/main" id="{E6CC4F5D-B53D-4BC5-8B06-1B91712D2956}"/>
+          <p:cNvPr id="2" name="タイトル 1">
+            <a:extLst>
+              <a:ext uri="{FF2B5EF4-FFF2-40B4-BE49-F238E27FC236}">
+                <a16:creationId xmlns:a16="http://schemas.microsoft.com/office/drawing/2014/main" id="{72411D77-E191-91B0-ECCC-CE2885575D6B}"/>
+              </a:ext>
+            </a:extLst>
+          </p:cNvPr>
+          <p:cNvSpPr>
+            <a:spLocks noGrp="1"/>
+          </p:cNvSpPr>
+          <p:nvPr>
+            <p:ph type="title"/>
+          </p:nvPr>
+        </p:nvSpPr>
+        <p:spPr/>
+        <p:txBody>
+          <a:bodyPr/>
+          <a:lstStyle/>
+          <a:p>
+            <a:r>
+              <a:rPr lang="ja-JP" altLang="en-US"/>
+              <a:t>使うもの</a:t>
+            </a:r>
+            <a:endParaRPr kumimoji="1" lang="ja-JP" altLang="en-US"/>
+          </a:p>
+        </p:txBody>
+      </p:sp>
+      <p:sp>
+        <p:nvSpPr>
+          <p:cNvPr id="3" name="コンテンツ プレースホルダー 2">
+            <a:extLst>
+              <a:ext uri="{FF2B5EF4-FFF2-40B4-BE49-F238E27FC236}">
+                <a16:creationId xmlns:a16="http://schemas.microsoft.com/office/drawing/2014/main" id="{B7019B4D-CD53-116F-08E0-4FC302AF5575}"/>
+              </a:ext>
+            </a:extLst>
+          </p:cNvPr>
+          <p:cNvSpPr>
+            <a:spLocks noGrp="1"/>
+          </p:cNvSpPr>
+          <p:nvPr>
+            <p:ph sz="half" idx="1"/>
+          </p:nvPr>
+        </p:nvSpPr>
+        <p:spPr/>
+        <p:txBody>
+          <a:bodyPr/>
+          <a:lstStyle/>
+          <a:p>
+            <a:pPr>
+              <a:lnSpc>
+                <a:spcPct val="150000"/>
+              </a:lnSpc>
+            </a:pPr>
+            <a:r>
+              <a:rPr lang="ja-JP" altLang="en-US"/>
+              <a:t>ノート</a:t>
+            </a:r>
+            <a:endParaRPr lang="en-US" altLang="ja-JP"/>
+          </a:p>
+          <a:p>
+            <a:pPr>
+              <a:lnSpc>
+                <a:spcPct val="150000"/>
+              </a:lnSpc>
+            </a:pPr>
+            <a:r>
+              <a:rPr lang="ja-JP" altLang="en-US"/>
+              <a:t>分度器</a:t>
+            </a:r>
+            <a:endParaRPr lang="en-US" altLang="ja-JP"/>
+          </a:p>
+          <a:p>
+            <a:pPr>
+              <a:lnSpc>
+                <a:spcPct val="150000"/>
+              </a:lnSpc>
+            </a:pPr>
+            <a:r>
+              <a:rPr kumimoji="1" lang="ja-JP" altLang="en-US"/>
+              <a:t>黒板</a:t>
+            </a:r>
+            <a:endParaRPr kumimoji="1" lang="en-US" altLang="ja-JP"/>
+          </a:p>
+          <a:p>
+            <a:pPr>
+              <a:lnSpc>
+                <a:spcPct val="150000"/>
+              </a:lnSpc>
+            </a:pPr>
+            <a:endParaRPr kumimoji="1" lang="en-US" altLang="ja-JP"/>
+          </a:p>
+          <a:p>
+            <a:endParaRPr kumimoji="1" lang="ja-JP" altLang="en-US"/>
+          </a:p>
+        </p:txBody>
+      </p:sp>
+      <p:sp>
+        <p:nvSpPr>
+          <p:cNvPr id="4" name="コンテンツ プレースホルダー 3">
+            <a:extLst>
+              <a:ext uri="{FF2B5EF4-FFF2-40B4-BE49-F238E27FC236}">
+                <a16:creationId xmlns:a16="http://schemas.microsoft.com/office/drawing/2014/main" id="{18788ACE-ED3A-E9AE-D43A-82DFC99AA67D}"/>
+              </a:ext>
+            </a:extLst>
+          </p:cNvPr>
+          <p:cNvSpPr>
+            <a:spLocks noGrp="1"/>
+          </p:cNvSpPr>
+          <p:nvPr>
+            <p:ph sz="half" idx="2"/>
+          </p:nvPr>
+        </p:nvSpPr>
+        <p:spPr/>
+        <p:txBody>
+          <a:bodyPr/>
+          <a:lstStyle/>
+          <a:p>
+            <a:pPr>
+              <a:lnSpc>
+                <a:spcPct val="150000"/>
+              </a:lnSpc>
+            </a:pPr>
+            <a:r>
+              <a:rPr lang="ja-JP" altLang="en-US" b="1"/>
+              <a:t>スクリーン（</a:t>
+            </a:r>
+            <a:r>
+              <a:rPr lang="en-US" altLang="ja-JP" b="1"/>
+              <a:t>or </a:t>
+            </a:r>
+            <a:r>
+              <a:rPr lang="ja-JP" altLang="en-US" b="1"/>
+              <a:t>電子黒板）</a:t>
+            </a:r>
+            <a:endParaRPr lang="en-US" altLang="ja-JP" b="1"/>
+          </a:p>
+          <a:p>
+            <a:pPr>
+              <a:lnSpc>
+                <a:spcPct val="150000"/>
+              </a:lnSpc>
+            </a:pPr>
+            <a:r>
+              <a:rPr kumimoji="1" lang="ja-JP" altLang="en-US" b="1"/>
+              <a:t>生徒用タブレット</a:t>
+            </a:r>
+            <a:br>
+              <a:rPr lang="en-US" altLang="ja-JP" b="1"/>
+            </a:br>
+            <a:r>
+              <a:rPr lang="ja-JP" altLang="en-US" b="1"/>
+              <a:t>（</a:t>
+            </a:r>
+            <a:r>
+              <a:rPr kumimoji="1" lang="ja-JP" altLang="en-US" b="1"/>
+              <a:t>デジタル教科書）</a:t>
+            </a:r>
+            <a:endParaRPr kumimoji="1" lang="en-US" altLang="ja-JP" b="1"/>
+          </a:p>
+          <a:p>
+            <a:pPr>
+              <a:lnSpc>
+                <a:spcPct val="150000"/>
+              </a:lnSpc>
+            </a:pPr>
+            <a:endParaRPr kumimoji="1" lang="ja-JP" altLang="en-US" b="1"/>
+          </a:p>
+          <a:p>
+            <a:endParaRPr kumimoji="1" lang="ja-JP" altLang="en-US"/>
+          </a:p>
+        </p:txBody>
+      </p:sp>
+      <p:sp>
+        <p:nvSpPr>
+          <p:cNvPr id="5" name="スライド番号プレースホルダー 4">
+            <a:extLst>
+              <a:ext uri="{FF2B5EF4-FFF2-40B4-BE49-F238E27FC236}">
+                <a16:creationId xmlns:a16="http://schemas.microsoft.com/office/drawing/2014/main" id="{E66625DE-A445-465B-BE18-52D26BBE4B20}"/>
               </a:ext>
             </a:extLst>
           </p:cNvPr>
@@ -4164,46 +4354,10 @@
           </a:p>
         </p:txBody>
       </p:sp>
-      <p:pic>
-        <p:nvPicPr>
-          <p:cNvPr id="4" name="図 3">
-            <a:extLst>
-              <a:ext uri="{FF2B5EF4-FFF2-40B4-BE49-F238E27FC236}">
-                <a16:creationId xmlns:a16="http://schemas.microsoft.com/office/drawing/2014/main" id="{5A4C87FB-F551-43BA-B96D-B30FDABE9BD5}"/>
-              </a:ext>
-            </a:extLst>
-          </p:cNvPr>
-          <p:cNvPicPr>
-            <a:picLocks noChangeAspect="1"/>
-          </p:cNvPicPr>
-          <p:nvPr/>
-        </p:nvPicPr>
-        <p:blipFill>
-          <a:blip r:embed="rId2">
-            <a:extLst>
-              <a:ext uri="{28A0092B-C50C-407E-A947-70E740481C1C}">
-                <a14:useLocalDpi xmlns:a14="http://schemas.microsoft.com/office/drawing/2010/main" val="0"/>
-              </a:ext>
-            </a:extLst>
-          </a:blip>
-          <a:stretch>
-            <a:fillRect/>
-          </a:stretch>
-        </p:blipFill>
-        <p:spPr>
-          <a:xfrm>
-            <a:off x="1238249" y="0"/>
-            <a:ext cx="9715501" cy="6858000"/>
-          </a:xfrm>
-          <a:prstGeom prst="rect">
-            <a:avLst/>
-          </a:prstGeom>
-        </p:spPr>
-      </p:pic>
     </p:spTree>
     <p:extLst>
       <p:ext uri="{BB962C8B-B14F-4D97-AF65-F5344CB8AC3E}">
-        <p14:creationId xmlns:p14="http://schemas.microsoft.com/office/powerpoint/2010/main" val="453665789"/>
+        <p14:creationId xmlns:p14="http://schemas.microsoft.com/office/powerpoint/2010/main" val="3605121262"/>
       </p:ext>
     </p:extLst>
   </p:cSld>
@@ -4232,10 +4386,140 @@
       </p:grpSpPr>
       <p:sp>
         <p:nvSpPr>
-          <p:cNvPr id="2" name="スライド番号プレースホルダー 1">
-            <a:extLst>
-              <a:ext uri="{FF2B5EF4-FFF2-40B4-BE49-F238E27FC236}">
-                <a16:creationId xmlns:a16="http://schemas.microsoft.com/office/drawing/2014/main" id="{DD97A725-5D32-4CCC-BA46-976DBACDA364}"/>
+          <p:cNvPr id="2" name="タイトル 1">
+            <a:extLst>
+              <a:ext uri="{FF2B5EF4-FFF2-40B4-BE49-F238E27FC236}">
+                <a16:creationId xmlns:a16="http://schemas.microsoft.com/office/drawing/2014/main" id="{AD458AD4-43DA-B4E4-D608-3E185968EDD0}"/>
+              </a:ext>
+            </a:extLst>
+          </p:cNvPr>
+          <p:cNvSpPr>
+            <a:spLocks noGrp="1"/>
+          </p:cNvSpPr>
+          <p:nvPr>
+            <p:ph type="title"/>
+          </p:nvPr>
+        </p:nvSpPr>
+        <p:spPr/>
+        <p:txBody>
+          <a:bodyPr/>
+          <a:lstStyle/>
+          <a:p>
+            <a:r>
+              <a:rPr kumimoji="1" lang="ja-JP" altLang="en-US"/>
+              <a:t>指導上の留意点</a:t>
+            </a:r>
+          </a:p>
+        </p:txBody>
+      </p:sp>
+      <p:sp>
+        <p:nvSpPr>
+          <p:cNvPr id="3" name="コンテンツ プレースホルダー 2">
+            <a:extLst>
+              <a:ext uri="{FF2B5EF4-FFF2-40B4-BE49-F238E27FC236}">
+                <a16:creationId xmlns:a16="http://schemas.microsoft.com/office/drawing/2014/main" id="{E2E673C5-AE42-5711-3790-A7AFAF6DF845}"/>
+              </a:ext>
+            </a:extLst>
+          </p:cNvPr>
+          <p:cNvSpPr>
+            <a:spLocks noGrp="1"/>
+          </p:cNvSpPr>
+          <p:nvPr>
+            <p:ph idx="1"/>
+          </p:nvPr>
+        </p:nvSpPr>
+        <p:spPr/>
+        <p:txBody>
+          <a:bodyPr/>
+          <a:lstStyle/>
+          <a:p>
+            <a:pPr>
+              <a:lnSpc>
+                <a:spcPct val="150000"/>
+              </a:lnSpc>
+            </a:pPr>
+            <a:r>
+              <a:rPr kumimoji="1" lang="ja-JP" altLang="en-US"/>
+              <a:t>弧</a:t>
+            </a:r>
+            <a:r>
+              <a:rPr kumimoji="1" lang="en-US" altLang="ja-JP"/>
+              <a:t>AB</a:t>
+            </a:r>
+            <a:r>
+              <a:rPr kumimoji="1" lang="ja-JP" altLang="en-US"/>
+              <a:t>に対して点</a:t>
+            </a:r>
+            <a:r>
+              <a:rPr kumimoji="1" lang="en-US" altLang="ja-JP"/>
+              <a:t>P</a:t>
+            </a:r>
+            <a:r>
+              <a:rPr kumimoji="1" lang="ja-JP" altLang="en-US"/>
+              <a:t>を生徒にとってもらうときに、</a:t>
+            </a:r>
+            <a:br>
+              <a:rPr kumimoji="1" lang="en-US" altLang="ja-JP"/>
+            </a:br>
+            <a:r>
+              <a:rPr kumimoji="1" lang="ja-JP" altLang="en-US" b="1"/>
+              <a:t>弧</a:t>
+            </a:r>
+            <a:r>
+              <a:rPr kumimoji="1" lang="en-US" altLang="ja-JP" b="1"/>
+              <a:t>AB</a:t>
+            </a:r>
+            <a:r>
+              <a:rPr kumimoji="1" lang="ja-JP" altLang="en-US" b="1"/>
+              <a:t>を除く円周上にとる</a:t>
+            </a:r>
+            <a:r>
+              <a:rPr kumimoji="1" lang="ja-JP" altLang="en-US"/>
+              <a:t>ことを強調する。</a:t>
+            </a:r>
+            <a:endParaRPr kumimoji="1" lang="en-US" altLang="ja-JP"/>
+          </a:p>
+          <a:p>
+            <a:pPr>
+              <a:lnSpc>
+                <a:spcPct val="150000"/>
+              </a:lnSpc>
+            </a:pPr>
+            <a:r>
+              <a:rPr lang="ja-JP" altLang="en-US"/>
+              <a:t>円周角と中心角の大きさの関係で、</a:t>
+            </a:r>
+            <a:br>
+              <a:rPr lang="en-US" altLang="ja-JP"/>
+            </a:br>
+            <a:r>
+              <a:rPr lang="ja-JP" altLang="en-US" b="1"/>
+              <a:t>どちらがどちらの半分なのか、２倍なのか</a:t>
+            </a:r>
+            <a:r>
+              <a:rPr lang="ja-JP" altLang="en-US"/>
+              <a:t>を</a:t>
+            </a:r>
+            <a:br>
+              <a:rPr lang="en-US" altLang="ja-JP"/>
+            </a:br>
+            <a:r>
+              <a:rPr lang="ja-JP" altLang="en-US"/>
+              <a:t>間違えないように注意させる。</a:t>
+            </a:r>
+            <a:endParaRPr kumimoji="1" lang="en-US" altLang="ja-JP"/>
+          </a:p>
+          <a:p>
+            <a:endParaRPr kumimoji="1" lang="ja-JP" altLang="en-US"/>
+          </a:p>
+        </p:txBody>
+      </p:sp>
+      <p:sp>
+        <p:nvSpPr>
+          <p:cNvPr id="4" name="スライド番号プレースホルダー 3">
+            <a:extLst>
+              <a:ext uri="{FF2B5EF4-FFF2-40B4-BE49-F238E27FC236}">
+                <a16:creationId xmlns:a16="http://schemas.microsoft.com/office/drawing/2014/main" id="{12AC4899-8BE7-2BFC-97D5-B35D1A7EB492}"/>
               </a:ext>
             </a:extLst>
           </p:cNvPr>
@@ -4259,46 +4543,10 @@
           </a:p>
         </p:txBody>
       </p:sp>
-      <p:pic>
-        <p:nvPicPr>
-          <p:cNvPr id="4" name="図 3">
-            <a:extLst>
-              <a:ext uri="{FF2B5EF4-FFF2-40B4-BE49-F238E27FC236}">
-                <a16:creationId xmlns:a16="http://schemas.microsoft.com/office/drawing/2014/main" id="{0A5A2CC7-1B31-4C6C-A836-13434C3A6CE5}"/>
-              </a:ext>
-            </a:extLst>
-          </p:cNvPr>
-          <p:cNvPicPr>
-            <a:picLocks noChangeAspect="1"/>
-          </p:cNvPicPr>
-          <p:nvPr/>
-        </p:nvPicPr>
-        <p:blipFill>
-          <a:blip r:embed="rId2">
-            <a:extLst>
-              <a:ext uri="{28A0092B-C50C-407E-A947-70E740481C1C}">
-                <a14:useLocalDpi xmlns:a14="http://schemas.microsoft.com/office/drawing/2010/main" val="0"/>
-              </a:ext>
-            </a:extLst>
-          </a:blip>
-          <a:stretch>
-            <a:fillRect/>
-          </a:stretch>
-        </p:blipFill>
-        <p:spPr>
-          <a:xfrm>
-            <a:off x="1209492" y="0"/>
-            <a:ext cx="9773016" cy="6858000"/>
-          </a:xfrm>
-          <a:prstGeom prst="rect">
-            <a:avLst/>
-          </a:prstGeom>
-        </p:spPr>
-      </p:pic>
     </p:spTree>
     <p:extLst>
       <p:ext uri="{BB962C8B-B14F-4D97-AF65-F5344CB8AC3E}">
-        <p14:creationId xmlns:p14="http://schemas.microsoft.com/office/powerpoint/2010/main" val="2089697515"/>
+        <p14:creationId xmlns:p14="http://schemas.microsoft.com/office/powerpoint/2010/main" val="2466854397"/>
       </p:ext>
     </p:extLst>
   </p:cSld>
@@ -4327,10 +4575,142 @@
       </p:grpSpPr>
       <p:sp>
         <p:nvSpPr>
-          <p:cNvPr id="2" name="スライド番号プレースホルダー 1">
-            <a:extLst>
-              <a:ext uri="{FF2B5EF4-FFF2-40B4-BE49-F238E27FC236}">
-                <a16:creationId xmlns:a16="http://schemas.microsoft.com/office/drawing/2014/main" id="{7A117E73-20DD-4704-8E1B-6FB97E927F14}"/>
+          <p:cNvPr id="2" name="タイトル 1">
+            <a:extLst>
+              <a:ext uri="{FF2B5EF4-FFF2-40B4-BE49-F238E27FC236}">
+                <a16:creationId xmlns:a16="http://schemas.microsoft.com/office/drawing/2014/main" id="{376F3BF3-A55F-43E7-B117-E29E43896567}"/>
+              </a:ext>
+            </a:extLst>
+          </p:cNvPr>
+          <p:cNvSpPr>
+            <a:spLocks noGrp="1"/>
+          </p:cNvSpPr>
+          <p:nvPr>
+            <p:ph type="title"/>
+          </p:nvPr>
+        </p:nvSpPr>
+        <p:spPr/>
+        <p:txBody>
+          <a:bodyPr/>
+          <a:lstStyle/>
+          <a:p>
+            <a:r>
+              <a:rPr kumimoji="1" lang="ja-JP" altLang="en-US" dirty="0"/>
+              <a:t>授業の流れ</a:t>
+            </a:r>
+          </a:p>
+        </p:txBody>
+      </p:sp>
+      <p:sp>
+        <p:nvSpPr>
+          <p:cNvPr id="3" name="コンテンツ プレースホルダー 2">
+            <a:extLst>
+              <a:ext uri="{FF2B5EF4-FFF2-40B4-BE49-F238E27FC236}">
+                <a16:creationId xmlns:a16="http://schemas.microsoft.com/office/drawing/2014/main" id="{90003DB2-C8A1-421E-9938-A0B958111C5B}"/>
+              </a:ext>
+            </a:extLst>
+          </p:cNvPr>
+          <p:cNvSpPr>
+            <a:spLocks noGrp="1"/>
+          </p:cNvSpPr>
+          <p:nvPr>
+            <p:ph idx="1"/>
+          </p:nvPr>
+        </p:nvSpPr>
+        <p:spPr/>
+        <p:txBody>
+          <a:bodyPr/>
+          <a:lstStyle/>
+          <a:p>
+            <a:pPr marL="514350" indent="-514350">
+              <a:lnSpc>
+                <a:spcPct val="150000"/>
+              </a:lnSpc>
+              <a:buFont typeface="+mj-lt"/>
+              <a:buAutoNum type="arabicPeriod"/>
+            </a:pPr>
+            <a:r>
+              <a:rPr kumimoji="1" lang="ja-JP" altLang="en-US" b="1"/>
+              <a:t>円周角と中心</a:t>
+            </a:r>
+            <a:r>
+              <a:rPr kumimoji="1" lang="ja-JP" altLang="en-US" b="1" dirty="0"/>
+              <a:t>角</a:t>
+            </a:r>
+            <a:r>
+              <a:rPr kumimoji="1" lang="ja-JP" altLang="en-US" dirty="0"/>
+              <a:t>の</a:t>
+            </a:r>
+            <a:r>
+              <a:rPr kumimoji="1" lang="ja-JP" altLang="en-US"/>
+              <a:t>大きさを測り、</a:t>
+            </a:r>
+            <a:r>
+              <a:rPr lang="ja-JP" altLang="en-US"/>
+              <a:t>その</a:t>
+            </a:r>
+            <a:r>
+              <a:rPr lang="ja-JP" altLang="en-US" b="1"/>
+              <a:t>関係を予想</a:t>
+            </a:r>
+            <a:r>
+              <a:rPr lang="ja-JP" altLang="en-US"/>
+              <a:t>する</a:t>
+            </a:r>
+            <a:endParaRPr kumimoji="1" lang="en-US" altLang="ja-JP" dirty="0"/>
+          </a:p>
+          <a:p>
+            <a:pPr marL="514350" indent="-514350">
+              <a:lnSpc>
+                <a:spcPct val="150000"/>
+              </a:lnSpc>
+              <a:buFont typeface="+mj-lt"/>
+              <a:buAutoNum type="arabicPeriod"/>
+            </a:pPr>
+            <a:r>
+              <a:rPr kumimoji="1" lang="ja-JP" altLang="en-US" dirty="0"/>
+              <a:t>実際に円周角と中心角の</a:t>
+            </a:r>
+            <a:r>
+              <a:rPr kumimoji="1" lang="ja-JP" altLang="en-US" b="1" dirty="0"/>
+              <a:t>関係を証明</a:t>
+            </a:r>
+            <a:r>
+              <a:rPr kumimoji="1" lang="ja-JP" altLang="en-US" dirty="0"/>
+              <a:t>する</a:t>
+            </a:r>
+            <a:endParaRPr kumimoji="1" lang="en-US" altLang="ja-JP" dirty="0"/>
+          </a:p>
+          <a:p>
+            <a:pPr marL="514350" indent="-514350">
+              <a:lnSpc>
+                <a:spcPct val="150000"/>
+              </a:lnSpc>
+              <a:buFont typeface="+mj-lt"/>
+              <a:buAutoNum type="arabicPeriod"/>
+            </a:pPr>
+            <a:r>
+              <a:rPr lang="ja-JP" altLang="en-US" b="1"/>
+              <a:t>円周</a:t>
+            </a:r>
+            <a:r>
+              <a:rPr lang="ja-JP" altLang="en-US" b="1" dirty="0"/>
+              <a:t>角</a:t>
+            </a:r>
+            <a:r>
+              <a:rPr lang="ja-JP" altLang="en-US" b="1"/>
+              <a:t>の定理</a:t>
+            </a:r>
+            <a:endParaRPr kumimoji="1" lang="ja-JP" altLang="en-US" dirty="0"/>
+          </a:p>
+        </p:txBody>
+      </p:sp>
+      <p:sp>
+        <p:nvSpPr>
+          <p:cNvPr id="4" name="スライド番号プレースホルダー 3">
+            <a:extLst>
+              <a:ext uri="{FF2B5EF4-FFF2-40B4-BE49-F238E27FC236}">
+                <a16:creationId xmlns:a16="http://schemas.microsoft.com/office/drawing/2014/main" id="{E43E0FF1-6155-4CD7-87E9-E429D7843D10}"/>
               </a:ext>
             </a:extLst>
           </p:cNvPr>
@@ -4354,46 +4734,10 @@
           </a:p>
         </p:txBody>
       </p:sp>
-      <p:pic>
-        <p:nvPicPr>
-          <p:cNvPr id="4" name="図 3">
-            <a:extLst>
-              <a:ext uri="{FF2B5EF4-FFF2-40B4-BE49-F238E27FC236}">
-                <a16:creationId xmlns:a16="http://schemas.microsoft.com/office/drawing/2014/main" id="{9D79E7E2-DDA9-4E81-8243-00638832B0DC}"/>
-              </a:ext>
-            </a:extLst>
-          </p:cNvPr>
-          <p:cNvPicPr>
-            <a:picLocks noChangeAspect="1"/>
-          </p:cNvPicPr>
-          <p:nvPr/>
-        </p:nvPicPr>
-        <p:blipFill>
-          <a:blip r:embed="rId2">
-            <a:extLst>
-              <a:ext uri="{28A0092B-C50C-407E-A947-70E740481C1C}">
-                <a14:useLocalDpi xmlns:a14="http://schemas.microsoft.com/office/drawing/2010/main" val="0"/>
-              </a:ext>
-            </a:extLst>
-          </a:blip>
-          <a:stretch>
-            <a:fillRect/>
-          </a:stretch>
-        </p:blipFill>
-        <p:spPr>
-          <a:xfrm>
-            <a:off x="3671977" y="0"/>
-            <a:ext cx="4848045" cy="6858000"/>
-          </a:xfrm>
-          <a:prstGeom prst="rect">
-            <a:avLst/>
-          </a:prstGeom>
-        </p:spPr>
-      </p:pic>
     </p:spTree>
     <p:extLst>
       <p:ext uri="{BB962C8B-B14F-4D97-AF65-F5344CB8AC3E}">
-        <p14:creationId xmlns:p14="http://schemas.microsoft.com/office/powerpoint/2010/main" val="1758088730"/>
+        <p14:creationId xmlns:p14="http://schemas.microsoft.com/office/powerpoint/2010/main" val="1385998628"/>
       </p:ext>
     </p:extLst>
   </p:cSld>
@@ -4422,10 +4766,115 @@
       </p:grpSpPr>
       <p:sp>
         <p:nvSpPr>
-          <p:cNvPr id="2" name="スライド番号プレースホルダー 1">
-            <a:extLst>
-              <a:ext uri="{FF2B5EF4-FFF2-40B4-BE49-F238E27FC236}">
-                <a16:creationId xmlns:a16="http://schemas.microsoft.com/office/drawing/2014/main" id="{885CBE6B-6501-48B4-B4E3-4D02572D6DDA}"/>
+          <p:cNvPr id="2" name="タイトル 1">
+            <a:extLst>
+              <a:ext uri="{FF2B5EF4-FFF2-40B4-BE49-F238E27FC236}">
+                <a16:creationId xmlns:a16="http://schemas.microsoft.com/office/drawing/2014/main" id="{A87C9F7D-5F1C-5DF4-0CDB-F3B08434F40D}"/>
+              </a:ext>
+            </a:extLst>
+          </p:cNvPr>
+          <p:cNvSpPr>
+            <a:spLocks noGrp="1"/>
+          </p:cNvSpPr>
+          <p:nvPr>
+            <p:ph type="title"/>
+          </p:nvPr>
+        </p:nvSpPr>
+        <p:spPr/>
+        <p:txBody>
+          <a:bodyPr/>
+          <a:lstStyle/>
+          <a:p>
+            <a:r>
+              <a:rPr kumimoji="1" lang="ja-JP" altLang="en-US"/>
+              <a:t>導入（</a:t>
+            </a:r>
+            <a:r>
+              <a:rPr kumimoji="1" lang="en-US" altLang="ja-JP"/>
+              <a:t>10</a:t>
+            </a:r>
+            <a:r>
+              <a:rPr kumimoji="1" lang="ja-JP" altLang="en-US"/>
+              <a:t>分）</a:t>
+            </a:r>
+          </a:p>
+        </p:txBody>
+      </p:sp>
+      <p:sp>
+        <p:nvSpPr>
+          <p:cNvPr id="3" name="コンテンツ プレースホルダー 2">
+            <a:extLst>
+              <a:ext uri="{FF2B5EF4-FFF2-40B4-BE49-F238E27FC236}">
+                <a16:creationId xmlns:a16="http://schemas.microsoft.com/office/drawing/2014/main" id="{BB005AF6-FCDD-68A5-9C8F-84B913EB4E2C}"/>
+              </a:ext>
+            </a:extLst>
+          </p:cNvPr>
+          <p:cNvSpPr>
+            <a:spLocks noGrp="1"/>
+          </p:cNvSpPr>
+          <p:nvPr>
+            <p:ph idx="1"/>
+          </p:nvPr>
+        </p:nvSpPr>
+        <p:spPr/>
+        <p:txBody>
+          <a:bodyPr/>
+          <a:lstStyle/>
+          <a:p>
+            <a:pPr>
+              <a:lnSpc>
+                <a:spcPct val="150000"/>
+              </a:lnSpc>
+            </a:pPr>
+            <a:r>
+              <a:rPr kumimoji="1" lang="ja-JP" altLang="en-US"/>
+              <a:t>点</a:t>
+            </a:r>
+            <a:r>
+              <a:rPr kumimoji="1" lang="en-US" altLang="ja-JP"/>
+              <a:t>P</a:t>
+            </a:r>
+            <a:r>
+              <a:rPr kumimoji="1" lang="ja-JP" altLang="en-US"/>
+              <a:t>を円周上で動かし、</a:t>
+            </a:r>
+            <a:r>
+              <a:rPr kumimoji="1" lang="ja-JP" altLang="en-US" b="1"/>
+              <a:t>∠</a:t>
+            </a:r>
+            <a:r>
+              <a:rPr kumimoji="1" lang="en-US" altLang="ja-JP" b="1"/>
+              <a:t>APB</a:t>
+            </a:r>
+            <a:r>
+              <a:rPr kumimoji="1" lang="ja-JP" altLang="en-US" b="1"/>
+              <a:t>を分度器で測る</a:t>
+            </a:r>
+            <a:br>
+              <a:rPr lang="en-US" altLang="ja-JP"/>
+            </a:br>
+            <a:r>
+              <a:rPr lang="ja-JP" altLang="en-US"/>
+              <a:t>→</a:t>
+            </a:r>
+            <a:r>
+              <a:rPr lang="ja-JP" altLang="en-US" b="1"/>
+              <a:t>大きさが一定</a:t>
+            </a:r>
+            <a:r>
+              <a:rPr lang="ja-JP" altLang="en-US"/>
+              <a:t>であることに気づく</a:t>
+            </a:r>
+            <a:endParaRPr kumimoji="1" lang="en-US" altLang="ja-JP"/>
+          </a:p>
+        </p:txBody>
+      </p:sp>
+      <p:sp>
+        <p:nvSpPr>
+          <p:cNvPr id="4" name="スライド番号プレースホルダー 3">
+            <a:extLst>
+              <a:ext uri="{FF2B5EF4-FFF2-40B4-BE49-F238E27FC236}">
+                <a16:creationId xmlns:a16="http://schemas.microsoft.com/office/drawing/2014/main" id="{AC71CF3C-26F0-0D90-98FD-77DEC222598B}"/>
               </a:ext>
             </a:extLst>
           </p:cNvPr>
@@ -4451,10 +4900,10 @@
       </p:sp>
       <p:pic>
         <p:nvPicPr>
-          <p:cNvPr id="4" name="図 3">
-            <a:extLst>
-              <a:ext uri="{FF2B5EF4-FFF2-40B4-BE49-F238E27FC236}">
-                <a16:creationId xmlns:a16="http://schemas.microsoft.com/office/drawing/2014/main" id="{C1F1F58B-FAB3-4032-91D9-B7BD796BE4DE}"/>
+          <p:cNvPr id="7" name="図 6">
+            <a:extLst>
+              <a:ext uri="{FF2B5EF4-FFF2-40B4-BE49-F238E27FC236}">
+                <a16:creationId xmlns:a16="http://schemas.microsoft.com/office/drawing/2014/main" id="{B6F9DE9E-7476-429C-A980-A9626FC4B744}"/>
               </a:ext>
             </a:extLst>
           </p:cNvPr>
@@ -4471,14 +4920,13 @@
               </a:ext>
             </a:extLst>
           </a:blip>
-          <a:stretch>
-            <a:fillRect/>
-          </a:stretch>
+          <a:srcRect l="138" t="4849" r="10526" b="18788"/>
+          <a:stretch/>
         </p:blipFill>
         <p:spPr>
           <a:xfrm>
-            <a:off x="3895418" y="2328709"/>
-            <a:ext cx="4401164" cy="2200582"/>
+            <a:off x="3369129" y="3235202"/>
+            <a:ext cx="5453743" cy="3303710"/>
           </a:xfrm>
           <a:prstGeom prst="rect">
             <a:avLst/>
@@ -4488,7 +4936,7 @@
     </p:spTree>
     <p:extLst>
       <p:ext uri="{BB962C8B-B14F-4D97-AF65-F5344CB8AC3E}">
-        <p14:creationId xmlns:p14="http://schemas.microsoft.com/office/powerpoint/2010/main" val="3648782123"/>
+        <p14:creationId xmlns:p14="http://schemas.microsoft.com/office/powerpoint/2010/main" val="1320081158"/>
       </p:ext>
     </p:extLst>
   </p:cSld>
@@ -4498,7 +4946,786 @@
 </p:sld>
 </file>
 
-<file path=ppt/slides/slide2.xml><?xml version="1.0" encoding="utf-8"?>
+<file path=ppt/slides/slide14.xml><?xml version="1.0" encoding="utf-8"?>
+<p:sld xmlns:a="http://schemas.openxmlformats.org/drawingml/2006/main" xmlns:r="http://schemas.openxmlformats.org/officeDocument/2006/relationships" xmlns:p="http://schemas.openxmlformats.org/presentationml/2006/main">
+  <p:cSld>
+    <p:spTree>
+      <p:nvGrpSpPr>
+        <p:cNvPr id="1" name="">
+          <a:extLst>
+            <a:ext uri="{FF2B5EF4-FFF2-40B4-BE49-F238E27FC236}">
+              <a16:creationId xmlns:a16="http://schemas.microsoft.com/office/drawing/2014/main" id="{A688261D-A67C-EA0E-2CF7-81AD4BE31E97}"/>
+            </a:ext>
+          </a:extLst>
+        </p:cNvPr>
+        <p:cNvGrpSpPr/>
+        <p:nvPr/>
+      </p:nvGrpSpPr>
+      <p:grpSpPr>
+        <a:xfrm>
+          <a:off x="0" y="0"/>
+          <a:ext cx="0" cy="0"/>
+          <a:chOff x="0" y="0"/>
+          <a:chExt cx="0" cy="0"/>
+        </a:xfrm>
+      </p:grpSpPr>
+      <p:sp>
+        <p:nvSpPr>
+          <p:cNvPr id="2" name="タイトル 1">
+            <a:extLst>
+              <a:ext uri="{FF2B5EF4-FFF2-40B4-BE49-F238E27FC236}">
+                <a16:creationId xmlns:a16="http://schemas.microsoft.com/office/drawing/2014/main" id="{F1B0F269-D262-4987-244C-1A07E29B0527}"/>
+              </a:ext>
+            </a:extLst>
+          </p:cNvPr>
+          <p:cNvSpPr>
+            <a:spLocks noGrp="1"/>
+          </p:cNvSpPr>
+          <p:nvPr>
+            <p:ph type="title"/>
+          </p:nvPr>
+        </p:nvSpPr>
+        <p:spPr/>
+        <p:txBody>
+          <a:bodyPr/>
+          <a:lstStyle/>
+          <a:p>
+            <a:r>
+              <a:rPr lang="ja-JP" altLang="en-US"/>
+              <a:t>展開①（</a:t>
+            </a:r>
+            <a:r>
+              <a:rPr lang="en-US" altLang="ja-JP"/>
+              <a:t>5</a:t>
+            </a:r>
+            <a:r>
+              <a:rPr lang="ja-JP" altLang="en-US"/>
+              <a:t>分）</a:t>
+            </a:r>
+            <a:endParaRPr kumimoji="1" lang="ja-JP" altLang="en-US"/>
+          </a:p>
+        </p:txBody>
+      </p:sp>
+      <p:sp>
+        <p:nvSpPr>
+          <p:cNvPr id="3" name="コンテンツ プレースホルダー 2">
+            <a:extLst>
+              <a:ext uri="{FF2B5EF4-FFF2-40B4-BE49-F238E27FC236}">
+                <a16:creationId xmlns:a16="http://schemas.microsoft.com/office/drawing/2014/main" id="{23E150C9-A148-3895-70D4-7704B3BA7AB0}"/>
+              </a:ext>
+            </a:extLst>
+          </p:cNvPr>
+          <p:cNvSpPr>
+            <a:spLocks noGrp="1"/>
+          </p:cNvSpPr>
+          <p:nvPr>
+            <p:ph idx="1"/>
+          </p:nvPr>
+        </p:nvSpPr>
+        <p:spPr/>
+        <p:txBody>
+          <a:bodyPr/>
+          <a:lstStyle/>
+          <a:p>
+            <a:r>
+              <a:rPr kumimoji="1" lang="ja-JP" altLang="en-US" b="1"/>
+              <a:t>円周角</a:t>
+            </a:r>
+            <a:r>
+              <a:rPr kumimoji="1" lang="ja-JP" altLang="en-US"/>
+              <a:t>・</a:t>
+            </a:r>
+            <a:r>
+              <a:rPr kumimoji="1" lang="ja-JP" altLang="en-US" b="1"/>
+              <a:t>円周角に対する弧</a:t>
+            </a:r>
+            <a:r>
+              <a:rPr kumimoji="1" lang="ja-JP" altLang="en-US"/>
+              <a:t>の定義をノートにとる</a:t>
+            </a:r>
+          </a:p>
+        </p:txBody>
+      </p:sp>
+      <p:sp>
+        <p:nvSpPr>
+          <p:cNvPr id="4" name="スライド番号プレースホルダー 3">
+            <a:extLst>
+              <a:ext uri="{FF2B5EF4-FFF2-40B4-BE49-F238E27FC236}">
+                <a16:creationId xmlns:a16="http://schemas.microsoft.com/office/drawing/2014/main" id="{3ADAC29D-3AB6-E664-BF2B-C789B0F111CD}"/>
+              </a:ext>
+            </a:extLst>
+          </p:cNvPr>
+          <p:cNvSpPr>
+            <a:spLocks noGrp="1"/>
+          </p:cNvSpPr>
+          <p:nvPr>
+            <p:ph type="sldNum" sz="quarter" idx="12"/>
+          </p:nvPr>
+        </p:nvSpPr>
+        <p:spPr/>
+        <p:txBody>
+          <a:bodyPr/>
+          <a:lstStyle/>
+          <a:p>
+            <a:fld id="{91F53415-5CFC-4B36-B902-1D0CCCCD1D51}" type="slidenum">
+              <a:rPr kumimoji="1" lang="ja-JP" altLang="en-US" smtClean="0"/>
+              <a:t>14</a:t>
+            </a:fld>
+            <a:endParaRPr kumimoji="1" lang="ja-JP" altLang="en-US"/>
+          </a:p>
+        </p:txBody>
+      </p:sp>
+      <p:pic>
+        <p:nvPicPr>
+          <p:cNvPr id="8" name="図 7">
+            <a:extLst>
+              <a:ext uri="{FF2B5EF4-FFF2-40B4-BE49-F238E27FC236}">
+                <a16:creationId xmlns:a16="http://schemas.microsoft.com/office/drawing/2014/main" id="{1BDB40B5-5036-6385-5EAD-FEFFDFF9BCF8}"/>
+              </a:ext>
+            </a:extLst>
+          </p:cNvPr>
+          <p:cNvPicPr>
+            <a:picLocks noChangeAspect="1"/>
+          </p:cNvPicPr>
+          <p:nvPr/>
+        </p:nvPicPr>
+        <p:blipFill>
+          <a:blip r:embed="rId2">
+            <a:extLst>
+              <a:ext uri="{28A0092B-C50C-407E-A947-70E740481C1C}">
+                <a14:useLocalDpi xmlns:a14="http://schemas.microsoft.com/office/drawing/2010/main" val="0"/>
+              </a:ext>
+            </a:extLst>
+          </a:blip>
+          <a:srcRect l="3907" t="13160" r="56724" b="69178"/>
+          <a:stretch/>
+        </p:blipFill>
+        <p:spPr>
+          <a:xfrm>
+            <a:off x="2303813" y="2956957"/>
+            <a:ext cx="8110143" cy="2553195"/>
+          </a:xfrm>
+          <a:prstGeom prst="rect">
+            <a:avLst/>
+          </a:prstGeom>
+        </p:spPr>
+      </p:pic>
+      <p:pic>
+        <p:nvPicPr>
+          <p:cNvPr id="9" name="図 8">
+            <a:extLst>
+              <a:ext uri="{FF2B5EF4-FFF2-40B4-BE49-F238E27FC236}">
+                <a16:creationId xmlns:a16="http://schemas.microsoft.com/office/drawing/2014/main" id="{E9E0670A-27F1-3DB6-5771-9417C775D0E4}"/>
+              </a:ext>
+            </a:extLst>
+          </p:cNvPr>
+          <p:cNvPicPr>
+            <a:picLocks noChangeAspect="1"/>
+          </p:cNvPicPr>
+          <p:nvPr/>
+        </p:nvPicPr>
+        <p:blipFill>
+          <a:blip r:embed="rId3">
+            <a:extLst>
+              <a:ext uri="{28A0092B-C50C-407E-A947-70E740481C1C}">
+                <a14:useLocalDpi xmlns:a14="http://schemas.microsoft.com/office/drawing/2010/main" val="0"/>
+              </a:ext>
+            </a:extLst>
+          </a:blip>
+          <a:srcRect l="4169" t="12641" r="56113" b="69004"/>
+          <a:stretch/>
+        </p:blipFill>
+        <p:spPr>
+          <a:xfrm>
+            <a:off x="2327563" y="2897578"/>
+            <a:ext cx="8185235" cy="2653317"/>
+          </a:xfrm>
+          <a:prstGeom prst="rect">
+            <a:avLst/>
+          </a:prstGeom>
+        </p:spPr>
+      </p:pic>
+    </p:spTree>
+    <p:extLst>
+      <p:ext uri="{BB962C8B-B14F-4D97-AF65-F5344CB8AC3E}">
+        <p14:creationId xmlns:p14="http://schemas.microsoft.com/office/powerpoint/2010/main" val="1138764841"/>
+      </p:ext>
+    </p:extLst>
+  </p:cSld>
+  <p:clrMapOvr>
+    <a:masterClrMapping/>
+  </p:clrMapOvr>
+  <p:timing>
+    <p:tnLst>
+      <p:par>
+        <p:cTn id="1" dur="indefinite" restart="never" nodeType="tmRoot">
+          <p:childTnLst>
+            <p:seq concurrent="1" nextAc="seek">
+              <p:cTn id="2" dur="indefinite" nodeType="mainSeq">
+                <p:childTnLst>
+                  <p:par>
+                    <p:cTn id="3" fill="hold">
+                      <p:stCondLst>
+                        <p:cond delay="indefinite"/>
+                      </p:stCondLst>
+                      <p:childTnLst>
+                        <p:par>
+                          <p:cTn id="4" fill="hold">
+                            <p:stCondLst>
+                              <p:cond delay="0"/>
+                            </p:stCondLst>
+                            <p:childTnLst>
+                              <p:par>
+                                <p:cTn id="5" presetID="1" presetClass="exit" presetSubtype="0" fill="hold" nodeType="clickEffect">
+                                  <p:stCondLst>
+                                    <p:cond delay="0"/>
+                                  </p:stCondLst>
+                                  <p:childTnLst>
+                                    <p:set>
+                                      <p:cBhvr>
+                                        <p:cTn id="6" dur="1" fill="hold">
+                                          <p:stCondLst>
+                                            <p:cond delay="0"/>
+                                          </p:stCondLst>
+                                        </p:cTn>
+                                        <p:tgtEl>
+                                          <p:spTgt spid="9"/>
+                                        </p:tgtEl>
+                                        <p:attrNameLst>
+                                          <p:attrName>style.visibility</p:attrName>
+                                        </p:attrNameLst>
+                                      </p:cBhvr>
+                                      <p:to>
+                                        <p:strVal val="hidden"/>
+                                      </p:to>
+                                    </p:set>
+                                  </p:childTnLst>
+                                </p:cTn>
+                              </p:par>
+                            </p:childTnLst>
+                          </p:cTn>
+                        </p:par>
+                      </p:childTnLst>
+                    </p:cTn>
+                  </p:par>
+                </p:childTnLst>
+              </p:cTn>
+              <p:prevCondLst>
+                <p:cond evt="onPrev" delay="0">
+                  <p:tgtEl>
+                    <p:sldTgt/>
+                  </p:tgtEl>
+                </p:cond>
+              </p:prevCondLst>
+              <p:nextCondLst>
+                <p:cond evt="onNext" delay="0">
+                  <p:tgtEl>
+                    <p:sldTgt/>
+                  </p:tgtEl>
+                </p:cond>
+              </p:nextCondLst>
+            </p:seq>
+          </p:childTnLst>
+        </p:cTn>
+      </p:par>
+    </p:tnLst>
+  </p:timing>
+</p:sld>
+</file>
+
+<file path=ppt/slides/slide15.xml><?xml version="1.0" encoding="utf-8"?>
+<p:sld xmlns:a="http://schemas.openxmlformats.org/drawingml/2006/main" xmlns:r="http://schemas.openxmlformats.org/officeDocument/2006/relationships" xmlns:p="http://schemas.openxmlformats.org/presentationml/2006/main">
+  <p:cSld>
+    <p:spTree>
+      <p:nvGrpSpPr>
+        <p:cNvPr id="1" name="">
+          <a:extLst>
+            <a:ext uri="{FF2B5EF4-FFF2-40B4-BE49-F238E27FC236}">
+              <a16:creationId xmlns:a16="http://schemas.microsoft.com/office/drawing/2014/main" id="{F8DF61A9-ABA2-09DD-D96A-2A873C5E7EE9}"/>
+            </a:ext>
+          </a:extLst>
+        </p:cNvPr>
+        <p:cNvGrpSpPr/>
+        <p:nvPr/>
+      </p:nvGrpSpPr>
+      <p:grpSpPr>
+        <a:xfrm>
+          <a:off x="0" y="0"/>
+          <a:ext cx="0" cy="0"/>
+          <a:chOff x="0" y="0"/>
+          <a:chExt cx="0" cy="0"/>
+        </a:xfrm>
+      </p:grpSpPr>
+      <p:sp>
+        <p:nvSpPr>
+          <p:cNvPr id="2" name="タイトル 1">
+            <a:extLst>
+              <a:ext uri="{FF2B5EF4-FFF2-40B4-BE49-F238E27FC236}">
+                <a16:creationId xmlns:a16="http://schemas.microsoft.com/office/drawing/2014/main" id="{D4C8EBBF-BEEB-CBFC-3DC2-4939EC38815C}"/>
+              </a:ext>
+            </a:extLst>
+          </p:cNvPr>
+          <p:cNvSpPr>
+            <a:spLocks noGrp="1"/>
+          </p:cNvSpPr>
+          <p:nvPr>
+            <p:ph type="title"/>
+          </p:nvPr>
+        </p:nvSpPr>
+        <p:spPr/>
+        <p:txBody>
+          <a:bodyPr/>
+          <a:lstStyle/>
+          <a:p>
+            <a:r>
+              <a:rPr lang="ja-JP" altLang="en-US"/>
+              <a:t>展開②（</a:t>
+            </a:r>
+            <a:r>
+              <a:rPr lang="en-US" altLang="ja-JP"/>
+              <a:t>10</a:t>
+            </a:r>
+            <a:r>
+              <a:rPr lang="ja-JP" altLang="en-US"/>
+              <a:t>分）</a:t>
+            </a:r>
+            <a:endParaRPr kumimoji="1" lang="ja-JP" altLang="en-US"/>
+          </a:p>
+        </p:txBody>
+      </p:sp>
+      <p:sp>
+        <p:nvSpPr>
+          <p:cNvPr id="3" name="コンテンツ プレースホルダー 2">
+            <a:extLst>
+              <a:ext uri="{FF2B5EF4-FFF2-40B4-BE49-F238E27FC236}">
+                <a16:creationId xmlns:a16="http://schemas.microsoft.com/office/drawing/2014/main" id="{60D2B71F-94A3-61F9-6333-3CC1144A65E0}"/>
+              </a:ext>
+            </a:extLst>
+          </p:cNvPr>
+          <p:cNvSpPr>
+            <a:spLocks noGrp="1"/>
+          </p:cNvSpPr>
+          <p:nvPr>
+            <p:ph idx="1"/>
+          </p:nvPr>
+        </p:nvSpPr>
+        <p:spPr/>
+        <p:txBody>
+          <a:bodyPr/>
+          <a:lstStyle/>
+          <a:p>
+            <a:pPr>
+              <a:lnSpc>
+                <a:spcPct val="150000"/>
+              </a:lnSpc>
+            </a:pPr>
+            <a:r>
+              <a:rPr kumimoji="1" lang="ja-JP" altLang="en-US"/>
+              <a:t>点</a:t>
+            </a:r>
+            <a:r>
+              <a:rPr kumimoji="1" lang="en-US" altLang="ja-JP"/>
+              <a:t>P</a:t>
+            </a:r>
+            <a:r>
+              <a:rPr kumimoji="1" lang="ja-JP" altLang="en-US"/>
+              <a:t>を自由に動かし、</a:t>
+            </a:r>
+            <a:r>
+              <a:rPr kumimoji="1" lang="ja-JP" altLang="en-US" b="1"/>
+              <a:t>円周角と中心角の大きさ</a:t>
+            </a:r>
+            <a:r>
+              <a:rPr kumimoji="1" lang="ja-JP" altLang="en-US"/>
+              <a:t>を測る</a:t>
+            </a:r>
+            <a:br>
+              <a:rPr lang="en-US" altLang="ja-JP"/>
+            </a:br>
+            <a:r>
+              <a:rPr lang="ja-JP" altLang="en-US"/>
+              <a:t>→</a:t>
+            </a:r>
+            <a:r>
+              <a:rPr lang="ja-JP" altLang="en-US" b="1"/>
+              <a:t>円周角は中心角の半分</a:t>
+            </a:r>
+            <a:r>
+              <a:rPr lang="ja-JP" altLang="en-US"/>
+              <a:t>であることに気づく</a:t>
+            </a:r>
+            <a:endParaRPr kumimoji="1" lang="ja-JP" altLang="en-US"/>
+          </a:p>
+        </p:txBody>
+      </p:sp>
+      <p:sp>
+        <p:nvSpPr>
+          <p:cNvPr id="4" name="スライド番号プレースホルダー 3">
+            <a:extLst>
+              <a:ext uri="{FF2B5EF4-FFF2-40B4-BE49-F238E27FC236}">
+                <a16:creationId xmlns:a16="http://schemas.microsoft.com/office/drawing/2014/main" id="{0FBC5CCC-726F-B222-9724-C6840E7CB161}"/>
+              </a:ext>
+            </a:extLst>
+          </p:cNvPr>
+          <p:cNvSpPr>
+            <a:spLocks noGrp="1"/>
+          </p:cNvSpPr>
+          <p:nvPr>
+            <p:ph type="sldNum" sz="quarter" idx="12"/>
+          </p:nvPr>
+        </p:nvSpPr>
+        <p:spPr/>
+        <p:txBody>
+          <a:bodyPr/>
+          <a:lstStyle/>
+          <a:p>
+            <a:fld id="{91F53415-5CFC-4B36-B902-1D0CCCCD1D51}" type="slidenum">
+              <a:rPr kumimoji="1" lang="ja-JP" altLang="en-US" smtClean="0"/>
+              <a:t>15</a:t>
+            </a:fld>
+            <a:endParaRPr kumimoji="1" lang="ja-JP" altLang="en-US"/>
+          </a:p>
+        </p:txBody>
+      </p:sp>
+      <p:pic>
+        <p:nvPicPr>
+          <p:cNvPr id="7" name="図 6">
+            <a:extLst>
+              <a:ext uri="{FF2B5EF4-FFF2-40B4-BE49-F238E27FC236}">
+                <a16:creationId xmlns:a16="http://schemas.microsoft.com/office/drawing/2014/main" id="{4536DB6E-7352-7427-AF79-DFA9E342B83C}"/>
+              </a:ext>
+            </a:extLst>
+          </p:cNvPr>
+          <p:cNvPicPr>
+            <a:picLocks noChangeAspect="1"/>
+          </p:cNvPicPr>
+          <p:nvPr/>
+        </p:nvPicPr>
+        <p:blipFill>
+          <a:blip r:embed="rId2">
+            <a:extLst>
+              <a:ext uri="{28A0092B-C50C-407E-A947-70E740481C1C}">
+                <a14:useLocalDpi xmlns:a14="http://schemas.microsoft.com/office/drawing/2010/main" val="0"/>
+              </a:ext>
+            </a:extLst>
+          </a:blip>
+          <a:srcRect l="333" t="4849" r="10438" b="18615"/>
+          <a:stretch/>
+        </p:blipFill>
+        <p:spPr>
+          <a:xfrm>
+            <a:off x="5152092" y="3230418"/>
+            <a:ext cx="5403273" cy="3271571"/>
+          </a:xfrm>
+          <a:prstGeom prst="rect">
+            <a:avLst/>
+          </a:prstGeom>
+        </p:spPr>
+      </p:pic>
+      <p:pic>
+        <p:nvPicPr>
+          <p:cNvPr id="8" name="図 7">
+            <a:extLst>
+              <a:ext uri="{FF2B5EF4-FFF2-40B4-BE49-F238E27FC236}">
+                <a16:creationId xmlns:a16="http://schemas.microsoft.com/office/drawing/2014/main" id="{94C00F9A-6809-7344-1264-4FF4BFD46366}"/>
+              </a:ext>
+            </a:extLst>
+          </p:cNvPr>
+          <p:cNvPicPr>
+            <a:picLocks noChangeAspect="1"/>
+          </p:cNvPicPr>
+          <p:nvPr/>
+        </p:nvPicPr>
+        <p:blipFill>
+          <a:blip r:embed="rId3">
+            <a:extLst>
+              <a:ext uri="{28A0092B-C50C-407E-A947-70E740481C1C}">
+                <a14:useLocalDpi xmlns:a14="http://schemas.microsoft.com/office/drawing/2010/main" val="0"/>
+              </a:ext>
+            </a:extLst>
+          </a:blip>
+          <a:srcRect l="70739" t="74286" r="3786" b="7315"/>
+          <a:stretch/>
+        </p:blipFill>
+        <p:spPr>
+          <a:xfrm>
+            <a:off x="1764475" y="3658966"/>
+            <a:ext cx="2363189" cy="2414474"/>
+          </a:xfrm>
+          <a:prstGeom prst="rect">
+            <a:avLst/>
+          </a:prstGeom>
+        </p:spPr>
+      </p:pic>
+    </p:spTree>
+    <p:extLst>
+      <p:ext uri="{BB962C8B-B14F-4D97-AF65-F5344CB8AC3E}">
+        <p14:creationId xmlns:p14="http://schemas.microsoft.com/office/powerpoint/2010/main" val="3401111744"/>
+      </p:ext>
+    </p:extLst>
+  </p:cSld>
+  <p:clrMapOvr>
+    <a:masterClrMapping/>
+  </p:clrMapOvr>
+</p:sld>
+</file>
+
+<file path=ppt/slides/slide16.xml><?xml version="1.0" encoding="utf-8"?>
+<p:sld xmlns:a="http://schemas.openxmlformats.org/drawingml/2006/main" xmlns:r="http://schemas.openxmlformats.org/officeDocument/2006/relationships" xmlns:p="http://schemas.openxmlformats.org/presentationml/2006/main">
+  <p:cSld>
+    <p:spTree>
+      <p:nvGrpSpPr>
+        <p:cNvPr id="1" name="">
+          <a:extLst>
+            <a:ext uri="{FF2B5EF4-FFF2-40B4-BE49-F238E27FC236}">
+              <a16:creationId xmlns:a16="http://schemas.microsoft.com/office/drawing/2014/main" id="{F2E80BD1-8EF2-E78E-061F-DA11B8C99C71}"/>
+            </a:ext>
+          </a:extLst>
+        </p:cNvPr>
+        <p:cNvGrpSpPr/>
+        <p:nvPr/>
+      </p:nvGrpSpPr>
+      <p:grpSpPr>
+        <a:xfrm>
+          <a:off x="0" y="0"/>
+          <a:ext cx="0" cy="0"/>
+          <a:chOff x="0" y="0"/>
+          <a:chExt cx="0" cy="0"/>
+        </a:xfrm>
+      </p:grpSpPr>
+      <p:sp>
+        <p:nvSpPr>
+          <p:cNvPr id="2" name="タイトル 1">
+            <a:extLst>
+              <a:ext uri="{FF2B5EF4-FFF2-40B4-BE49-F238E27FC236}">
+                <a16:creationId xmlns:a16="http://schemas.microsoft.com/office/drawing/2014/main" id="{989F3D01-E15F-2BC9-942D-469CBCB3F874}"/>
+              </a:ext>
+            </a:extLst>
+          </p:cNvPr>
+          <p:cNvSpPr>
+            <a:spLocks noGrp="1"/>
+          </p:cNvSpPr>
+          <p:nvPr>
+            <p:ph type="title"/>
+          </p:nvPr>
+        </p:nvSpPr>
+        <p:spPr/>
+        <p:txBody>
+          <a:bodyPr/>
+          <a:lstStyle/>
+          <a:p>
+            <a:r>
+              <a:rPr lang="ja-JP" altLang="en-US"/>
+              <a:t>展開③（</a:t>
+            </a:r>
+            <a:r>
+              <a:rPr lang="en-US" altLang="ja-JP"/>
+              <a:t>20</a:t>
+            </a:r>
+            <a:r>
+              <a:rPr lang="ja-JP" altLang="en-US"/>
+              <a:t>分）</a:t>
+            </a:r>
+            <a:endParaRPr kumimoji="1" lang="ja-JP" altLang="en-US"/>
+          </a:p>
+        </p:txBody>
+      </p:sp>
+      <p:sp>
+        <p:nvSpPr>
+          <p:cNvPr id="3" name="コンテンツ プレースホルダー 2">
+            <a:extLst>
+              <a:ext uri="{FF2B5EF4-FFF2-40B4-BE49-F238E27FC236}">
+                <a16:creationId xmlns:a16="http://schemas.microsoft.com/office/drawing/2014/main" id="{6FC47BB0-24E5-9587-90E6-21DC1F7F5BDB}"/>
+              </a:ext>
+            </a:extLst>
+          </p:cNvPr>
+          <p:cNvSpPr>
+            <a:spLocks noGrp="1"/>
+          </p:cNvSpPr>
+          <p:nvPr>
+            <p:ph idx="1"/>
+          </p:nvPr>
+        </p:nvSpPr>
+        <p:spPr>
+          <a:xfrm>
+            <a:off x="6555178" y="1825625"/>
+            <a:ext cx="4798621" cy="4351338"/>
+          </a:xfrm>
+        </p:spPr>
+        <p:txBody>
+          <a:bodyPr/>
+          <a:lstStyle/>
+          <a:p>
+            <a:pPr>
+              <a:lnSpc>
+                <a:spcPct val="150000"/>
+              </a:lnSpc>
+            </a:pPr>
+            <a:r>
+              <a:rPr kumimoji="1" lang="ja-JP" altLang="en-US"/>
+              <a:t>これまでの活動で気づいた</a:t>
+            </a:r>
+            <a:br>
+              <a:rPr kumimoji="1" lang="en-US" altLang="ja-JP"/>
+            </a:br>
+            <a:r>
+              <a:rPr kumimoji="1" lang="ja-JP" altLang="en-US"/>
+              <a:t>円周角と中心角の関係を</a:t>
+            </a:r>
+            <a:br>
+              <a:rPr kumimoji="1" lang="en-US" altLang="ja-JP"/>
+            </a:br>
+            <a:r>
+              <a:rPr kumimoji="1" lang="ja-JP" altLang="en-US" b="1"/>
+              <a:t>数学的に証明</a:t>
+            </a:r>
+            <a:r>
+              <a:rPr kumimoji="1" lang="ja-JP" altLang="en-US"/>
+              <a:t>する</a:t>
+            </a:r>
+            <a:endParaRPr kumimoji="1" lang="en-US" altLang="ja-JP"/>
+          </a:p>
+          <a:p>
+            <a:pPr>
+              <a:lnSpc>
+                <a:spcPct val="150000"/>
+              </a:lnSpc>
+            </a:pPr>
+            <a:r>
+              <a:rPr kumimoji="1" lang="ja-JP" altLang="en-US"/>
+              <a:t>はじめに</a:t>
+            </a:r>
+            <a:r>
+              <a:rPr kumimoji="1" lang="ja-JP" altLang="en-US" b="1"/>
+              <a:t>アニメーション</a:t>
+            </a:r>
+            <a:r>
+              <a:rPr kumimoji="1" lang="ja-JP" altLang="en-US"/>
+              <a:t>で</a:t>
+            </a:r>
+            <a:br>
+              <a:rPr kumimoji="1" lang="en-US" altLang="ja-JP"/>
+            </a:br>
+            <a:r>
+              <a:rPr kumimoji="1" lang="ja-JP" altLang="en-US"/>
+              <a:t>証明の流れを示す</a:t>
+            </a:r>
+          </a:p>
+        </p:txBody>
+      </p:sp>
+      <p:sp>
+        <p:nvSpPr>
+          <p:cNvPr id="4" name="スライド番号プレースホルダー 3">
+            <a:extLst>
+              <a:ext uri="{FF2B5EF4-FFF2-40B4-BE49-F238E27FC236}">
+                <a16:creationId xmlns:a16="http://schemas.microsoft.com/office/drawing/2014/main" id="{E0235B76-8D71-C37F-96B0-253C38B8CEFC}"/>
+              </a:ext>
+            </a:extLst>
+          </p:cNvPr>
+          <p:cNvSpPr>
+            <a:spLocks noGrp="1"/>
+          </p:cNvSpPr>
+          <p:nvPr>
+            <p:ph type="sldNum" sz="quarter" idx="12"/>
+          </p:nvPr>
+        </p:nvSpPr>
+        <p:spPr/>
+        <p:txBody>
+          <a:bodyPr/>
+          <a:lstStyle/>
+          <a:p>
+            <a:fld id="{91F53415-5CFC-4B36-B902-1D0CCCCD1D51}" type="slidenum">
+              <a:rPr kumimoji="1" lang="ja-JP" altLang="en-US" smtClean="0"/>
+              <a:t>16</a:t>
+            </a:fld>
+            <a:endParaRPr kumimoji="1" lang="ja-JP" altLang="en-US"/>
+          </a:p>
+        </p:txBody>
+      </p:sp>
+      <p:pic>
+        <p:nvPicPr>
+          <p:cNvPr id="7" name="図 6">
+            <a:extLst>
+              <a:ext uri="{FF2B5EF4-FFF2-40B4-BE49-F238E27FC236}">
+                <a16:creationId xmlns:a16="http://schemas.microsoft.com/office/drawing/2014/main" id="{59AA50B9-9EE3-4400-1843-AC3CD7581DBE}"/>
+              </a:ext>
+            </a:extLst>
+          </p:cNvPr>
+          <p:cNvPicPr>
+            <a:picLocks noChangeAspect="1"/>
+          </p:cNvPicPr>
+          <p:nvPr/>
+        </p:nvPicPr>
+        <p:blipFill>
+          <a:blip r:embed="rId2">
+            <a:extLst>
+              <a:ext uri="{28A0092B-C50C-407E-A947-70E740481C1C}">
+                <a14:useLocalDpi xmlns:a14="http://schemas.microsoft.com/office/drawing/2010/main" val="0"/>
+              </a:ext>
+            </a:extLst>
+          </a:blip>
+          <a:srcRect l="54820" t="3982" r="4231" b="73334"/>
+          <a:stretch/>
+        </p:blipFill>
+        <p:spPr>
+          <a:xfrm>
+            <a:off x="909450" y="1690688"/>
+            <a:ext cx="5317244" cy="2066942"/>
+          </a:xfrm>
+          <a:prstGeom prst="rect">
+            <a:avLst/>
+          </a:prstGeom>
+        </p:spPr>
+      </p:pic>
+      <p:pic>
+        <p:nvPicPr>
+          <p:cNvPr id="8" name="図 7">
+            <a:extLst>
+              <a:ext uri="{FF2B5EF4-FFF2-40B4-BE49-F238E27FC236}">
+                <a16:creationId xmlns:a16="http://schemas.microsoft.com/office/drawing/2014/main" id="{8ADC00EC-EA0E-3FFE-E991-58BB27C5AB93}"/>
+              </a:ext>
+            </a:extLst>
+          </p:cNvPr>
+          <p:cNvPicPr>
+            <a:picLocks noChangeAspect="1"/>
+          </p:cNvPicPr>
+          <p:nvPr/>
+        </p:nvPicPr>
+        <p:blipFill>
+          <a:blip r:embed="rId2">
+            <a:extLst>
+              <a:ext uri="{28A0092B-C50C-407E-A947-70E740481C1C}">
+                <a14:useLocalDpi xmlns:a14="http://schemas.microsoft.com/office/drawing/2010/main" val="0"/>
+              </a:ext>
+            </a:extLst>
+          </a:blip>
+          <a:srcRect l="54820" t="45714" r="4231" b="23463"/>
+          <a:stretch/>
+        </p:blipFill>
+        <p:spPr>
+          <a:xfrm>
+            <a:off x="910439" y="3739185"/>
+            <a:ext cx="5317243" cy="2808514"/>
+          </a:xfrm>
+          <a:prstGeom prst="rect">
+            <a:avLst/>
+          </a:prstGeom>
+        </p:spPr>
+      </p:pic>
+    </p:spTree>
+    <p:extLst>
+      <p:ext uri="{BB962C8B-B14F-4D97-AF65-F5344CB8AC3E}">
+        <p14:creationId xmlns:p14="http://schemas.microsoft.com/office/powerpoint/2010/main" val="3942491690"/>
+      </p:ext>
+    </p:extLst>
+  </p:cSld>
+  <p:clrMapOvr>
+    <a:masterClrMapping/>
+  </p:clrMapOvr>
+</p:sld>
+</file>
+
+<file path=ppt/slides/slide17.xml><?xml version="1.0" encoding="utf-8"?>
 <p:sld xmlns:a="http://schemas.openxmlformats.org/drawingml/2006/main" xmlns:r="http://schemas.openxmlformats.org/officeDocument/2006/relationships" xmlns:p="http://schemas.openxmlformats.org/presentationml/2006/main">
   <p:cSld>
     <p:spTree>
@@ -4517,38 +5744,10 @@
       </p:grpSpPr>
       <p:sp>
         <p:nvSpPr>
-          <p:cNvPr id="2" name="タイトル 1">
-            <a:extLst>
-              <a:ext uri="{FF2B5EF4-FFF2-40B4-BE49-F238E27FC236}">
-                <a16:creationId xmlns:a16="http://schemas.microsoft.com/office/drawing/2014/main" id="{4C3318D7-7D37-44D9-8744-E18CCDDFB417}"/>
-              </a:ext>
-            </a:extLst>
-          </p:cNvPr>
-          <p:cNvSpPr>
-            <a:spLocks noGrp="1"/>
-          </p:cNvSpPr>
-          <p:nvPr>
-            <p:ph type="title"/>
-          </p:nvPr>
-        </p:nvSpPr>
-        <p:spPr/>
-        <p:txBody>
-          <a:bodyPr/>
-          <a:lstStyle/>
-          <a:p>
-            <a:r>
-              <a:rPr kumimoji="1" lang="ja-JP" altLang="en-US" dirty="0"/>
-              <a:t>使用教材</a:t>
-            </a:r>
-          </a:p>
-        </p:txBody>
-      </p:sp>
-      <p:sp>
-        <p:nvSpPr>
-          <p:cNvPr id="3" name="スライド番号プレースホルダー 2">
-            <a:extLst>
-              <a:ext uri="{FF2B5EF4-FFF2-40B4-BE49-F238E27FC236}">
-                <a16:creationId xmlns:a16="http://schemas.microsoft.com/office/drawing/2014/main" id="{1B22B0AC-2397-4C2F-A084-F10EDA89E529}"/>
+          <p:cNvPr id="2" name="スライド番号プレースホルダー 1">
+            <a:extLst>
+              <a:ext uri="{FF2B5EF4-FFF2-40B4-BE49-F238E27FC236}">
+                <a16:creationId xmlns:a16="http://schemas.microsoft.com/office/drawing/2014/main" id="{C62979DB-6BA7-4858-847C-DB84D250D886}"/>
               </a:ext>
             </a:extLst>
           </p:cNvPr>
@@ -4566,405 +5765,7 @@
           <a:p>
             <a:fld id="{91F53415-5CFC-4B36-B902-1D0CCCCD1D51}" type="slidenum">
               <a:rPr kumimoji="1" lang="ja-JP" altLang="en-US" smtClean="0"/>
-              <a:t>2</a:t>
-            </a:fld>
-            <a:endParaRPr kumimoji="1" lang="ja-JP" altLang="en-US"/>
-          </a:p>
-        </p:txBody>
-      </p:sp>
-      <p:pic>
-        <p:nvPicPr>
-          <p:cNvPr id="4" name="Picture 2" descr="未来へひろがる数学 3 [令和3年度] (文部科学省検定済教科書 中学校数学科用) |本 | 通販 | Amazon">
-            <a:extLst>
-              <a:ext uri="{FF2B5EF4-FFF2-40B4-BE49-F238E27FC236}">
-                <a16:creationId xmlns:a16="http://schemas.microsoft.com/office/drawing/2014/main" id="{FB7F2511-337B-4730-A4F5-06A49B944B87}"/>
-              </a:ext>
-            </a:extLst>
-          </p:cNvPr>
-          <p:cNvPicPr>
-            <a:picLocks noChangeAspect="1" noChangeArrowheads="1"/>
-          </p:cNvPicPr>
-          <p:nvPr/>
-        </p:nvPicPr>
-        <p:blipFill>
-          <a:blip r:embed="rId2">
-            <a:extLst>
-              <a:ext uri="{28A0092B-C50C-407E-A947-70E740481C1C}">
-                <a14:useLocalDpi xmlns:a14="http://schemas.microsoft.com/office/drawing/2010/main" val="0"/>
-              </a:ext>
-            </a:extLst>
-          </a:blip>
-          <a:srcRect/>
-          <a:stretch>
-            <a:fillRect/>
-          </a:stretch>
-        </p:blipFill>
-        <p:spPr bwMode="auto">
-          <a:xfrm>
-            <a:off x="828420" y="1622240"/>
-            <a:ext cx="3349442" cy="4750358"/>
-          </a:xfrm>
-          <a:prstGeom prst="rect">
-            <a:avLst/>
-          </a:prstGeom>
-          <a:noFill/>
-          <a:extLst>
-            <a:ext uri="{909E8E84-426E-40DD-AFC4-6F175D3DCCD1}">
-              <a14:hiddenFill xmlns:a14="http://schemas.microsoft.com/office/drawing/2010/main">
-                <a:solidFill>
-                  <a:srgbClr val="FFFFFF"/>
-                </a:solidFill>
-              </a14:hiddenFill>
-            </a:ext>
-          </a:extLst>
-        </p:spPr>
-      </p:pic>
-      <p:sp>
-        <p:nvSpPr>
-          <p:cNvPr id="5" name="テキスト ボックス 4">
-            <a:extLst>
-              <a:ext uri="{FF2B5EF4-FFF2-40B4-BE49-F238E27FC236}">
-                <a16:creationId xmlns:a16="http://schemas.microsoft.com/office/drawing/2014/main" id="{AC0A381D-8CA7-443E-AED0-D61933FB6815}"/>
-              </a:ext>
-            </a:extLst>
-          </p:cNvPr>
-          <p:cNvSpPr txBox="1"/>
-          <p:nvPr/>
-        </p:nvSpPr>
-        <p:spPr>
-          <a:xfrm>
-            <a:off x="4980453" y="1853945"/>
-            <a:ext cx="5570756" cy="523220"/>
-          </a:xfrm>
-          <a:prstGeom prst="rect">
-            <a:avLst/>
-          </a:prstGeom>
-          <a:noFill/>
-        </p:spPr>
-        <p:txBody>
-          <a:bodyPr wrap="none" rtlCol="0">
-            <a:spAutoFit/>
-          </a:bodyPr>
-          <a:lstStyle/>
-          <a:p>
-            <a:r>
-              <a:rPr kumimoji="1" lang="ja-JP" altLang="en-US" sz="2800" dirty="0"/>
-              <a:t>未来へひろがる数学３（啓林館）</a:t>
-            </a:r>
-            <a:endParaRPr kumimoji="1" lang="en-US" altLang="ja-JP" sz="2800" dirty="0"/>
-          </a:p>
-        </p:txBody>
-      </p:sp>
-      <p:pic>
-        <p:nvPicPr>
-          <p:cNvPr id="6" name="Picture 4" descr="デジタル教科書ビューア「超教科書」 ロゴ">
-            <a:extLst>
-              <a:ext uri="{FF2B5EF4-FFF2-40B4-BE49-F238E27FC236}">
-                <a16:creationId xmlns:a16="http://schemas.microsoft.com/office/drawing/2014/main" id="{B65595FF-842D-4CB8-A6B8-65402031BD6C}"/>
-              </a:ext>
-            </a:extLst>
-          </p:cNvPr>
-          <p:cNvPicPr>
-            <a:picLocks noChangeAspect="1" noChangeArrowheads="1"/>
-          </p:cNvPicPr>
-          <p:nvPr/>
-        </p:nvPicPr>
-        <p:blipFill>
-          <a:blip r:embed="rId3">
-            <a:extLst>
-              <a:ext uri="{28A0092B-C50C-407E-A947-70E740481C1C}">
-                <a14:useLocalDpi xmlns:a14="http://schemas.microsoft.com/office/drawing/2010/main" val="0"/>
-              </a:ext>
-            </a:extLst>
-          </a:blip>
-          <a:srcRect/>
-          <a:stretch>
-            <a:fillRect/>
-          </a:stretch>
-        </p:blipFill>
-        <p:spPr bwMode="auto">
-          <a:xfrm>
-            <a:off x="6737226" y="4661762"/>
-            <a:ext cx="3501742" cy="1252279"/>
-          </a:xfrm>
-          <a:prstGeom prst="rect">
-            <a:avLst/>
-          </a:prstGeom>
-          <a:noFill/>
-          <a:extLst>
-            <a:ext uri="{909E8E84-426E-40DD-AFC4-6F175D3DCCD1}">
-              <a14:hiddenFill xmlns:a14="http://schemas.microsoft.com/office/drawing/2010/main">
-                <a:solidFill>
-                  <a:srgbClr val="FFFFFF"/>
-                </a:solidFill>
-              </a14:hiddenFill>
-            </a:ext>
-          </a:extLst>
-        </p:spPr>
-      </p:pic>
-      <p:sp>
-        <p:nvSpPr>
-          <p:cNvPr id="7" name="テキスト ボックス 6">
-            <a:extLst>
-              <a:ext uri="{FF2B5EF4-FFF2-40B4-BE49-F238E27FC236}">
-                <a16:creationId xmlns:a16="http://schemas.microsoft.com/office/drawing/2014/main" id="{BC507910-8D79-473F-BE9E-3566B62BDE46}"/>
-              </a:ext>
-            </a:extLst>
-          </p:cNvPr>
-          <p:cNvSpPr txBox="1"/>
-          <p:nvPr/>
-        </p:nvSpPr>
-        <p:spPr>
-          <a:xfrm>
-            <a:off x="4980453" y="2848811"/>
-            <a:ext cx="4852757" cy="1324593"/>
-          </a:xfrm>
-          <a:prstGeom prst="rect">
-            <a:avLst/>
-          </a:prstGeom>
-          <a:noFill/>
-        </p:spPr>
-        <p:txBody>
-          <a:bodyPr wrap="square">
-            <a:spAutoFit/>
-          </a:bodyPr>
-          <a:lstStyle/>
-          <a:p>
-            <a:pPr>
-              <a:lnSpc>
-                <a:spcPct val="150000"/>
-              </a:lnSpc>
-            </a:pPr>
-            <a:r>
-              <a:rPr lang="ja-JP" altLang="en-US" sz="2800" dirty="0"/>
-              <a:t>６</a:t>
-            </a:r>
-            <a:r>
-              <a:rPr kumimoji="1" lang="ja-JP" altLang="en-US" sz="2800" dirty="0"/>
-              <a:t>章 円の性質</a:t>
-            </a:r>
-            <a:endParaRPr kumimoji="1" lang="en-US" altLang="ja-JP" sz="2800" dirty="0"/>
-          </a:p>
-          <a:p>
-            <a:pPr>
-              <a:lnSpc>
-                <a:spcPct val="150000"/>
-              </a:lnSpc>
-            </a:pPr>
-            <a:r>
-              <a:rPr lang="ja-JP" altLang="en-US" sz="2800" dirty="0"/>
-              <a:t>１節 円周角と中心角</a:t>
-            </a:r>
-            <a:endParaRPr kumimoji="1" lang="ja-JP" altLang="en-US" sz="2800" dirty="0"/>
-          </a:p>
-        </p:txBody>
-      </p:sp>
-    </p:spTree>
-    <p:extLst>
-      <p:ext uri="{BB962C8B-B14F-4D97-AF65-F5344CB8AC3E}">
-        <p14:creationId xmlns:p14="http://schemas.microsoft.com/office/powerpoint/2010/main" val="1681630939"/>
-      </p:ext>
-    </p:extLst>
-  </p:cSld>
-  <p:clrMapOvr>
-    <a:masterClrMapping/>
-  </p:clrMapOvr>
-</p:sld>
-</file>
-
-<file path=ppt/slides/slide3.xml><?xml version="1.0" encoding="utf-8"?>
-<p:sld xmlns:a="http://schemas.openxmlformats.org/drawingml/2006/main" xmlns:r="http://schemas.openxmlformats.org/officeDocument/2006/relationships" xmlns:p="http://schemas.openxmlformats.org/presentationml/2006/main">
-  <p:cSld>
-    <p:spTree>
-      <p:nvGrpSpPr>
-        <p:cNvPr id="1" name=""/>
-        <p:cNvGrpSpPr/>
-        <p:nvPr/>
-      </p:nvGrpSpPr>
-      <p:grpSpPr>
-        <a:xfrm>
-          <a:off x="0" y="0"/>
-          <a:ext cx="0" cy="0"/>
-          <a:chOff x="0" y="0"/>
-          <a:chExt cx="0" cy="0"/>
-        </a:xfrm>
-      </p:grpSpPr>
-      <p:sp>
-        <p:nvSpPr>
-          <p:cNvPr id="2" name="タイトル 1">
-            <a:extLst>
-              <a:ext uri="{FF2B5EF4-FFF2-40B4-BE49-F238E27FC236}">
-                <a16:creationId xmlns:a16="http://schemas.microsoft.com/office/drawing/2014/main" id="{376F3BF3-A55F-43E7-B117-E29E43896567}"/>
-              </a:ext>
-            </a:extLst>
-          </p:cNvPr>
-          <p:cNvSpPr>
-            <a:spLocks noGrp="1"/>
-          </p:cNvSpPr>
-          <p:nvPr>
-            <p:ph type="title"/>
-          </p:nvPr>
-        </p:nvSpPr>
-        <p:spPr/>
-        <p:txBody>
-          <a:bodyPr/>
-          <a:lstStyle/>
-          <a:p>
-            <a:r>
-              <a:rPr kumimoji="1" lang="ja-JP" altLang="en-US" dirty="0"/>
-              <a:t>授業の流れ</a:t>
-            </a:r>
-          </a:p>
-        </p:txBody>
-      </p:sp>
-      <p:sp>
-        <p:nvSpPr>
-          <p:cNvPr id="3" name="コンテンツ プレースホルダー 2">
-            <a:extLst>
-              <a:ext uri="{FF2B5EF4-FFF2-40B4-BE49-F238E27FC236}">
-                <a16:creationId xmlns:a16="http://schemas.microsoft.com/office/drawing/2014/main" id="{90003DB2-C8A1-421E-9938-A0B958111C5B}"/>
-              </a:ext>
-            </a:extLst>
-          </p:cNvPr>
-          <p:cNvSpPr>
-            <a:spLocks noGrp="1"/>
-          </p:cNvSpPr>
-          <p:nvPr>
-            <p:ph idx="1"/>
-          </p:nvPr>
-        </p:nvSpPr>
-        <p:spPr/>
-        <p:txBody>
-          <a:bodyPr/>
-          <a:lstStyle/>
-          <a:p>
-            <a:pPr>
-              <a:lnSpc>
-                <a:spcPct val="150000"/>
-              </a:lnSpc>
-            </a:pPr>
-            <a:r>
-              <a:rPr kumimoji="1" lang="ja-JP" altLang="en-US" dirty="0"/>
-              <a:t>円周角・中心角の大きさを分度器で測り、</a:t>
-            </a:r>
-            <a:br>
-              <a:rPr lang="en-US" altLang="ja-JP" dirty="0"/>
-            </a:br>
-            <a:r>
-              <a:rPr lang="ja-JP" altLang="en-US" dirty="0"/>
-              <a:t>その関係を考える</a:t>
-            </a:r>
-            <a:endParaRPr kumimoji="1" lang="en-US" altLang="ja-JP" dirty="0"/>
-          </a:p>
-          <a:p>
-            <a:pPr>
-              <a:lnSpc>
-                <a:spcPct val="150000"/>
-              </a:lnSpc>
-            </a:pPr>
-            <a:r>
-              <a:rPr kumimoji="1" lang="ja-JP" altLang="en-US" dirty="0"/>
-              <a:t>実際に円周角と中心角の関係を証明する</a:t>
-            </a:r>
-            <a:endParaRPr kumimoji="1" lang="en-US" altLang="ja-JP" dirty="0"/>
-          </a:p>
-          <a:p>
-            <a:pPr>
-              <a:lnSpc>
-                <a:spcPct val="150000"/>
-              </a:lnSpc>
-            </a:pPr>
-            <a:r>
-              <a:rPr lang="ja-JP" altLang="en-US" dirty="0"/>
-              <a:t>「円周角の定理」</a:t>
-            </a:r>
-            <a:endParaRPr kumimoji="1" lang="ja-JP" altLang="en-US" dirty="0"/>
-          </a:p>
-        </p:txBody>
-      </p:sp>
-      <p:sp>
-        <p:nvSpPr>
-          <p:cNvPr id="4" name="スライド番号プレースホルダー 3">
-            <a:extLst>
-              <a:ext uri="{FF2B5EF4-FFF2-40B4-BE49-F238E27FC236}">
-                <a16:creationId xmlns:a16="http://schemas.microsoft.com/office/drawing/2014/main" id="{E43E0FF1-6155-4CD7-87E9-E429D7843D10}"/>
-              </a:ext>
-            </a:extLst>
-          </p:cNvPr>
-          <p:cNvSpPr>
-            <a:spLocks noGrp="1"/>
-          </p:cNvSpPr>
-          <p:nvPr>
-            <p:ph type="sldNum" sz="quarter" idx="12"/>
-          </p:nvPr>
-        </p:nvSpPr>
-        <p:spPr/>
-        <p:txBody>
-          <a:bodyPr/>
-          <a:lstStyle/>
-          <a:p>
-            <a:fld id="{91F53415-5CFC-4B36-B902-1D0CCCCD1D51}" type="slidenum">
-              <a:rPr kumimoji="1" lang="ja-JP" altLang="en-US" smtClean="0"/>
-              <a:t>3</a:t>
-            </a:fld>
-            <a:endParaRPr kumimoji="1" lang="ja-JP" altLang="en-US"/>
-          </a:p>
-        </p:txBody>
-      </p:sp>
-    </p:spTree>
-    <p:extLst>
-      <p:ext uri="{BB962C8B-B14F-4D97-AF65-F5344CB8AC3E}">
-        <p14:creationId xmlns:p14="http://schemas.microsoft.com/office/powerpoint/2010/main" val="1385998628"/>
-      </p:ext>
-    </p:extLst>
-  </p:cSld>
-  <p:clrMapOvr>
-    <a:masterClrMapping/>
-  </p:clrMapOvr>
-</p:sld>
-</file>
-
-<file path=ppt/slides/slide4.xml><?xml version="1.0" encoding="utf-8"?>
-<p:sld xmlns:a="http://schemas.openxmlformats.org/drawingml/2006/main" xmlns:r="http://schemas.openxmlformats.org/officeDocument/2006/relationships" xmlns:p="http://schemas.openxmlformats.org/presentationml/2006/main">
-  <p:cSld>
-    <p:spTree>
-      <p:nvGrpSpPr>
-        <p:cNvPr id="1" name=""/>
-        <p:cNvGrpSpPr/>
-        <p:nvPr/>
-      </p:nvGrpSpPr>
-      <p:grpSpPr>
-        <a:xfrm>
-          <a:off x="0" y="0"/>
-          <a:ext cx="0" cy="0"/>
-          <a:chOff x="0" y="0"/>
-          <a:chExt cx="0" cy="0"/>
-        </a:xfrm>
-      </p:grpSpPr>
-      <p:sp>
-        <p:nvSpPr>
-          <p:cNvPr id="2" name="スライド番号プレースホルダー 1">
-            <a:extLst>
-              <a:ext uri="{FF2B5EF4-FFF2-40B4-BE49-F238E27FC236}">
-                <a16:creationId xmlns:a16="http://schemas.microsoft.com/office/drawing/2014/main" id="{C62979DB-6BA7-4858-847C-DB84D250D886}"/>
-              </a:ext>
-            </a:extLst>
-          </p:cNvPr>
-          <p:cNvSpPr>
-            <a:spLocks noGrp="1"/>
-          </p:cNvSpPr>
-          <p:nvPr>
-            <p:ph type="sldNum" sz="quarter" idx="12"/>
-          </p:nvPr>
-        </p:nvSpPr>
-        <p:spPr/>
-        <p:txBody>
-          <a:bodyPr/>
-          <a:lstStyle/>
-          <a:p>
-            <a:fld id="{91F53415-5CFC-4B36-B902-1D0CCCCD1D51}" type="slidenum">
-              <a:rPr kumimoji="1" lang="ja-JP" altLang="en-US" smtClean="0"/>
-              <a:t>4</a:t>
+              <a:t>17</a:t>
             </a:fld>
             <a:endParaRPr kumimoji="1" lang="ja-JP" altLang="en-US"/>
           </a:p>
@@ -7045,7 +7846,136 @@
 </p:sld>
 </file>
 
-<file path=ppt/slides/slide5.xml><?xml version="1.0" encoding="utf-8"?>
+<file path=ppt/slides/slide18.xml><?xml version="1.0" encoding="utf-8"?>
+<p:sld xmlns:a="http://schemas.openxmlformats.org/drawingml/2006/main" xmlns:r="http://schemas.openxmlformats.org/officeDocument/2006/relationships" xmlns:p="http://schemas.openxmlformats.org/presentationml/2006/main">
+  <p:cSld>
+    <p:spTree>
+      <p:nvGrpSpPr>
+        <p:cNvPr id="1" name=""/>
+        <p:cNvGrpSpPr/>
+        <p:nvPr/>
+      </p:nvGrpSpPr>
+      <p:grpSpPr>
+        <a:xfrm>
+          <a:off x="0" y="0"/>
+          <a:ext cx="0" cy="0"/>
+          <a:chOff x="0" y="0"/>
+          <a:chExt cx="0" cy="0"/>
+        </a:xfrm>
+      </p:grpSpPr>
+      <p:sp>
+        <p:nvSpPr>
+          <p:cNvPr id="2" name="スライド番号プレースホルダー 1">
+            <a:extLst>
+              <a:ext uri="{FF2B5EF4-FFF2-40B4-BE49-F238E27FC236}">
+                <a16:creationId xmlns:a16="http://schemas.microsoft.com/office/drawing/2014/main" id="{F40F2681-412C-2518-385B-16CC35E874FA}"/>
+              </a:ext>
+            </a:extLst>
+          </p:cNvPr>
+          <p:cNvSpPr>
+            <a:spLocks noGrp="1"/>
+          </p:cNvSpPr>
+          <p:nvPr>
+            <p:ph type="sldNum" sz="quarter" idx="12"/>
+          </p:nvPr>
+        </p:nvSpPr>
+        <p:spPr/>
+        <p:txBody>
+          <a:bodyPr/>
+          <a:lstStyle/>
+          <a:p>
+            <a:fld id="{91F53415-5CFC-4B36-B902-1D0CCCCD1D51}" type="slidenum">
+              <a:rPr kumimoji="1" lang="ja-JP" altLang="en-US" smtClean="0"/>
+              <a:t>18</a:t>
+            </a:fld>
+            <a:endParaRPr kumimoji="1" lang="ja-JP" altLang="en-US"/>
+          </a:p>
+        </p:txBody>
+      </p:sp>
+      <p:pic>
+        <p:nvPicPr>
+          <p:cNvPr id="3" name="図 2">
+            <a:extLst>
+              <a:ext uri="{FF2B5EF4-FFF2-40B4-BE49-F238E27FC236}">
+                <a16:creationId xmlns:a16="http://schemas.microsoft.com/office/drawing/2014/main" id="{FF88641C-3E9B-1618-1B03-819250ADD0F9}"/>
+              </a:ext>
+            </a:extLst>
+          </p:cNvPr>
+          <p:cNvPicPr>
+            <a:picLocks noChangeAspect="1"/>
+          </p:cNvPicPr>
+          <p:nvPr/>
+        </p:nvPicPr>
+        <p:blipFill>
+          <a:blip r:embed="rId2">
+            <a:extLst>
+              <a:ext uri="{28A0092B-C50C-407E-A947-70E740481C1C}">
+                <a14:useLocalDpi xmlns:a14="http://schemas.microsoft.com/office/drawing/2010/main" val="0"/>
+              </a:ext>
+            </a:extLst>
+          </a:blip>
+          <a:srcRect l="54820" t="3982" r="4231" b="73334"/>
+          <a:stretch/>
+        </p:blipFill>
+        <p:spPr>
+          <a:xfrm>
+            <a:off x="2722042" y="367957"/>
+            <a:ext cx="6747916" cy="2623079"/>
+          </a:xfrm>
+          <a:prstGeom prst="rect">
+            <a:avLst/>
+          </a:prstGeom>
+        </p:spPr>
+      </p:pic>
+      <p:pic>
+        <p:nvPicPr>
+          <p:cNvPr id="4" name="図 3">
+            <a:extLst>
+              <a:ext uri="{FF2B5EF4-FFF2-40B4-BE49-F238E27FC236}">
+                <a16:creationId xmlns:a16="http://schemas.microsoft.com/office/drawing/2014/main" id="{FE053ABB-A947-10B0-6128-9958EB83F0AC}"/>
+              </a:ext>
+            </a:extLst>
+          </p:cNvPr>
+          <p:cNvPicPr>
+            <a:picLocks noChangeAspect="1"/>
+          </p:cNvPicPr>
+          <p:nvPr/>
+        </p:nvPicPr>
+        <p:blipFill>
+          <a:blip r:embed="rId2">
+            <a:extLst>
+              <a:ext uri="{28A0092B-C50C-407E-A947-70E740481C1C}">
+                <a14:useLocalDpi xmlns:a14="http://schemas.microsoft.com/office/drawing/2010/main" val="0"/>
+              </a:ext>
+            </a:extLst>
+          </a:blip>
+          <a:srcRect l="54820" t="45714" r="4231" b="23463"/>
+          <a:stretch/>
+        </p:blipFill>
+        <p:spPr>
+          <a:xfrm>
+            <a:off x="2722042" y="2991037"/>
+            <a:ext cx="6747916" cy="3564181"/>
+          </a:xfrm>
+          <a:prstGeom prst="rect">
+            <a:avLst/>
+          </a:prstGeom>
+        </p:spPr>
+      </p:pic>
+    </p:spTree>
+    <p:extLst>
+      <p:ext uri="{BB962C8B-B14F-4D97-AF65-F5344CB8AC3E}">
+        <p14:creationId xmlns:p14="http://schemas.microsoft.com/office/powerpoint/2010/main" val="451772129"/>
+      </p:ext>
+    </p:extLst>
+  </p:cSld>
+  <p:clrMapOvr>
+    <a:masterClrMapping/>
+  </p:clrMapOvr>
+</p:sld>
+</file>
+
+<file path=ppt/slides/slide19.xml><?xml version="1.0" encoding="utf-8"?>
 <p:sld xmlns:a="http://schemas.openxmlformats.org/drawingml/2006/main" xmlns:r="http://schemas.openxmlformats.org/officeDocument/2006/relationships" xmlns:p="http://schemas.openxmlformats.org/presentationml/2006/main">
   <p:cSld>
     <p:spTree>
@@ -7547,7 +8477,7 @@
           <a:p>
             <a:fld id="{91F53415-5CFC-4B36-B902-1D0CCCCD1D51}" type="slidenum">
               <a:rPr kumimoji="1" lang="ja-JP" altLang="en-US" smtClean="0"/>
-              <a:t>5</a:t>
+              <a:t>19</a:t>
             </a:fld>
             <a:endParaRPr kumimoji="1" lang="ja-JP" altLang="en-US"/>
           </a:p>
@@ -8162,8 +9092,8 @@
           </a:p>
         </p:txBody>
       </p:sp>
-      <mc:AlternateContent xmlns:mc="http://schemas.openxmlformats.org/markup-compatibility/2006" xmlns:a14="http://schemas.microsoft.com/office/drawing/2010/main">
-        <mc:Choice Requires="a14">
+      <mc:AlternateContent xmlns:mc="http://schemas.openxmlformats.org/markup-compatibility/2006">
+        <mc:Choice xmlns:a14="http://schemas.microsoft.com/office/drawing/2010/main" Requires="a14">
           <p:sp>
             <p:nvSpPr>
               <p:cNvPr id="21" name="テキスト ボックス 1">
@@ -8345,7 +9275,7 @@
                 </a:pPr>
                 <a:r>
                   <a:rPr lang="ja-JP" altLang="en-US" dirty="0"/>
-                  <a:t>また、</a:t>
+                  <a:t>また、弧</a:t>
                 </a:r>
                 <a14:m>
                   <m:oMath xmlns:m="http://schemas.openxmlformats.org/officeDocument/2006/math">
@@ -8488,7 +9418,7 @@
             </p:txBody>
           </p:sp>
         </mc:Choice>
-        <mc:Fallback xmlns="">
+        <mc:Fallback>
           <p:sp>
             <p:nvSpPr>
               <p:cNvPr id="21" name="テキスト ボックス 1">
@@ -9367,7 +10297,7 @@
 </p:sld>
 </file>
 
-<file path=ppt/slides/slide6.xml><?xml version="1.0" encoding="utf-8"?>
+<file path=ppt/slides/slide2.xml><?xml version="1.0" encoding="utf-8"?>
 <p:sld xmlns:a="http://schemas.openxmlformats.org/drawingml/2006/main" xmlns:r="http://schemas.openxmlformats.org/officeDocument/2006/relationships" xmlns:p="http://schemas.openxmlformats.org/presentationml/2006/main">
   <p:cSld>
     <p:spTree>
@@ -9386,10 +10316,63 @@
       </p:grpSpPr>
       <p:sp>
         <p:nvSpPr>
-          <p:cNvPr id="2" name="スライド番号プレースホルダー 1">
-            <a:extLst>
-              <a:ext uri="{FF2B5EF4-FFF2-40B4-BE49-F238E27FC236}">
-                <a16:creationId xmlns:a16="http://schemas.microsoft.com/office/drawing/2014/main" id="{3C06E5DE-4721-42D1-B196-4EC96EA4D325}"/>
+          <p:cNvPr id="2" name="タイトル 1">
+            <a:extLst>
+              <a:ext uri="{FF2B5EF4-FFF2-40B4-BE49-F238E27FC236}">
+                <a16:creationId xmlns:a16="http://schemas.microsoft.com/office/drawing/2014/main" id="{C2C3F0DA-7933-9F00-17A5-E81F22EDC54D}"/>
+              </a:ext>
+            </a:extLst>
+          </p:cNvPr>
+          <p:cNvSpPr>
+            <a:spLocks noGrp="1"/>
+          </p:cNvSpPr>
+          <p:nvPr>
+            <p:ph type="title"/>
+          </p:nvPr>
+        </p:nvSpPr>
+        <p:spPr/>
+        <p:txBody>
+          <a:bodyPr/>
+          <a:lstStyle/>
+          <a:p>
+            <a:r>
+              <a:rPr kumimoji="1" lang="ja-JP" altLang="en-US"/>
+              <a:t>単元について</a:t>
+            </a:r>
+          </a:p>
+        </p:txBody>
+      </p:sp>
+      <p:sp>
+        <p:nvSpPr>
+          <p:cNvPr id="3" name="テキスト プレースホルダー 2">
+            <a:extLst>
+              <a:ext uri="{FF2B5EF4-FFF2-40B4-BE49-F238E27FC236}">
+                <a16:creationId xmlns:a16="http://schemas.microsoft.com/office/drawing/2014/main" id="{8C48B963-7450-6AC4-E663-EE19262C4BE2}"/>
+              </a:ext>
+            </a:extLst>
+          </p:cNvPr>
+          <p:cNvSpPr>
+            <a:spLocks noGrp="1"/>
+          </p:cNvSpPr>
+          <p:nvPr>
+            <p:ph type="body" idx="1"/>
+          </p:nvPr>
+        </p:nvSpPr>
+        <p:spPr/>
+        <p:txBody>
+          <a:bodyPr/>
+          <a:lstStyle/>
+          <a:p>
+            <a:endParaRPr kumimoji="1" lang="ja-JP" altLang="en-US"/>
+          </a:p>
+        </p:txBody>
+      </p:sp>
+      <p:sp>
+        <p:nvSpPr>
+          <p:cNvPr id="4" name="スライド番号プレースホルダー 3">
+            <a:extLst>
+              <a:ext uri="{FF2B5EF4-FFF2-40B4-BE49-F238E27FC236}">
+                <a16:creationId xmlns:a16="http://schemas.microsoft.com/office/drawing/2014/main" id="{1DC51109-5466-981F-1AA5-A670D689D226}"/>
               </a:ext>
             </a:extLst>
           </p:cNvPr>
@@ -9407,18 +10390,163 @@
           <a:p>
             <a:fld id="{91F53415-5CFC-4B36-B902-1D0CCCCD1D51}" type="slidenum">
               <a:rPr kumimoji="1" lang="ja-JP" altLang="en-US" smtClean="0"/>
-              <a:t>6</a:t>
+              <a:t>2</a:t>
             </a:fld>
             <a:endParaRPr kumimoji="1" lang="ja-JP" altLang="en-US"/>
           </a:p>
         </p:txBody>
       </p:sp>
+    </p:spTree>
+    <p:extLst>
+      <p:ext uri="{BB962C8B-B14F-4D97-AF65-F5344CB8AC3E}">
+        <p14:creationId xmlns:p14="http://schemas.microsoft.com/office/powerpoint/2010/main" val="4158448329"/>
+      </p:ext>
+    </p:extLst>
+  </p:cSld>
+  <p:clrMapOvr>
+    <a:masterClrMapping/>
+  </p:clrMapOvr>
+</p:sld>
+</file>
+
+<file path=ppt/slides/slide20.xml><?xml version="1.0" encoding="utf-8"?>
+<p:sld xmlns:a="http://schemas.openxmlformats.org/drawingml/2006/main" xmlns:r="http://schemas.openxmlformats.org/officeDocument/2006/relationships" xmlns:p="http://schemas.openxmlformats.org/presentationml/2006/main">
+  <p:cSld>
+    <p:spTree>
+      <p:nvGrpSpPr>
+        <p:cNvPr id="1" name="">
+          <a:extLst>
+            <a:ext uri="{FF2B5EF4-FFF2-40B4-BE49-F238E27FC236}">
+              <a16:creationId xmlns:a16="http://schemas.microsoft.com/office/drawing/2014/main" id="{6E28347C-9FFA-52D7-6660-225DFF389EE3}"/>
+            </a:ext>
+          </a:extLst>
+        </p:cNvPr>
+        <p:cNvGrpSpPr/>
+        <p:nvPr/>
+      </p:nvGrpSpPr>
+      <p:grpSpPr>
+        <a:xfrm>
+          <a:off x="0" y="0"/>
+          <a:ext cx="0" cy="0"/>
+          <a:chOff x="0" y="0"/>
+          <a:chExt cx="0" cy="0"/>
+        </a:xfrm>
+      </p:grpSpPr>
+      <p:sp>
+        <p:nvSpPr>
+          <p:cNvPr id="2" name="タイトル 1">
+            <a:extLst>
+              <a:ext uri="{FF2B5EF4-FFF2-40B4-BE49-F238E27FC236}">
+                <a16:creationId xmlns:a16="http://schemas.microsoft.com/office/drawing/2014/main" id="{F2C2ADF8-46CF-EDD0-7BE3-0613695C1953}"/>
+              </a:ext>
+            </a:extLst>
+          </p:cNvPr>
+          <p:cNvSpPr>
+            <a:spLocks noGrp="1"/>
+          </p:cNvSpPr>
+          <p:nvPr>
+            <p:ph type="title"/>
+          </p:nvPr>
+        </p:nvSpPr>
+        <p:spPr/>
+        <p:txBody>
+          <a:bodyPr/>
+          <a:lstStyle/>
+          <a:p>
+            <a:r>
+              <a:rPr lang="ja-JP" altLang="en-US"/>
+              <a:t>まとめ</a:t>
+            </a:r>
+            <a:r>
+              <a:rPr kumimoji="1" lang="ja-JP" altLang="en-US"/>
+              <a:t>（</a:t>
+            </a:r>
+            <a:r>
+              <a:rPr kumimoji="1" lang="en-US" altLang="ja-JP"/>
+              <a:t>5</a:t>
+            </a:r>
+            <a:r>
+              <a:rPr kumimoji="1" lang="ja-JP" altLang="en-US"/>
+              <a:t>分）</a:t>
+            </a:r>
+          </a:p>
+        </p:txBody>
+      </p:sp>
+      <p:sp>
+        <p:nvSpPr>
+          <p:cNvPr id="3" name="コンテンツ プレースホルダー 2">
+            <a:extLst>
+              <a:ext uri="{FF2B5EF4-FFF2-40B4-BE49-F238E27FC236}">
+                <a16:creationId xmlns:a16="http://schemas.microsoft.com/office/drawing/2014/main" id="{CA1F14CC-D093-14D0-DD12-7B7C2E03AFB1}"/>
+              </a:ext>
+            </a:extLst>
+          </p:cNvPr>
+          <p:cNvSpPr>
+            <a:spLocks noGrp="1"/>
+          </p:cNvSpPr>
+          <p:nvPr>
+            <p:ph idx="1"/>
+          </p:nvPr>
+        </p:nvSpPr>
+        <p:spPr/>
+        <p:txBody>
+          <a:bodyPr/>
+          <a:lstStyle/>
+          <a:p>
+            <a:r>
+              <a:rPr kumimoji="1" lang="ja-JP" altLang="en-US" b="1"/>
+              <a:t>円周角の定理</a:t>
+            </a:r>
+            <a:r>
+              <a:rPr kumimoji="1" lang="ja-JP" altLang="en-US"/>
+              <a:t>とその</a:t>
+            </a:r>
+            <a:r>
+              <a:rPr kumimoji="1" lang="ja-JP" altLang="en-US" b="1"/>
+              <a:t>図</a:t>
+            </a:r>
+            <a:r>
+              <a:rPr kumimoji="1" lang="ja-JP" altLang="en-US"/>
+              <a:t>を、ノートにとる</a:t>
+            </a:r>
+          </a:p>
+        </p:txBody>
+      </p:sp>
+      <p:sp>
+        <p:nvSpPr>
+          <p:cNvPr id="4" name="スライド番号プレースホルダー 3">
+            <a:extLst>
+              <a:ext uri="{FF2B5EF4-FFF2-40B4-BE49-F238E27FC236}">
+                <a16:creationId xmlns:a16="http://schemas.microsoft.com/office/drawing/2014/main" id="{121182D6-4FF6-5A22-1C90-677BF45789EB}"/>
+              </a:ext>
+            </a:extLst>
+          </p:cNvPr>
+          <p:cNvSpPr>
+            <a:spLocks noGrp="1"/>
+          </p:cNvSpPr>
+          <p:nvPr>
+            <p:ph type="sldNum" sz="quarter" idx="12"/>
+          </p:nvPr>
+        </p:nvSpPr>
+        <p:spPr/>
+        <p:txBody>
+          <a:bodyPr/>
+          <a:lstStyle/>
+          <a:p>
+            <a:fld id="{91F53415-5CFC-4B36-B902-1D0CCCCD1D51}" type="slidenum">
+              <a:rPr kumimoji="1" lang="ja-JP" altLang="en-US" smtClean="0"/>
+              <a:t>20</a:t>
+            </a:fld>
+            <a:endParaRPr kumimoji="1" lang="ja-JP" altLang="en-US"/>
+          </a:p>
+        </p:txBody>
+      </p:sp>
       <p:pic>
         <p:nvPicPr>
-          <p:cNvPr id="4" name="図 3">
-            <a:extLst>
-              <a:ext uri="{FF2B5EF4-FFF2-40B4-BE49-F238E27FC236}">
-                <a16:creationId xmlns:a16="http://schemas.microsoft.com/office/drawing/2014/main" id="{666BD5CD-521E-41FE-87B3-FEE8E4FA7134}"/>
+          <p:cNvPr id="5" name="図 4">
+            <a:extLst>
+              <a:ext uri="{FF2B5EF4-FFF2-40B4-BE49-F238E27FC236}">
+                <a16:creationId xmlns:a16="http://schemas.microsoft.com/office/drawing/2014/main" id="{26D51F33-81B5-3A62-5BB9-04171D16B432}"/>
               </a:ext>
             </a:extLst>
           </p:cNvPr>
@@ -9435,14 +10563,13 @@
               </a:ext>
             </a:extLst>
           </a:blip>
-          <a:stretch>
-            <a:fillRect/>
-          </a:stretch>
+          <a:srcRect t="16328"/>
+          <a:stretch/>
         </p:blipFill>
         <p:spPr>
           <a:xfrm>
-            <a:off x="3233338" y="204337"/>
-            <a:ext cx="5725324" cy="6449325"/>
+            <a:off x="2658249" y="2691421"/>
+            <a:ext cx="6875501" cy="2876441"/>
           </a:xfrm>
           <a:prstGeom prst="rect">
             <a:avLst/>
@@ -9452,7 +10579,7 @@
     </p:spTree>
     <p:extLst>
       <p:ext uri="{BB962C8B-B14F-4D97-AF65-F5344CB8AC3E}">
-        <p14:creationId xmlns:p14="http://schemas.microsoft.com/office/powerpoint/2010/main" val="3905645600"/>
+        <p14:creationId xmlns:p14="http://schemas.microsoft.com/office/powerpoint/2010/main" val="2764111711"/>
       </p:ext>
     </p:extLst>
   </p:cSld>
@@ -9462,7 +10589,7 @@
 </p:sld>
 </file>
 
-<file path=ppt/slides/slide7.xml><?xml version="1.0" encoding="utf-8"?>
+<file path=ppt/slides/slide21.xml><?xml version="1.0" encoding="utf-8"?>
 <p:sld xmlns:a="http://schemas.openxmlformats.org/drawingml/2006/main" xmlns:r="http://schemas.openxmlformats.org/officeDocument/2006/relationships" xmlns:p="http://schemas.openxmlformats.org/presentationml/2006/main">
   <p:cSld>
     <p:spTree>
@@ -9481,10 +10608,63 @@
       </p:grpSpPr>
       <p:sp>
         <p:nvSpPr>
-          <p:cNvPr id="2" name="スライド番号プレースホルダー 1">
-            <a:extLst>
-              <a:ext uri="{FF2B5EF4-FFF2-40B4-BE49-F238E27FC236}">
-                <a16:creationId xmlns:a16="http://schemas.microsoft.com/office/drawing/2014/main" id="{2E5CA62D-8625-44DE-AD56-5411748F9B05}"/>
+          <p:cNvPr id="2" name="タイトル 1">
+            <a:extLst>
+              <a:ext uri="{FF2B5EF4-FFF2-40B4-BE49-F238E27FC236}">
+                <a16:creationId xmlns:a16="http://schemas.microsoft.com/office/drawing/2014/main" id="{07CACF70-761B-5B3D-01F5-0D3D6B606E55}"/>
+              </a:ext>
+            </a:extLst>
+          </p:cNvPr>
+          <p:cNvSpPr>
+            <a:spLocks noGrp="1"/>
+          </p:cNvSpPr>
+          <p:nvPr>
+            <p:ph type="title"/>
+          </p:nvPr>
+        </p:nvSpPr>
+        <p:spPr/>
+        <p:txBody>
+          <a:bodyPr/>
+          <a:lstStyle/>
+          <a:p>
+            <a:r>
+              <a:rPr kumimoji="1" lang="ja-JP" altLang="en-US"/>
+              <a:t>以上</a:t>
+            </a:r>
+          </a:p>
+        </p:txBody>
+      </p:sp>
+      <p:sp>
+        <p:nvSpPr>
+          <p:cNvPr id="3" name="テキスト プレースホルダー 2">
+            <a:extLst>
+              <a:ext uri="{FF2B5EF4-FFF2-40B4-BE49-F238E27FC236}">
+                <a16:creationId xmlns:a16="http://schemas.microsoft.com/office/drawing/2014/main" id="{06F2EBFB-E76D-7592-9658-D695E19F3F2B}"/>
+              </a:ext>
+            </a:extLst>
+          </p:cNvPr>
+          <p:cNvSpPr>
+            <a:spLocks noGrp="1"/>
+          </p:cNvSpPr>
+          <p:nvPr>
+            <p:ph type="body" idx="1"/>
+          </p:nvPr>
+        </p:nvSpPr>
+        <p:spPr/>
+        <p:txBody>
+          <a:bodyPr/>
+          <a:lstStyle/>
+          <a:p>
+            <a:endParaRPr kumimoji="1" lang="ja-JP" altLang="en-US"/>
+          </a:p>
+        </p:txBody>
+      </p:sp>
+      <p:sp>
+        <p:nvSpPr>
+          <p:cNvPr id="4" name="スライド番号プレースホルダー 3">
+            <a:extLst>
+              <a:ext uri="{FF2B5EF4-FFF2-40B4-BE49-F238E27FC236}">
+                <a16:creationId xmlns:a16="http://schemas.microsoft.com/office/drawing/2014/main" id="{1990F75C-900D-A8AB-FDEA-95823D932267}"/>
               </a:ext>
             </a:extLst>
           </p:cNvPr>
@@ -9502,7 +10682,66 @@
           <a:p>
             <a:fld id="{91F53415-5CFC-4B36-B902-1D0CCCCD1D51}" type="slidenum">
               <a:rPr kumimoji="1" lang="ja-JP" altLang="en-US" smtClean="0"/>
-              <a:t>7</a:t>
+              <a:t>21</a:t>
+            </a:fld>
+            <a:endParaRPr kumimoji="1" lang="ja-JP" altLang="en-US"/>
+          </a:p>
+        </p:txBody>
+      </p:sp>
+    </p:spTree>
+    <p:extLst>
+      <p:ext uri="{BB962C8B-B14F-4D97-AF65-F5344CB8AC3E}">
+        <p14:creationId xmlns:p14="http://schemas.microsoft.com/office/powerpoint/2010/main" val="2369298392"/>
+      </p:ext>
+    </p:extLst>
+  </p:cSld>
+  <p:clrMapOvr>
+    <a:masterClrMapping/>
+  </p:clrMapOvr>
+</p:sld>
+</file>
+
+<file path=ppt/slides/slide22.xml><?xml version="1.0" encoding="utf-8"?>
+<p:sld xmlns:a="http://schemas.openxmlformats.org/drawingml/2006/main" xmlns:r="http://schemas.openxmlformats.org/officeDocument/2006/relationships" xmlns:p="http://schemas.openxmlformats.org/presentationml/2006/main">
+  <p:cSld>
+    <p:spTree>
+      <p:nvGrpSpPr>
+        <p:cNvPr id="1" name=""/>
+        <p:cNvGrpSpPr/>
+        <p:nvPr/>
+      </p:nvGrpSpPr>
+      <p:grpSpPr>
+        <a:xfrm>
+          <a:off x="0" y="0"/>
+          <a:ext cx="0" cy="0"/>
+          <a:chOff x="0" y="0"/>
+          <a:chExt cx="0" cy="0"/>
+        </a:xfrm>
+      </p:grpSpPr>
+      <p:sp>
+        <p:nvSpPr>
+          <p:cNvPr id="2" name="スライド番号プレースホルダー 1">
+            <a:extLst>
+              <a:ext uri="{FF2B5EF4-FFF2-40B4-BE49-F238E27FC236}">
+                <a16:creationId xmlns:a16="http://schemas.microsoft.com/office/drawing/2014/main" id="{BFA0D1EB-0AC5-4EB0-B527-2B77C8899E5F}"/>
+              </a:ext>
+            </a:extLst>
+          </p:cNvPr>
+          <p:cNvSpPr>
+            <a:spLocks noGrp="1"/>
+          </p:cNvSpPr>
+          <p:nvPr>
+            <p:ph type="sldNum" sz="quarter" idx="12"/>
+          </p:nvPr>
+        </p:nvSpPr>
+        <p:spPr/>
+        <p:txBody>
+          <a:bodyPr/>
+          <a:lstStyle/>
+          <a:p>
+            <a:fld id="{91F53415-5CFC-4B36-B902-1D0CCCCD1D51}" type="slidenum">
+              <a:rPr kumimoji="1" lang="ja-JP" altLang="en-US" smtClean="0"/>
+              <a:t>22</a:t>
             </a:fld>
             <a:endParaRPr kumimoji="1" lang="ja-JP" altLang="en-US"/>
           </a:p>
@@ -9513,7 +10752,7 @@
           <p:cNvPr id="4" name="図 3">
             <a:extLst>
               <a:ext uri="{FF2B5EF4-FFF2-40B4-BE49-F238E27FC236}">
-                <a16:creationId xmlns:a16="http://schemas.microsoft.com/office/drawing/2014/main" id="{9468227C-7C96-43BA-A521-0F7D879F2867}"/>
+                <a16:creationId xmlns:a16="http://schemas.microsoft.com/office/drawing/2014/main" id="{700A8966-C2F3-466F-A0F1-C809D32B2F20}"/>
               </a:ext>
             </a:extLst>
           </p:cNvPr>
@@ -9536,8 +10775,8 @@
         </p:blipFill>
         <p:spPr>
           <a:xfrm>
-            <a:off x="1207383" y="0"/>
-            <a:ext cx="9777234" cy="6858000"/>
+            <a:off x="1264725" y="0"/>
+            <a:ext cx="9662550" cy="6858000"/>
           </a:xfrm>
           <a:prstGeom prst="rect">
             <a:avLst/>
@@ -9547,7 +10786,1249 @@
     </p:spTree>
     <p:extLst>
       <p:ext uri="{BB962C8B-B14F-4D97-AF65-F5344CB8AC3E}">
-        <p14:creationId xmlns:p14="http://schemas.microsoft.com/office/powerpoint/2010/main" val="3202980253"/>
+        <p14:creationId xmlns:p14="http://schemas.microsoft.com/office/powerpoint/2010/main" val="897192422"/>
+      </p:ext>
+    </p:extLst>
+  </p:cSld>
+  <p:clrMapOvr>
+    <a:masterClrMapping/>
+  </p:clrMapOvr>
+</p:sld>
+</file>
+
+<file path=ppt/slides/slide23.xml><?xml version="1.0" encoding="utf-8"?>
+<p:sld xmlns:a="http://schemas.openxmlformats.org/drawingml/2006/main" xmlns:r="http://schemas.openxmlformats.org/officeDocument/2006/relationships" xmlns:p="http://schemas.openxmlformats.org/presentationml/2006/main">
+  <p:cSld>
+    <p:spTree>
+      <p:nvGrpSpPr>
+        <p:cNvPr id="1" name="">
+          <a:extLst>
+            <a:ext uri="{FF2B5EF4-FFF2-40B4-BE49-F238E27FC236}">
+              <a16:creationId xmlns:a16="http://schemas.microsoft.com/office/drawing/2014/main" id="{6F50E375-C2BA-8E49-AA46-3B377FF6BB29}"/>
+            </a:ext>
+          </a:extLst>
+        </p:cNvPr>
+        <p:cNvGrpSpPr/>
+        <p:nvPr/>
+      </p:nvGrpSpPr>
+      <p:grpSpPr>
+        <a:xfrm>
+          <a:off x="0" y="0"/>
+          <a:ext cx="0" cy="0"/>
+          <a:chOff x="0" y="0"/>
+          <a:chExt cx="0" cy="0"/>
+        </a:xfrm>
+      </p:grpSpPr>
+      <p:sp>
+        <p:nvSpPr>
+          <p:cNvPr id="2" name="スライド番号プレースホルダー 1">
+            <a:extLst>
+              <a:ext uri="{FF2B5EF4-FFF2-40B4-BE49-F238E27FC236}">
+                <a16:creationId xmlns:a16="http://schemas.microsoft.com/office/drawing/2014/main" id="{30B69018-B03E-34F0-91E1-0E24811338AB}"/>
+              </a:ext>
+            </a:extLst>
+          </p:cNvPr>
+          <p:cNvSpPr>
+            <a:spLocks noGrp="1"/>
+          </p:cNvSpPr>
+          <p:nvPr>
+            <p:ph type="sldNum" sz="quarter" idx="12"/>
+          </p:nvPr>
+        </p:nvSpPr>
+        <p:spPr/>
+        <p:txBody>
+          <a:bodyPr/>
+          <a:lstStyle/>
+          <a:p>
+            <a:fld id="{91F53415-5CFC-4B36-B902-1D0CCCCD1D51}" type="slidenum">
+              <a:rPr kumimoji="1" lang="ja-JP" altLang="en-US" smtClean="0"/>
+              <a:t>23</a:t>
+            </a:fld>
+            <a:endParaRPr kumimoji="1" lang="ja-JP" altLang="en-US"/>
+          </a:p>
+        </p:txBody>
+      </p:sp>
+      <p:pic>
+        <p:nvPicPr>
+          <p:cNvPr id="4" name="図 3">
+            <a:extLst>
+              <a:ext uri="{FF2B5EF4-FFF2-40B4-BE49-F238E27FC236}">
+                <a16:creationId xmlns:a16="http://schemas.microsoft.com/office/drawing/2014/main" id="{31F86A17-25EF-FDA0-ECB0-61CBFD51F9CF}"/>
+              </a:ext>
+            </a:extLst>
+          </p:cNvPr>
+          <p:cNvPicPr>
+            <a:picLocks noChangeAspect="1"/>
+          </p:cNvPicPr>
+          <p:nvPr/>
+        </p:nvPicPr>
+        <p:blipFill>
+          <a:blip r:embed="rId2">
+            <a:extLst>
+              <a:ext uri="{28A0092B-C50C-407E-A947-70E740481C1C}">
+                <a14:useLocalDpi xmlns:a14="http://schemas.microsoft.com/office/drawing/2010/main" val="0"/>
+              </a:ext>
+            </a:extLst>
+          </a:blip>
+          <a:stretch>
+            <a:fillRect/>
+          </a:stretch>
+        </p:blipFill>
+        <p:spPr>
+          <a:xfrm>
+            <a:off x="1209492" y="0"/>
+            <a:ext cx="9773016" cy="6858000"/>
+          </a:xfrm>
+          <a:prstGeom prst="rect">
+            <a:avLst/>
+          </a:prstGeom>
+        </p:spPr>
+      </p:pic>
+    </p:spTree>
+    <p:extLst>
+      <p:ext uri="{BB962C8B-B14F-4D97-AF65-F5344CB8AC3E}">
+        <p14:creationId xmlns:p14="http://schemas.microsoft.com/office/powerpoint/2010/main" val="2304749532"/>
+      </p:ext>
+    </p:extLst>
+  </p:cSld>
+  <p:clrMapOvr>
+    <a:masterClrMapping/>
+  </p:clrMapOvr>
+</p:sld>
+</file>
+
+<file path=ppt/slides/slide24.xml><?xml version="1.0" encoding="utf-8"?>
+<p:sld xmlns:a="http://schemas.openxmlformats.org/drawingml/2006/main" xmlns:r="http://schemas.openxmlformats.org/officeDocument/2006/relationships" xmlns:p="http://schemas.openxmlformats.org/presentationml/2006/main">
+  <p:cSld>
+    <p:spTree>
+      <p:nvGrpSpPr>
+        <p:cNvPr id="1" name=""/>
+        <p:cNvGrpSpPr/>
+        <p:nvPr/>
+      </p:nvGrpSpPr>
+      <p:grpSpPr>
+        <a:xfrm>
+          <a:off x="0" y="0"/>
+          <a:ext cx="0" cy="0"/>
+          <a:chOff x="0" y="0"/>
+          <a:chExt cx="0" cy="0"/>
+        </a:xfrm>
+      </p:grpSpPr>
+      <p:sp>
+        <p:nvSpPr>
+          <p:cNvPr id="2" name="スライド番号プレースホルダー 1">
+            <a:extLst>
+              <a:ext uri="{FF2B5EF4-FFF2-40B4-BE49-F238E27FC236}">
+                <a16:creationId xmlns:a16="http://schemas.microsoft.com/office/drawing/2014/main" id="{E6CC4F5D-B53D-4BC5-8B06-1B91712D2956}"/>
+              </a:ext>
+            </a:extLst>
+          </p:cNvPr>
+          <p:cNvSpPr>
+            <a:spLocks noGrp="1"/>
+          </p:cNvSpPr>
+          <p:nvPr>
+            <p:ph type="sldNum" sz="quarter" idx="12"/>
+          </p:nvPr>
+        </p:nvSpPr>
+        <p:spPr/>
+        <p:txBody>
+          <a:bodyPr/>
+          <a:lstStyle/>
+          <a:p>
+            <a:fld id="{91F53415-5CFC-4B36-B902-1D0CCCCD1D51}" type="slidenum">
+              <a:rPr kumimoji="1" lang="ja-JP" altLang="en-US" smtClean="0"/>
+              <a:t>24</a:t>
+            </a:fld>
+            <a:endParaRPr kumimoji="1" lang="ja-JP" altLang="en-US"/>
+          </a:p>
+        </p:txBody>
+      </p:sp>
+      <p:pic>
+        <p:nvPicPr>
+          <p:cNvPr id="4" name="図 3">
+            <a:extLst>
+              <a:ext uri="{FF2B5EF4-FFF2-40B4-BE49-F238E27FC236}">
+                <a16:creationId xmlns:a16="http://schemas.microsoft.com/office/drawing/2014/main" id="{5A4C87FB-F551-43BA-B96D-B30FDABE9BD5}"/>
+              </a:ext>
+            </a:extLst>
+          </p:cNvPr>
+          <p:cNvPicPr>
+            <a:picLocks noChangeAspect="1"/>
+          </p:cNvPicPr>
+          <p:nvPr/>
+        </p:nvPicPr>
+        <p:blipFill>
+          <a:blip r:embed="rId2">
+            <a:extLst>
+              <a:ext uri="{28A0092B-C50C-407E-A947-70E740481C1C}">
+                <a14:useLocalDpi xmlns:a14="http://schemas.microsoft.com/office/drawing/2010/main" val="0"/>
+              </a:ext>
+            </a:extLst>
+          </a:blip>
+          <a:stretch>
+            <a:fillRect/>
+          </a:stretch>
+        </p:blipFill>
+        <p:spPr>
+          <a:xfrm>
+            <a:off x="1238249" y="0"/>
+            <a:ext cx="9715501" cy="6858000"/>
+          </a:xfrm>
+          <a:prstGeom prst="rect">
+            <a:avLst/>
+          </a:prstGeom>
+        </p:spPr>
+      </p:pic>
+    </p:spTree>
+    <p:extLst>
+      <p:ext uri="{BB962C8B-B14F-4D97-AF65-F5344CB8AC3E}">
+        <p14:creationId xmlns:p14="http://schemas.microsoft.com/office/powerpoint/2010/main" val="453665789"/>
+      </p:ext>
+    </p:extLst>
+  </p:cSld>
+  <p:clrMapOvr>
+    <a:masterClrMapping/>
+  </p:clrMapOvr>
+</p:sld>
+</file>
+
+<file path=ppt/slides/slide25.xml><?xml version="1.0" encoding="utf-8"?>
+<p:sld xmlns:a="http://schemas.openxmlformats.org/drawingml/2006/main" xmlns:r="http://schemas.openxmlformats.org/officeDocument/2006/relationships" xmlns:p="http://schemas.openxmlformats.org/presentationml/2006/main">
+  <p:cSld>
+    <p:spTree>
+      <p:nvGrpSpPr>
+        <p:cNvPr id="1" name=""/>
+        <p:cNvGrpSpPr/>
+        <p:nvPr/>
+      </p:nvGrpSpPr>
+      <p:grpSpPr>
+        <a:xfrm>
+          <a:off x="0" y="0"/>
+          <a:ext cx="0" cy="0"/>
+          <a:chOff x="0" y="0"/>
+          <a:chExt cx="0" cy="0"/>
+        </a:xfrm>
+      </p:grpSpPr>
+      <p:sp>
+        <p:nvSpPr>
+          <p:cNvPr id="2" name="スライド番号プレースホルダー 1">
+            <a:extLst>
+              <a:ext uri="{FF2B5EF4-FFF2-40B4-BE49-F238E27FC236}">
+                <a16:creationId xmlns:a16="http://schemas.microsoft.com/office/drawing/2014/main" id="{7A117E73-20DD-4704-8E1B-6FB97E927F14}"/>
+              </a:ext>
+            </a:extLst>
+          </p:cNvPr>
+          <p:cNvSpPr>
+            <a:spLocks noGrp="1"/>
+          </p:cNvSpPr>
+          <p:nvPr>
+            <p:ph type="sldNum" sz="quarter" idx="12"/>
+          </p:nvPr>
+        </p:nvSpPr>
+        <p:spPr/>
+        <p:txBody>
+          <a:bodyPr/>
+          <a:lstStyle/>
+          <a:p>
+            <a:fld id="{91F53415-5CFC-4B36-B902-1D0CCCCD1D51}" type="slidenum">
+              <a:rPr kumimoji="1" lang="ja-JP" altLang="en-US" smtClean="0"/>
+              <a:t>25</a:t>
+            </a:fld>
+            <a:endParaRPr kumimoji="1" lang="ja-JP" altLang="en-US"/>
+          </a:p>
+        </p:txBody>
+      </p:sp>
+      <p:pic>
+        <p:nvPicPr>
+          <p:cNvPr id="4" name="図 3">
+            <a:extLst>
+              <a:ext uri="{FF2B5EF4-FFF2-40B4-BE49-F238E27FC236}">
+                <a16:creationId xmlns:a16="http://schemas.microsoft.com/office/drawing/2014/main" id="{9D79E7E2-DDA9-4E81-8243-00638832B0DC}"/>
+              </a:ext>
+            </a:extLst>
+          </p:cNvPr>
+          <p:cNvPicPr>
+            <a:picLocks noChangeAspect="1"/>
+          </p:cNvPicPr>
+          <p:nvPr/>
+        </p:nvPicPr>
+        <p:blipFill>
+          <a:blip r:embed="rId2">
+            <a:extLst>
+              <a:ext uri="{28A0092B-C50C-407E-A947-70E740481C1C}">
+                <a14:useLocalDpi xmlns:a14="http://schemas.microsoft.com/office/drawing/2010/main" val="0"/>
+              </a:ext>
+            </a:extLst>
+          </a:blip>
+          <a:stretch>
+            <a:fillRect/>
+          </a:stretch>
+        </p:blipFill>
+        <p:spPr>
+          <a:xfrm>
+            <a:off x="3671977" y="0"/>
+            <a:ext cx="4848045" cy="6858000"/>
+          </a:xfrm>
+          <a:prstGeom prst="rect">
+            <a:avLst/>
+          </a:prstGeom>
+        </p:spPr>
+      </p:pic>
+    </p:spTree>
+    <p:extLst>
+      <p:ext uri="{BB962C8B-B14F-4D97-AF65-F5344CB8AC3E}">
+        <p14:creationId xmlns:p14="http://schemas.microsoft.com/office/powerpoint/2010/main" val="1758088730"/>
+      </p:ext>
+    </p:extLst>
+  </p:cSld>
+  <p:clrMapOvr>
+    <a:masterClrMapping/>
+  </p:clrMapOvr>
+</p:sld>
+</file>
+
+<file path=ppt/slides/slide3.xml><?xml version="1.0" encoding="utf-8"?>
+<p:sld xmlns:a="http://schemas.openxmlformats.org/drawingml/2006/main" xmlns:r="http://schemas.openxmlformats.org/officeDocument/2006/relationships" xmlns:p="http://schemas.openxmlformats.org/presentationml/2006/main">
+  <p:cSld>
+    <p:spTree>
+      <p:nvGrpSpPr>
+        <p:cNvPr id="1" name=""/>
+        <p:cNvGrpSpPr/>
+        <p:nvPr/>
+      </p:nvGrpSpPr>
+      <p:grpSpPr>
+        <a:xfrm>
+          <a:off x="0" y="0"/>
+          <a:ext cx="0" cy="0"/>
+          <a:chOff x="0" y="0"/>
+          <a:chExt cx="0" cy="0"/>
+        </a:xfrm>
+      </p:grpSpPr>
+      <p:sp>
+        <p:nvSpPr>
+          <p:cNvPr id="2" name="タイトル 1">
+            <a:extLst>
+              <a:ext uri="{FF2B5EF4-FFF2-40B4-BE49-F238E27FC236}">
+                <a16:creationId xmlns:a16="http://schemas.microsoft.com/office/drawing/2014/main" id="{4C3318D7-7D37-44D9-8744-E18CCDDFB417}"/>
+              </a:ext>
+            </a:extLst>
+          </p:cNvPr>
+          <p:cNvSpPr>
+            <a:spLocks noGrp="1"/>
+          </p:cNvSpPr>
+          <p:nvPr>
+            <p:ph type="title"/>
+          </p:nvPr>
+        </p:nvSpPr>
+        <p:spPr/>
+        <p:txBody>
+          <a:bodyPr/>
+          <a:lstStyle/>
+          <a:p>
+            <a:r>
+              <a:rPr kumimoji="1" lang="ja-JP" altLang="en-US"/>
+              <a:t>使用教材・単元</a:t>
+            </a:r>
+            <a:endParaRPr kumimoji="1" lang="ja-JP" altLang="en-US" dirty="0"/>
+          </a:p>
+        </p:txBody>
+      </p:sp>
+      <p:sp>
+        <p:nvSpPr>
+          <p:cNvPr id="3" name="スライド番号プレースホルダー 2">
+            <a:extLst>
+              <a:ext uri="{FF2B5EF4-FFF2-40B4-BE49-F238E27FC236}">
+                <a16:creationId xmlns:a16="http://schemas.microsoft.com/office/drawing/2014/main" id="{1B22B0AC-2397-4C2F-A084-F10EDA89E529}"/>
+              </a:ext>
+            </a:extLst>
+          </p:cNvPr>
+          <p:cNvSpPr>
+            <a:spLocks noGrp="1"/>
+          </p:cNvSpPr>
+          <p:nvPr>
+            <p:ph type="sldNum" sz="quarter" idx="12"/>
+          </p:nvPr>
+        </p:nvSpPr>
+        <p:spPr/>
+        <p:txBody>
+          <a:bodyPr/>
+          <a:lstStyle/>
+          <a:p>
+            <a:fld id="{91F53415-5CFC-4B36-B902-1D0CCCCD1D51}" type="slidenum">
+              <a:rPr kumimoji="1" lang="ja-JP" altLang="en-US" smtClean="0"/>
+              <a:t>3</a:t>
+            </a:fld>
+            <a:endParaRPr kumimoji="1" lang="ja-JP" altLang="en-US"/>
+          </a:p>
+        </p:txBody>
+      </p:sp>
+      <p:pic>
+        <p:nvPicPr>
+          <p:cNvPr id="4" name="Picture 2" descr="未来へひろがる数学 3 [令和3年度] (文部科学省検定済教科書 中学校数学科用) |本 | 通販 | Amazon">
+            <a:extLst>
+              <a:ext uri="{FF2B5EF4-FFF2-40B4-BE49-F238E27FC236}">
+                <a16:creationId xmlns:a16="http://schemas.microsoft.com/office/drawing/2014/main" id="{FB7F2511-337B-4730-A4F5-06A49B944B87}"/>
+              </a:ext>
+            </a:extLst>
+          </p:cNvPr>
+          <p:cNvPicPr>
+            <a:picLocks noChangeAspect="1" noChangeArrowheads="1"/>
+          </p:cNvPicPr>
+          <p:nvPr/>
+        </p:nvPicPr>
+        <p:blipFill>
+          <a:blip r:embed="rId2">
+            <a:extLst>
+              <a:ext uri="{28A0092B-C50C-407E-A947-70E740481C1C}">
+                <a14:useLocalDpi xmlns:a14="http://schemas.microsoft.com/office/drawing/2010/main" val="0"/>
+              </a:ext>
+            </a:extLst>
+          </a:blip>
+          <a:srcRect/>
+          <a:stretch>
+            <a:fillRect/>
+          </a:stretch>
+        </p:blipFill>
+        <p:spPr bwMode="auto">
+          <a:xfrm>
+            <a:off x="1077798" y="1622240"/>
+            <a:ext cx="3349442" cy="4750358"/>
+          </a:xfrm>
+          <a:prstGeom prst="rect">
+            <a:avLst/>
+          </a:prstGeom>
+          <a:noFill/>
+          <a:extLst>
+            <a:ext uri="{909E8E84-426E-40DD-AFC4-6F175D3DCCD1}">
+              <a14:hiddenFill xmlns:a14="http://schemas.microsoft.com/office/drawing/2010/main">
+                <a:solidFill>
+                  <a:srgbClr val="FFFFFF"/>
+                </a:solidFill>
+              </a14:hiddenFill>
+            </a:ext>
+          </a:extLst>
+        </p:spPr>
+      </p:pic>
+      <p:sp>
+        <p:nvSpPr>
+          <p:cNvPr id="5" name="テキスト ボックス 4">
+            <a:extLst>
+              <a:ext uri="{FF2B5EF4-FFF2-40B4-BE49-F238E27FC236}">
+                <a16:creationId xmlns:a16="http://schemas.microsoft.com/office/drawing/2014/main" id="{AC0A381D-8CA7-443E-AED0-D61933FB6815}"/>
+              </a:ext>
+            </a:extLst>
+          </p:cNvPr>
+          <p:cNvSpPr txBox="1"/>
+          <p:nvPr/>
+        </p:nvSpPr>
+        <p:spPr>
+          <a:xfrm>
+            <a:off x="5122957" y="1723318"/>
+            <a:ext cx="5570756" cy="523220"/>
+          </a:xfrm>
+          <a:prstGeom prst="rect">
+            <a:avLst/>
+          </a:prstGeom>
+          <a:noFill/>
+        </p:spPr>
+        <p:txBody>
+          <a:bodyPr wrap="none" rtlCol="0">
+            <a:spAutoFit/>
+          </a:bodyPr>
+          <a:lstStyle/>
+          <a:p>
+            <a:r>
+              <a:rPr kumimoji="1" lang="ja-JP" altLang="en-US" sz="2800" dirty="0"/>
+              <a:t>未来へひろがる数学３（啓林館）</a:t>
+            </a:r>
+            <a:endParaRPr kumimoji="1" lang="en-US" altLang="ja-JP" sz="2800" dirty="0"/>
+          </a:p>
+        </p:txBody>
+      </p:sp>
+      <p:pic>
+        <p:nvPicPr>
+          <p:cNvPr id="6" name="Picture 4" descr="デジタル教科書ビューア「超教科書」 ロゴ">
+            <a:extLst>
+              <a:ext uri="{FF2B5EF4-FFF2-40B4-BE49-F238E27FC236}">
+                <a16:creationId xmlns:a16="http://schemas.microsoft.com/office/drawing/2014/main" id="{B65595FF-842D-4CB8-A6B8-65402031BD6C}"/>
+              </a:ext>
+            </a:extLst>
+          </p:cNvPr>
+          <p:cNvPicPr>
+            <a:picLocks noChangeAspect="1" noChangeArrowheads="1"/>
+          </p:cNvPicPr>
+          <p:nvPr/>
+        </p:nvPicPr>
+        <p:blipFill>
+          <a:blip r:embed="rId3">
+            <a:extLst>
+              <a:ext uri="{28A0092B-C50C-407E-A947-70E740481C1C}">
+                <a14:useLocalDpi xmlns:a14="http://schemas.microsoft.com/office/drawing/2010/main" val="0"/>
+              </a:ext>
+            </a:extLst>
+          </a:blip>
+          <a:srcRect/>
+          <a:stretch>
+            <a:fillRect/>
+          </a:stretch>
+        </p:blipFill>
+        <p:spPr bwMode="auto">
+          <a:xfrm>
+            <a:off x="6879730" y="4661762"/>
+            <a:ext cx="3501742" cy="1252279"/>
+          </a:xfrm>
+          <a:prstGeom prst="rect">
+            <a:avLst/>
+          </a:prstGeom>
+          <a:noFill/>
+          <a:extLst>
+            <a:ext uri="{909E8E84-426E-40DD-AFC4-6F175D3DCCD1}">
+              <a14:hiddenFill xmlns:a14="http://schemas.microsoft.com/office/drawing/2010/main">
+                <a:solidFill>
+                  <a:srgbClr val="FFFFFF"/>
+                </a:solidFill>
+              </a14:hiddenFill>
+            </a:ext>
+          </a:extLst>
+        </p:spPr>
+      </p:pic>
+      <p:sp>
+        <p:nvSpPr>
+          <p:cNvPr id="7" name="テキスト ボックス 6">
+            <a:extLst>
+              <a:ext uri="{FF2B5EF4-FFF2-40B4-BE49-F238E27FC236}">
+                <a16:creationId xmlns:a16="http://schemas.microsoft.com/office/drawing/2014/main" id="{BC507910-8D79-473F-BE9E-3566B62BDE46}"/>
+              </a:ext>
+            </a:extLst>
+          </p:cNvPr>
+          <p:cNvSpPr txBox="1"/>
+          <p:nvPr/>
+        </p:nvSpPr>
+        <p:spPr>
+          <a:xfrm>
+            <a:off x="5122957" y="2302554"/>
+            <a:ext cx="6562364" cy="1324337"/>
+          </a:xfrm>
+          <a:prstGeom prst="rect">
+            <a:avLst/>
+          </a:prstGeom>
+          <a:noFill/>
+        </p:spPr>
+        <p:txBody>
+          <a:bodyPr wrap="square">
+            <a:spAutoFit/>
+          </a:bodyPr>
+          <a:lstStyle/>
+          <a:p>
+            <a:pPr>
+              <a:lnSpc>
+                <a:spcPct val="150000"/>
+              </a:lnSpc>
+            </a:pPr>
+            <a:r>
+              <a:rPr lang="ja-JP" altLang="en-US" sz="2800" dirty="0"/>
+              <a:t>６</a:t>
+            </a:r>
+            <a:r>
+              <a:rPr kumimoji="1" lang="ja-JP" altLang="en-US" sz="2800" dirty="0"/>
+              <a:t>章 円の性質</a:t>
+            </a:r>
+            <a:endParaRPr kumimoji="1" lang="en-US" altLang="ja-JP" sz="2800" dirty="0"/>
+          </a:p>
+          <a:p>
+            <a:pPr>
+              <a:lnSpc>
+                <a:spcPct val="150000"/>
+              </a:lnSpc>
+            </a:pPr>
+            <a:r>
+              <a:rPr lang="ja-JP" altLang="en-US" sz="2800" dirty="0"/>
+              <a:t>１節 </a:t>
+            </a:r>
+            <a:r>
+              <a:rPr lang="ja-JP" altLang="en-US" sz="2800" b="1" dirty="0"/>
+              <a:t>円周角と</a:t>
+            </a:r>
+            <a:r>
+              <a:rPr lang="ja-JP" altLang="en-US" sz="2800" b="1"/>
+              <a:t>中心角</a:t>
+            </a:r>
+            <a:endParaRPr kumimoji="1" lang="ja-JP" altLang="en-US" sz="2800" b="1" dirty="0"/>
+          </a:p>
+        </p:txBody>
+      </p:sp>
+      <p:sp>
+        <p:nvSpPr>
+          <p:cNvPr id="8" name="テキスト ボックス 7">
+            <a:extLst>
+              <a:ext uri="{FF2B5EF4-FFF2-40B4-BE49-F238E27FC236}">
+                <a16:creationId xmlns:a16="http://schemas.microsoft.com/office/drawing/2014/main" id="{0C4B16CF-C15F-49CF-AD9B-81C9396F9F6D}"/>
+              </a:ext>
+            </a:extLst>
+          </p:cNvPr>
+          <p:cNvSpPr txBox="1"/>
+          <p:nvPr/>
+        </p:nvSpPr>
+        <p:spPr>
+          <a:xfrm>
+            <a:off x="6823857" y="5996696"/>
+            <a:ext cx="3613490" cy="276999"/>
+          </a:xfrm>
+          <a:prstGeom prst="rect">
+            <a:avLst/>
+          </a:prstGeom>
+          <a:noFill/>
+        </p:spPr>
+        <p:txBody>
+          <a:bodyPr wrap="none" rtlCol="0">
+            <a:spAutoFit/>
+          </a:bodyPr>
+          <a:lstStyle/>
+          <a:p>
+            <a:pPr algn="ctr"/>
+            <a:r>
+              <a:rPr kumimoji="1" lang="ja-JP" altLang="en-US" sz="1200"/>
+              <a:t>▲ 生徒のタブレットに入っているデジタル教科書</a:t>
+            </a:r>
+          </a:p>
+        </p:txBody>
+      </p:sp>
+      <p:pic>
+        <p:nvPicPr>
+          <p:cNvPr id="9" name="図 8">
+            <a:extLst>
+              <a:ext uri="{FF2B5EF4-FFF2-40B4-BE49-F238E27FC236}">
+                <a16:creationId xmlns:a16="http://schemas.microsoft.com/office/drawing/2014/main" id="{CD27CDCF-3DB2-6163-C20C-A893E840A4A4}"/>
+              </a:ext>
+            </a:extLst>
+          </p:cNvPr>
+          <p:cNvPicPr>
+            <a:picLocks noChangeAspect="1"/>
+          </p:cNvPicPr>
+          <p:nvPr/>
+        </p:nvPicPr>
+        <p:blipFill>
+          <a:blip r:embed="rId4">
+            <a:extLst>
+              <a:ext uri="{28A0092B-C50C-407E-A947-70E740481C1C}">
+                <a14:useLocalDpi xmlns:a14="http://schemas.microsoft.com/office/drawing/2010/main" val="0"/>
+              </a:ext>
+            </a:extLst>
+          </a:blip>
+          <a:srcRect t="16328"/>
+          <a:stretch/>
+        </p:blipFill>
+        <p:spPr>
+          <a:xfrm>
+            <a:off x="5123256" y="3876524"/>
+            <a:ext cx="5758021" cy="2408931"/>
+          </a:xfrm>
+          <a:prstGeom prst="rect">
+            <a:avLst/>
+          </a:prstGeom>
+        </p:spPr>
+      </p:pic>
+    </p:spTree>
+    <p:extLst>
+      <p:ext uri="{BB962C8B-B14F-4D97-AF65-F5344CB8AC3E}">
+        <p14:creationId xmlns:p14="http://schemas.microsoft.com/office/powerpoint/2010/main" val="1681630939"/>
+      </p:ext>
+    </p:extLst>
+  </p:cSld>
+  <p:clrMapOvr>
+    <a:masterClrMapping/>
+  </p:clrMapOvr>
+</p:sld>
+</file>
+
+<file path=ppt/slides/slide4.xml><?xml version="1.0" encoding="utf-8"?>
+<p:sld xmlns:a="http://schemas.openxmlformats.org/drawingml/2006/main" xmlns:r="http://schemas.openxmlformats.org/officeDocument/2006/relationships" xmlns:p="http://schemas.openxmlformats.org/presentationml/2006/main">
+  <p:cSld>
+    <p:spTree>
+      <p:nvGrpSpPr>
+        <p:cNvPr id="1" name=""/>
+        <p:cNvGrpSpPr/>
+        <p:nvPr/>
+      </p:nvGrpSpPr>
+      <p:grpSpPr>
+        <a:xfrm>
+          <a:off x="0" y="0"/>
+          <a:ext cx="0" cy="0"/>
+          <a:chOff x="0" y="0"/>
+          <a:chExt cx="0" cy="0"/>
+        </a:xfrm>
+      </p:grpSpPr>
+      <p:sp>
+        <p:nvSpPr>
+          <p:cNvPr id="2" name="タイトル 1">
+            <a:extLst>
+              <a:ext uri="{FF2B5EF4-FFF2-40B4-BE49-F238E27FC236}">
+                <a16:creationId xmlns:a16="http://schemas.microsoft.com/office/drawing/2014/main" id="{56EDCAD1-FECC-D32B-10E9-46FBB93F2D6F}"/>
+              </a:ext>
+            </a:extLst>
+          </p:cNvPr>
+          <p:cNvSpPr>
+            <a:spLocks noGrp="1"/>
+          </p:cNvSpPr>
+          <p:nvPr>
+            <p:ph type="title"/>
+          </p:nvPr>
+        </p:nvSpPr>
+        <p:spPr/>
+        <p:txBody>
+          <a:bodyPr/>
+          <a:lstStyle/>
+          <a:p>
+            <a:r>
+              <a:rPr kumimoji="1" lang="ja-JP" altLang="en-US"/>
+              <a:t>単元の指導目標</a:t>
+            </a:r>
+          </a:p>
+        </p:txBody>
+      </p:sp>
+      <p:sp>
+        <p:nvSpPr>
+          <p:cNvPr id="3" name="コンテンツ プレースホルダー 2">
+            <a:extLst>
+              <a:ext uri="{FF2B5EF4-FFF2-40B4-BE49-F238E27FC236}">
+                <a16:creationId xmlns:a16="http://schemas.microsoft.com/office/drawing/2014/main" id="{EA9C1DE6-8438-B451-F0FF-6CC0C34B2FB9}"/>
+              </a:ext>
+            </a:extLst>
+          </p:cNvPr>
+          <p:cNvSpPr>
+            <a:spLocks noGrp="1"/>
+          </p:cNvSpPr>
+          <p:nvPr>
+            <p:ph idx="1"/>
+          </p:nvPr>
+        </p:nvSpPr>
+        <p:spPr/>
+        <p:txBody>
+          <a:bodyPr/>
+          <a:lstStyle/>
+          <a:p>
+            <a:pPr marL="0" indent="0">
+              <a:lnSpc>
+                <a:spcPct val="150000"/>
+              </a:lnSpc>
+              <a:buNone/>
+            </a:pPr>
+            <a:r>
+              <a:rPr kumimoji="1" lang="ja-JP" altLang="en-US"/>
+              <a:t>　円周角と中心角の関係に着目して共通な性質を見いだし、</a:t>
+            </a:r>
+            <a:r>
+              <a:rPr kumimoji="1" lang="ja-JP" altLang="en-US" b="1"/>
+              <a:t>円周角の定理とその逆</a:t>
+            </a:r>
+            <a:r>
+              <a:rPr kumimoji="1" lang="ja-JP" altLang="en-US"/>
+              <a:t>の意味や</a:t>
+            </a:r>
+            <a:r>
+              <a:rPr kumimoji="1" lang="ja-JP" altLang="en-US" b="1"/>
+              <a:t>証明の仕方</a:t>
+            </a:r>
+            <a:r>
+              <a:rPr kumimoji="1" lang="ja-JP" altLang="en-US"/>
+              <a:t>に関心をもつ。円の中に角を見いだしたり補助的に作りだしたりするなど工夫して、</a:t>
+            </a:r>
+            <a:r>
+              <a:rPr kumimoji="1" lang="ja-JP" altLang="en-US" b="1"/>
+              <a:t>様々な問題解決に円周角の定理を利用</a:t>
+            </a:r>
+            <a:r>
+              <a:rPr kumimoji="1" lang="ja-JP" altLang="en-US"/>
+              <a:t>する。</a:t>
+            </a:r>
+          </a:p>
+        </p:txBody>
+      </p:sp>
+      <p:sp>
+        <p:nvSpPr>
+          <p:cNvPr id="4" name="スライド番号プレースホルダー 3">
+            <a:extLst>
+              <a:ext uri="{FF2B5EF4-FFF2-40B4-BE49-F238E27FC236}">
+                <a16:creationId xmlns:a16="http://schemas.microsoft.com/office/drawing/2014/main" id="{0740761E-F1CD-0974-1735-71A07EDF1F08}"/>
+              </a:ext>
+            </a:extLst>
+          </p:cNvPr>
+          <p:cNvSpPr>
+            <a:spLocks noGrp="1"/>
+          </p:cNvSpPr>
+          <p:nvPr>
+            <p:ph type="sldNum" sz="quarter" idx="12"/>
+          </p:nvPr>
+        </p:nvSpPr>
+        <p:spPr/>
+        <p:txBody>
+          <a:bodyPr/>
+          <a:lstStyle/>
+          <a:p>
+            <a:fld id="{91F53415-5CFC-4B36-B902-1D0CCCCD1D51}" type="slidenum">
+              <a:rPr kumimoji="1" lang="ja-JP" altLang="en-US" smtClean="0"/>
+              <a:t>4</a:t>
+            </a:fld>
+            <a:endParaRPr kumimoji="1" lang="ja-JP" altLang="en-US"/>
+          </a:p>
+        </p:txBody>
+      </p:sp>
+    </p:spTree>
+    <p:extLst>
+      <p:ext uri="{BB962C8B-B14F-4D97-AF65-F5344CB8AC3E}">
+        <p14:creationId xmlns:p14="http://schemas.microsoft.com/office/powerpoint/2010/main" val="3413919031"/>
+      </p:ext>
+    </p:extLst>
+  </p:cSld>
+  <p:clrMapOvr>
+    <a:masterClrMapping/>
+  </p:clrMapOvr>
+</p:sld>
+</file>
+
+<file path=ppt/slides/slide5.xml><?xml version="1.0" encoding="utf-8"?>
+<p:sld xmlns:a="http://schemas.openxmlformats.org/drawingml/2006/main" xmlns:r="http://schemas.openxmlformats.org/officeDocument/2006/relationships" xmlns:p="http://schemas.openxmlformats.org/presentationml/2006/main">
+  <p:cSld>
+    <p:spTree>
+      <p:nvGrpSpPr>
+        <p:cNvPr id="1" name="">
+          <a:extLst>
+            <a:ext uri="{FF2B5EF4-FFF2-40B4-BE49-F238E27FC236}">
+              <a16:creationId xmlns:a16="http://schemas.microsoft.com/office/drawing/2014/main" id="{EDC2A611-9705-48D6-54B5-CEDE60690A60}"/>
+            </a:ext>
+          </a:extLst>
+        </p:cNvPr>
+        <p:cNvGrpSpPr/>
+        <p:nvPr/>
+      </p:nvGrpSpPr>
+      <p:grpSpPr>
+        <a:xfrm>
+          <a:off x="0" y="0"/>
+          <a:ext cx="0" cy="0"/>
+          <a:chOff x="0" y="0"/>
+          <a:chExt cx="0" cy="0"/>
+        </a:xfrm>
+      </p:grpSpPr>
+      <p:sp>
+        <p:nvSpPr>
+          <p:cNvPr id="2" name="タイトル 1">
+            <a:extLst>
+              <a:ext uri="{FF2B5EF4-FFF2-40B4-BE49-F238E27FC236}">
+                <a16:creationId xmlns:a16="http://schemas.microsoft.com/office/drawing/2014/main" id="{337B6AF7-6628-1FAC-84A0-6BADFE12FEF6}"/>
+              </a:ext>
+            </a:extLst>
+          </p:cNvPr>
+          <p:cNvSpPr>
+            <a:spLocks noGrp="1"/>
+          </p:cNvSpPr>
+          <p:nvPr>
+            <p:ph type="title"/>
+          </p:nvPr>
+        </p:nvSpPr>
+        <p:spPr/>
+        <p:txBody>
+          <a:bodyPr/>
+          <a:lstStyle/>
+          <a:p>
+            <a:r>
+              <a:rPr lang="ja-JP" altLang="en-US"/>
+              <a:t>評価「知識・技能」</a:t>
+            </a:r>
+            <a:endParaRPr kumimoji="1" lang="ja-JP" altLang="en-US"/>
+          </a:p>
+        </p:txBody>
+      </p:sp>
+      <p:sp>
+        <p:nvSpPr>
+          <p:cNvPr id="3" name="コンテンツ プレースホルダー 2">
+            <a:extLst>
+              <a:ext uri="{FF2B5EF4-FFF2-40B4-BE49-F238E27FC236}">
+                <a16:creationId xmlns:a16="http://schemas.microsoft.com/office/drawing/2014/main" id="{81E4C369-71A1-7232-06F2-7F7B075B9F1C}"/>
+              </a:ext>
+            </a:extLst>
+          </p:cNvPr>
+          <p:cNvSpPr>
+            <a:spLocks noGrp="1"/>
+          </p:cNvSpPr>
+          <p:nvPr>
+            <p:ph idx="1"/>
+          </p:nvPr>
+        </p:nvSpPr>
+        <p:spPr/>
+        <p:txBody>
+          <a:bodyPr>
+            <a:normAutofit/>
+          </a:bodyPr>
+          <a:lstStyle/>
+          <a:p>
+            <a:pPr>
+              <a:lnSpc>
+                <a:spcPct val="150000"/>
+              </a:lnSpc>
+            </a:pPr>
+            <a:r>
+              <a:rPr kumimoji="1" lang="ja-JP" altLang="en-US" b="1"/>
+              <a:t>円周角の定理とその逆</a:t>
+            </a:r>
+            <a:r>
+              <a:rPr kumimoji="1" lang="ja-JP" altLang="en-US"/>
+              <a:t>の意味を</a:t>
+            </a:r>
+            <a:r>
+              <a:rPr kumimoji="1" lang="ja-JP" altLang="en-US" b="1"/>
+              <a:t>理解</a:t>
+            </a:r>
+            <a:r>
+              <a:rPr kumimoji="1" lang="ja-JP" altLang="en-US"/>
+              <a:t>することができる。</a:t>
+            </a:r>
+            <a:endParaRPr kumimoji="1" lang="en-US" altLang="ja-JP"/>
+          </a:p>
+        </p:txBody>
+      </p:sp>
+      <p:sp>
+        <p:nvSpPr>
+          <p:cNvPr id="4" name="スライド番号プレースホルダー 3">
+            <a:extLst>
+              <a:ext uri="{FF2B5EF4-FFF2-40B4-BE49-F238E27FC236}">
+                <a16:creationId xmlns:a16="http://schemas.microsoft.com/office/drawing/2014/main" id="{311AB330-7898-4B7C-08B4-ACD063C655DC}"/>
+              </a:ext>
+            </a:extLst>
+          </p:cNvPr>
+          <p:cNvSpPr>
+            <a:spLocks noGrp="1"/>
+          </p:cNvSpPr>
+          <p:nvPr>
+            <p:ph type="sldNum" sz="quarter" idx="12"/>
+          </p:nvPr>
+        </p:nvSpPr>
+        <p:spPr/>
+        <p:txBody>
+          <a:bodyPr/>
+          <a:lstStyle/>
+          <a:p>
+            <a:fld id="{91F53415-5CFC-4B36-B902-1D0CCCCD1D51}" type="slidenum">
+              <a:rPr kumimoji="1" lang="ja-JP" altLang="en-US" smtClean="0"/>
+              <a:t>5</a:t>
+            </a:fld>
+            <a:endParaRPr kumimoji="1" lang="ja-JP" altLang="en-US"/>
+          </a:p>
+        </p:txBody>
+      </p:sp>
+    </p:spTree>
+    <p:extLst>
+      <p:ext uri="{BB962C8B-B14F-4D97-AF65-F5344CB8AC3E}">
+        <p14:creationId xmlns:p14="http://schemas.microsoft.com/office/powerpoint/2010/main" val="962729686"/>
+      </p:ext>
+    </p:extLst>
+  </p:cSld>
+  <p:clrMapOvr>
+    <a:masterClrMapping/>
+  </p:clrMapOvr>
+</p:sld>
+</file>
+
+<file path=ppt/slides/slide6.xml><?xml version="1.0" encoding="utf-8"?>
+<p:sld xmlns:a="http://schemas.openxmlformats.org/drawingml/2006/main" xmlns:r="http://schemas.openxmlformats.org/officeDocument/2006/relationships" xmlns:p="http://schemas.openxmlformats.org/presentationml/2006/main">
+  <p:cSld>
+    <p:spTree>
+      <p:nvGrpSpPr>
+        <p:cNvPr id="1" name="">
+          <a:extLst>
+            <a:ext uri="{FF2B5EF4-FFF2-40B4-BE49-F238E27FC236}">
+              <a16:creationId xmlns:a16="http://schemas.microsoft.com/office/drawing/2014/main" id="{531AB614-B694-BA83-407B-46300FF5DD8A}"/>
+            </a:ext>
+          </a:extLst>
+        </p:cNvPr>
+        <p:cNvGrpSpPr/>
+        <p:nvPr/>
+      </p:nvGrpSpPr>
+      <p:grpSpPr>
+        <a:xfrm>
+          <a:off x="0" y="0"/>
+          <a:ext cx="0" cy="0"/>
+          <a:chOff x="0" y="0"/>
+          <a:chExt cx="0" cy="0"/>
+        </a:xfrm>
+      </p:grpSpPr>
+      <p:sp>
+        <p:nvSpPr>
+          <p:cNvPr id="2" name="タイトル 1">
+            <a:extLst>
+              <a:ext uri="{FF2B5EF4-FFF2-40B4-BE49-F238E27FC236}">
+                <a16:creationId xmlns:a16="http://schemas.microsoft.com/office/drawing/2014/main" id="{766ED7CD-73C5-E157-9AE7-F639E137DFE8}"/>
+              </a:ext>
+            </a:extLst>
+          </p:cNvPr>
+          <p:cNvSpPr>
+            <a:spLocks noGrp="1"/>
+          </p:cNvSpPr>
+          <p:nvPr>
+            <p:ph type="title"/>
+          </p:nvPr>
+        </p:nvSpPr>
+        <p:spPr/>
+        <p:txBody>
+          <a:bodyPr/>
+          <a:lstStyle/>
+          <a:p>
+            <a:r>
+              <a:rPr lang="ja-JP" altLang="en-US"/>
+              <a:t>評価「思考・判断・表現 」</a:t>
+            </a:r>
+            <a:endParaRPr kumimoji="1" lang="ja-JP" altLang="en-US"/>
+          </a:p>
+        </p:txBody>
+      </p:sp>
+      <p:sp>
+        <p:nvSpPr>
+          <p:cNvPr id="3" name="コンテンツ プレースホルダー 2">
+            <a:extLst>
+              <a:ext uri="{FF2B5EF4-FFF2-40B4-BE49-F238E27FC236}">
+                <a16:creationId xmlns:a16="http://schemas.microsoft.com/office/drawing/2014/main" id="{C0476865-5894-301C-8487-969429F03E91}"/>
+              </a:ext>
+            </a:extLst>
+          </p:cNvPr>
+          <p:cNvSpPr>
+            <a:spLocks noGrp="1"/>
+          </p:cNvSpPr>
+          <p:nvPr>
+            <p:ph idx="1"/>
+          </p:nvPr>
+        </p:nvSpPr>
+        <p:spPr/>
+        <p:txBody>
+          <a:bodyPr>
+            <a:normAutofit/>
+          </a:bodyPr>
+          <a:lstStyle/>
+          <a:p>
+            <a:pPr>
+              <a:lnSpc>
+                <a:spcPct val="150000"/>
+              </a:lnSpc>
+            </a:pPr>
+            <a:r>
+              <a:rPr kumimoji="1" lang="ja-JP" altLang="en-US"/>
+              <a:t>円周角の定理とその逆</a:t>
+            </a:r>
+            <a:r>
+              <a:rPr lang="ja-JP" altLang="en-US"/>
+              <a:t>を</a:t>
+            </a:r>
+            <a:r>
+              <a:rPr lang="ja-JP" altLang="en-US" b="1"/>
+              <a:t>見いだす</a:t>
+            </a:r>
+            <a:r>
+              <a:rPr lang="ja-JP" altLang="en-US"/>
+              <a:t>ことができる。</a:t>
+            </a:r>
+            <a:endParaRPr kumimoji="1" lang="en-US" altLang="ja-JP"/>
+          </a:p>
+          <a:p>
+            <a:pPr>
+              <a:lnSpc>
+                <a:spcPct val="150000"/>
+              </a:lnSpc>
+            </a:pPr>
+            <a:r>
+              <a:rPr lang="ja-JP" altLang="en-US"/>
+              <a:t>円周角の定理とその逆を</a:t>
+            </a:r>
+            <a:r>
+              <a:rPr lang="ja-JP" altLang="en-US" b="1"/>
+              <a:t>具体的な場面で活用</a:t>
+            </a:r>
+            <a:r>
+              <a:rPr lang="ja-JP" altLang="en-US"/>
+              <a:t>することができる。</a:t>
+            </a:r>
+            <a:endParaRPr kumimoji="1" lang="en-US" altLang="ja-JP"/>
+          </a:p>
+        </p:txBody>
+      </p:sp>
+      <p:sp>
+        <p:nvSpPr>
+          <p:cNvPr id="4" name="スライド番号プレースホルダー 3">
+            <a:extLst>
+              <a:ext uri="{FF2B5EF4-FFF2-40B4-BE49-F238E27FC236}">
+                <a16:creationId xmlns:a16="http://schemas.microsoft.com/office/drawing/2014/main" id="{BCEA08D3-FCB7-B374-8724-3509CAB3BB8F}"/>
+              </a:ext>
+            </a:extLst>
+          </p:cNvPr>
+          <p:cNvSpPr>
+            <a:spLocks noGrp="1"/>
+          </p:cNvSpPr>
+          <p:nvPr>
+            <p:ph type="sldNum" sz="quarter" idx="12"/>
+          </p:nvPr>
+        </p:nvSpPr>
+        <p:spPr/>
+        <p:txBody>
+          <a:bodyPr/>
+          <a:lstStyle/>
+          <a:p>
+            <a:fld id="{91F53415-5CFC-4B36-B902-1D0CCCCD1D51}" type="slidenum">
+              <a:rPr kumimoji="1" lang="ja-JP" altLang="en-US" smtClean="0"/>
+              <a:t>6</a:t>
+            </a:fld>
+            <a:endParaRPr kumimoji="1" lang="ja-JP" altLang="en-US"/>
+          </a:p>
+        </p:txBody>
+      </p:sp>
+    </p:spTree>
+    <p:extLst>
+      <p:ext uri="{BB962C8B-B14F-4D97-AF65-F5344CB8AC3E}">
+        <p14:creationId xmlns:p14="http://schemas.microsoft.com/office/powerpoint/2010/main" val="1541406622"/>
+      </p:ext>
+    </p:extLst>
+  </p:cSld>
+  <p:clrMapOvr>
+    <a:masterClrMapping/>
+  </p:clrMapOvr>
+</p:sld>
+</file>
+
+<file path=ppt/slides/slide7.xml><?xml version="1.0" encoding="utf-8"?>
+<p:sld xmlns:a="http://schemas.openxmlformats.org/drawingml/2006/main" xmlns:r="http://schemas.openxmlformats.org/officeDocument/2006/relationships" xmlns:p="http://schemas.openxmlformats.org/presentationml/2006/main">
+  <p:cSld>
+    <p:spTree>
+      <p:nvGrpSpPr>
+        <p:cNvPr id="1" name="">
+          <a:extLst>
+            <a:ext uri="{FF2B5EF4-FFF2-40B4-BE49-F238E27FC236}">
+              <a16:creationId xmlns:a16="http://schemas.microsoft.com/office/drawing/2014/main" id="{0DA76BBD-EC34-8E6D-3DBD-65242948B34D}"/>
+            </a:ext>
+          </a:extLst>
+        </p:cNvPr>
+        <p:cNvGrpSpPr/>
+        <p:nvPr/>
+      </p:nvGrpSpPr>
+      <p:grpSpPr>
+        <a:xfrm>
+          <a:off x="0" y="0"/>
+          <a:ext cx="0" cy="0"/>
+          <a:chOff x="0" y="0"/>
+          <a:chExt cx="0" cy="0"/>
+        </a:xfrm>
+      </p:grpSpPr>
+      <p:sp>
+        <p:nvSpPr>
+          <p:cNvPr id="2" name="タイトル 1">
+            <a:extLst>
+              <a:ext uri="{FF2B5EF4-FFF2-40B4-BE49-F238E27FC236}">
+                <a16:creationId xmlns:a16="http://schemas.microsoft.com/office/drawing/2014/main" id="{4C917209-0738-99E0-EE04-253A8A866C0F}"/>
+              </a:ext>
+            </a:extLst>
+          </p:cNvPr>
+          <p:cNvSpPr>
+            <a:spLocks noGrp="1"/>
+          </p:cNvSpPr>
+          <p:nvPr>
+            <p:ph type="title"/>
+          </p:nvPr>
+        </p:nvSpPr>
+        <p:spPr/>
+        <p:txBody>
+          <a:bodyPr>
+            <a:normAutofit/>
+          </a:bodyPr>
+          <a:lstStyle/>
+          <a:p>
+            <a:r>
+              <a:rPr lang="ja-JP" altLang="en-US"/>
+              <a:t>評価「主体的に学習に取り組む態度」</a:t>
+            </a:r>
+            <a:endParaRPr kumimoji="1" lang="ja-JP" altLang="en-US"/>
+          </a:p>
+        </p:txBody>
+      </p:sp>
+      <p:sp>
+        <p:nvSpPr>
+          <p:cNvPr id="3" name="コンテンツ プレースホルダー 2">
+            <a:extLst>
+              <a:ext uri="{FF2B5EF4-FFF2-40B4-BE49-F238E27FC236}">
+                <a16:creationId xmlns:a16="http://schemas.microsoft.com/office/drawing/2014/main" id="{E59C4A92-CB4E-80C0-15A8-B96579B8FC51}"/>
+              </a:ext>
+            </a:extLst>
+          </p:cNvPr>
+          <p:cNvSpPr>
+            <a:spLocks noGrp="1"/>
+          </p:cNvSpPr>
+          <p:nvPr>
+            <p:ph idx="1"/>
+          </p:nvPr>
+        </p:nvSpPr>
+        <p:spPr/>
+        <p:txBody>
+          <a:bodyPr>
+            <a:normAutofit/>
+          </a:bodyPr>
+          <a:lstStyle/>
+          <a:p>
+            <a:pPr>
+              <a:lnSpc>
+                <a:spcPct val="150000"/>
+              </a:lnSpc>
+            </a:pPr>
+            <a:r>
+              <a:rPr lang="ja-JP" altLang="en-US"/>
+              <a:t>円周角の定理とその逆を実感して粘り強く考え、円周角と中心角の関係について学んだことを</a:t>
+            </a:r>
+            <a:r>
+              <a:rPr lang="ja-JP" altLang="en-US" b="1"/>
+              <a:t>生活や学習にいかそう</a:t>
+            </a:r>
+            <a:r>
+              <a:rPr lang="ja-JP" altLang="en-US"/>
+              <a:t>としたり、円周角の定理とその逆を活用した</a:t>
+            </a:r>
+            <a:r>
+              <a:rPr lang="ja-JP" altLang="en-US" b="1"/>
+              <a:t>問題解決の過程</a:t>
+            </a:r>
+            <a:r>
+              <a:rPr lang="ja-JP" altLang="en-US"/>
+              <a:t>をふり返って評価・改善しようとしたりしている。</a:t>
+            </a:r>
+            <a:endParaRPr kumimoji="1" lang="ja-JP" altLang="en-US"/>
+          </a:p>
+        </p:txBody>
+      </p:sp>
+      <p:sp>
+        <p:nvSpPr>
+          <p:cNvPr id="4" name="スライド番号プレースホルダー 3">
+            <a:extLst>
+              <a:ext uri="{FF2B5EF4-FFF2-40B4-BE49-F238E27FC236}">
+                <a16:creationId xmlns:a16="http://schemas.microsoft.com/office/drawing/2014/main" id="{60FC419D-BFD9-E648-6900-9BAB28AD6628}"/>
+              </a:ext>
+            </a:extLst>
+          </p:cNvPr>
+          <p:cNvSpPr>
+            <a:spLocks noGrp="1"/>
+          </p:cNvSpPr>
+          <p:nvPr>
+            <p:ph type="sldNum" sz="quarter" idx="12"/>
+          </p:nvPr>
+        </p:nvSpPr>
+        <p:spPr/>
+        <p:txBody>
+          <a:bodyPr/>
+          <a:lstStyle/>
+          <a:p>
+            <a:fld id="{91F53415-5CFC-4B36-B902-1D0CCCCD1D51}" type="slidenum">
+              <a:rPr kumimoji="1" lang="ja-JP" altLang="en-US" smtClean="0"/>
+              <a:t>7</a:t>
+            </a:fld>
+            <a:endParaRPr kumimoji="1" lang="ja-JP" altLang="en-US"/>
+          </a:p>
+        </p:txBody>
+      </p:sp>
+    </p:spTree>
+    <p:extLst>
+      <p:ext uri="{BB962C8B-B14F-4D97-AF65-F5344CB8AC3E}">
+        <p14:creationId xmlns:p14="http://schemas.microsoft.com/office/powerpoint/2010/main" val="2681649940"/>
       </p:ext>
     </p:extLst>
   </p:cSld>
@@ -9576,10 +12057,200 @@
       </p:grpSpPr>
       <p:sp>
         <p:nvSpPr>
-          <p:cNvPr id="2" name="スライド番号プレースホルダー 1">
-            <a:extLst>
-              <a:ext uri="{FF2B5EF4-FFF2-40B4-BE49-F238E27FC236}">
-                <a16:creationId xmlns:a16="http://schemas.microsoft.com/office/drawing/2014/main" id="{4512144D-8A07-4D13-B1A7-1DAE2BD861C3}"/>
+          <p:cNvPr id="2" name="タイトル 1">
+            <a:extLst>
+              <a:ext uri="{FF2B5EF4-FFF2-40B4-BE49-F238E27FC236}">
+                <a16:creationId xmlns:a16="http://schemas.microsoft.com/office/drawing/2014/main" id="{3CE8673C-C206-B35C-9A55-4A40E4FD7B9E}"/>
+              </a:ext>
+            </a:extLst>
+          </p:cNvPr>
+          <p:cNvSpPr>
+            <a:spLocks noGrp="1"/>
+          </p:cNvSpPr>
+          <p:nvPr>
+            <p:ph type="title"/>
+          </p:nvPr>
+        </p:nvSpPr>
+        <p:spPr/>
+        <p:txBody>
+          <a:bodyPr/>
+          <a:lstStyle/>
+          <a:p>
+            <a:r>
+              <a:rPr lang="ja-JP" altLang="en-US"/>
+              <a:t>単元の指導計画（総時数７時間）</a:t>
+            </a:r>
+            <a:endParaRPr kumimoji="1" lang="ja-JP" altLang="en-US"/>
+          </a:p>
+        </p:txBody>
+      </p:sp>
+      <p:sp>
+        <p:nvSpPr>
+          <p:cNvPr id="3" name="コンテンツ プレースホルダー 2">
+            <a:extLst>
+              <a:ext uri="{FF2B5EF4-FFF2-40B4-BE49-F238E27FC236}">
+                <a16:creationId xmlns:a16="http://schemas.microsoft.com/office/drawing/2014/main" id="{8CF9AFA0-8DC4-F3ED-BD5F-502422EE0B5D}"/>
+              </a:ext>
+            </a:extLst>
+          </p:cNvPr>
+          <p:cNvSpPr>
+            <a:spLocks noGrp="1"/>
+          </p:cNvSpPr>
+          <p:nvPr>
+            <p:ph idx="1"/>
+          </p:nvPr>
+        </p:nvSpPr>
+        <p:spPr/>
+        <p:txBody>
+          <a:bodyPr>
+            <a:normAutofit/>
+          </a:bodyPr>
+          <a:lstStyle/>
+          <a:p>
+            <a:pPr marL="514350" indent="-514350">
+              <a:buFont typeface="+mj-lt"/>
+              <a:buAutoNum type="arabicPeriod"/>
+            </a:pPr>
+            <a:r>
+              <a:rPr kumimoji="1" lang="ja-JP" altLang="en-US" b="1"/>
+              <a:t>円周角と中心角</a:t>
+            </a:r>
+            <a:r>
+              <a:rPr kumimoji="1" lang="en-US" altLang="ja-JP"/>
+              <a:t>	</a:t>
+            </a:r>
+            <a:r>
+              <a:rPr kumimoji="1" lang="ja-JP" altLang="en-US"/>
+              <a:t>４時間</a:t>
+            </a:r>
+            <a:endParaRPr kumimoji="1" lang="en-US" altLang="ja-JP"/>
+          </a:p>
+          <a:p>
+            <a:pPr marL="971550" lvl="1" indent="-514350">
+              <a:buFont typeface="+mj-lt"/>
+              <a:buAutoNum type="arabicPeriod"/>
+            </a:pPr>
+            <a:r>
+              <a:rPr lang="ja-JP" altLang="en-US" b="1"/>
+              <a:t>円周角の定理</a:t>
+            </a:r>
+            <a:r>
+              <a:rPr lang="en-US" altLang="ja-JP"/>
+              <a:t>………</a:t>
+            </a:r>
+            <a:r>
+              <a:rPr lang="ja-JP" altLang="en-US"/>
+              <a:t>本時</a:t>
+            </a:r>
+            <a:endParaRPr lang="en-US" altLang="ja-JP"/>
+          </a:p>
+          <a:p>
+            <a:pPr marL="971550" lvl="1" indent="-514350">
+              <a:buFont typeface="+mj-lt"/>
+              <a:buAutoNum type="arabicPeriod"/>
+            </a:pPr>
+            <a:r>
+              <a:rPr kumimoji="1" lang="ja-JP" altLang="en-US"/>
+              <a:t>弧と円周角の関係</a:t>
+            </a:r>
+            <a:endParaRPr kumimoji="1" lang="en-US" altLang="ja-JP"/>
+          </a:p>
+          <a:p>
+            <a:pPr marL="971550" lvl="1" indent="-514350">
+              <a:buFont typeface="+mj-lt"/>
+              <a:buAutoNum type="arabicPeriod"/>
+            </a:pPr>
+            <a:r>
+              <a:rPr lang="ja-JP" altLang="en-US"/>
+              <a:t>円周角の定理の逆①</a:t>
+            </a:r>
+            <a:endParaRPr lang="en-US" altLang="ja-JP"/>
+          </a:p>
+          <a:p>
+            <a:pPr marL="971550" lvl="1" indent="-514350">
+              <a:buFont typeface="+mj-lt"/>
+              <a:buAutoNum type="arabicPeriod"/>
+            </a:pPr>
+            <a:r>
+              <a:rPr lang="ja-JP" altLang="en-US"/>
+              <a:t>円周角の定理の逆②</a:t>
+            </a:r>
+            <a:endParaRPr lang="en-US" altLang="ja-JP"/>
+          </a:p>
+          <a:p>
+            <a:pPr marL="514350" indent="-514350">
+              <a:lnSpc>
+                <a:spcPct val="150000"/>
+              </a:lnSpc>
+              <a:buFont typeface="+mj-lt"/>
+              <a:buAutoNum type="arabicPeriod"/>
+            </a:pPr>
+            <a:r>
+              <a:rPr lang="ja-JP" altLang="en-US"/>
+              <a:t>円の性質の利用</a:t>
+            </a:r>
+            <a:r>
+              <a:rPr lang="en-US" altLang="ja-JP"/>
+              <a:t>	</a:t>
+            </a:r>
+            <a:r>
+              <a:rPr lang="ja-JP" altLang="en-US"/>
+              <a:t>２時間</a:t>
+            </a:r>
+            <a:endParaRPr lang="en-US" altLang="ja-JP"/>
+          </a:p>
+          <a:p>
+            <a:pPr marL="971550" lvl="1" indent="-514350">
+              <a:buFont typeface="+mj-lt"/>
+              <a:buAutoNum type="arabicPeriod"/>
+            </a:pPr>
+            <a:r>
+              <a:rPr kumimoji="1" lang="ja-JP" altLang="en-US"/>
+              <a:t>船舶の目印からの位置特定</a:t>
+            </a:r>
+            <a:endParaRPr kumimoji="1" lang="en-US" altLang="ja-JP"/>
+          </a:p>
+          <a:p>
+            <a:pPr marL="971550" lvl="1" indent="-514350">
+              <a:buFont typeface="+mj-lt"/>
+              <a:buAutoNum type="arabicPeriod"/>
+            </a:pPr>
+            <a:r>
+              <a:rPr lang="ja-JP" altLang="en-US"/>
+              <a:t>接線の作図と円周角の定理を用いた証明</a:t>
+            </a:r>
+            <a:endParaRPr kumimoji="1" lang="en-US" altLang="ja-JP"/>
+          </a:p>
+          <a:p>
+            <a:pPr marL="514350" indent="-514350">
+              <a:lnSpc>
+                <a:spcPct val="150000"/>
+              </a:lnSpc>
+              <a:buFont typeface="+mj-lt"/>
+              <a:buAutoNum type="arabicPeriod"/>
+            </a:pPr>
+            <a:r>
+              <a:rPr lang="ja-JP" altLang="en-US"/>
+              <a:t>章末問題</a:t>
+            </a:r>
+            <a:r>
+              <a:rPr lang="en-US" altLang="ja-JP"/>
+              <a:t>		</a:t>
+            </a:r>
+            <a:r>
+              <a:rPr lang="ja-JP" altLang="en-US"/>
+              <a:t>１時間</a:t>
+            </a:r>
+            <a:endParaRPr kumimoji="1" lang="en-US" altLang="ja-JP"/>
+          </a:p>
+        </p:txBody>
+      </p:sp>
+      <p:sp>
+        <p:nvSpPr>
+          <p:cNvPr id="4" name="スライド番号プレースホルダー 3">
+            <a:extLst>
+              <a:ext uri="{FF2B5EF4-FFF2-40B4-BE49-F238E27FC236}">
+                <a16:creationId xmlns:a16="http://schemas.microsoft.com/office/drawing/2014/main" id="{49DEDBDE-97C9-ADE2-44D4-B5AD619AFBCA}"/>
               </a:ext>
             </a:extLst>
           </p:cNvPr>
@@ -9603,46 +12274,10 @@
           </a:p>
         </p:txBody>
       </p:sp>
-      <p:pic>
-        <p:nvPicPr>
-          <p:cNvPr id="4" name="図 3">
-            <a:extLst>
-              <a:ext uri="{FF2B5EF4-FFF2-40B4-BE49-F238E27FC236}">
-                <a16:creationId xmlns:a16="http://schemas.microsoft.com/office/drawing/2014/main" id="{B6F9DE9E-7476-429C-A980-A9626FC4B744}"/>
-              </a:ext>
-            </a:extLst>
-          </p:cNvPr>
-          <p:cNvPicPr>
-            <a:picLocks noChangeAspect="1"/>
-          </p:cNvPicPr>
-          <p:nvPr/>
-        </p:nvPicPr>
-        <p:blipFill>
-          <a:blip r:embed="rId2">
-            <a:extLst>
-              <a:ext uri="{28A0092B-C50C-407E-A947-70E740481C1C}">
-                <a14:useLocalDpi xmlns:a14="http://schemas.microsoft.com/office/drawing/2010/main" val="0"/>
-              </a:ext>
-            </a:extLst>
-          </a:blip>
-          <a:stretch>
-            <a:fillRect/>
-          </a:stretch>
-        </p:blipFill>
-        <p:spPr>
-          <a:xfrm>
-            <a:off x="1257421" y="0"/>
-            <a:ext cx="9677157" cy="6858000"/>
-          </a:xfrm>
-          <a:prstGeom prst="rect">
-            <a:avLst/>
-          </a:prstGeom>
-        </p:spPr>
-      </p:pic>
     </p:spTree>
     <p:extLst>
       <p:ext uri="{BB962C8B-B14F-4D97-AF65-F5344CB8AC3E}">
-        <p14:creationId xmlns:p14="http://schemas.microsoft.com/office/powerpoint/2010/main" val="9222492"/>
+        <p14:creationId xmlns:p14="http://schemas.microsoft.com/office/powerpoint/2010/main" val="2675789378"/>
       </p:ext>
     </p:extLst>
   </p:cSld>
@@ -9671,10 +12306,63 @@
       </p:grpSpPr>
       <p:sp>
         <p:nvSpPr>
-          <p:cNvPr id="2" name="スライド番号プレースホルダー 1">
-            <a:extLst>
-              <a:ext uri="{FF2B5EF4-FFF2-40B4-BE49-F238E27FC236}">
-                <a16:creationId xmlns:a16="http://schemas.microsoft.com/office/drawing/2014/main" id="{BFA0D1EB-0AC5-4EB0-B527-2B77C8899E5F}"/>
+          <p:cNvPr id="2" name="タイトル 1">
+            <a:extLst>
+              <a:ext uri="{FF2B5EF4-FFF2-40B4-BE49-F238E27FC236}">
+                <a16:creationId xmlns:a16="http://schemas.microsoft.com/office/drawing/2014/main" id="{EE55307A-B032-98CF-0F39-A2B688A6BC46}"/>
+              </a:ext>
+            </a:extLst>
+          </p:cNvPr>
+          <p:cNvSpPr>
+            <a:spLocks noGrp="1"/>
+          </p:cNvSpPr>
+          <p:nvPr>
+            <p:ph type="title"/>
+          </p:nvPr>
+        </p:nvSpPr>
+        <p:spPr/>
+        <p:txBody>
+          <a:bodyPr/>
+          <a:lstStyle/>
+          <a:p>
+            <a:r>
+              <a:rPr kumimoji="1" lang="ja-JP" altLang="en-US"/>
+              <a:t>本時の内容について</a:t>
+            </a:r>
+          </a:p>
+        </p:txBody>
+      </p:sp>
+      <p:sp>
+        <p:nvSpPr>
+          <p:cNvPr id="3" name="テキスト プレースホルダー 2">
+            <a:extLst>
+              <a:ext uri="{FF2B5EF4-FFF2-40B4-BE49-F238E27FC236}">
+                <a16:creationId xmlns:a16="http://schemas.microsoft.com/office/drawing/2014/main" id="{7B7CE048-C3DD-7650-23BD-B63A9DD048E6}"/>
+              </a:ext>
+            </a:extLst>
+          </p:cNvPr>
+          <p:cNvSpPr>
+            <a:spLocks noGrp="1"/>
+          </p:cNvSpPr>
+          <p:nvPr>
+            <p:ph type="body" idx="1"/>
+          </p:nvPr>
+        </p:nvSpPr>
+        <p:spPr/>
+        <p:txBody>
+          <a:bodyPr/>
+          <a:lstStyle/>
+          <a:p>
+            <a:endParaRPr kumimoji="1" lang="ja-JP" altLang="en-US"/>
+          </a:p>
+        </p:txBody>
+      </p:sp>
+      <p:sp>
+        <p:nvSpPr>
+          <p:cNvPr id="4" name="スライド番号プレースホルダー 3">
+            <a:extLst>
+              <a:ext uri="{FF2B5EF4-FFF2-40B4-BE49-F238E27FC236}">
+                <a16:creationId xmlns:a16="http://schemas.microsoft.com/office/drawing/2014/main" id="{9DFC7A9B-32C1-3992-C3C4-22EF74BDE9ED}"/>
               </a:ext>
             </a:extLst>
           </p:cNvPr>
@@ -9698,46 +12386,10 @@
           </a:p>
         </p:txBody>
       </p:sp>
-      <p:pic>
-        <p:nvPicPr>
-          <p:cNvPr id="4" name="図 3">
-            <a:extLst>
-              <a:ext uri="{FF2B5EF4-FFF2-40B4-BE49-F238E27FC236}">
-                <a16:creationId xmlns:a16="http://schemas.microsoft.com/office/drawing/2014/main" id="{700A8966-C2F3-466F-A0F1-C809D32B2F20}"/>
-              </a:ext>
-            </a:extLst>
-          </p:cNvPr>
-          <p:cNvPicPr>
-            <a:picLocks noChangeAspect="1"/>
-          </p:cNvPicPr>
-          <p:nvPr/>
-        </p:nvPicPr>
-        <p:blipFill>
-          <a:blip r:embed="rId2">
-            <a:extLst>
-              <a:ext uri="{28A0092B-C50C-407E-A947-70E740481C1C}">
-                <a14:useLocalDpi xmlns:a14="http://schemas.microsoft.com/office/drawing/2010/main" val="0"/>
-              </a:ext>
-            </a:extLst>
-          </a:blip>
-          <a:stretch>
-            <a:fillRect/>
-          </a:stretch>
-        </p:blipFill>
-        <p:spPr>
-          <a:xfrm>
-            <a:off x="1264725" y="0"/>
-            <a:ext cx="9662550" cy="6858000"/>
-          </a:xfrm>
-          <a:prstGeom prst="rect">
-            <a:avLst/>
-          </a:prstGeom>
-        </p:spPr>
-      </p:pic>
     </p:spTree>
     <p:extLst>
       <p:ext uri="{BB962C8B-B14F-4D97-AF65-F5344CB8AC3E}">
-        <p14:creationId xmlns:p14="http://schemas.microsoft.com/office/powerpoint/2010/main" val="897192422"/>
+        <p14:creationId xmlns:p14="http://schemas.microsoft.com/office/powerpoint/2010/main" val="2295206133"/>
       </p:ext>
     </p:extLst>
   </p:cSld>

--- a/円周角の定理_発表会用授業イメージ説明.pptx
+++ b/円周角の定理_発表会用授業イメージ説明.pptx
@@ -4276,18 +4276,18 @@
               </a:lnSpc>
             </a:pPr>
             <a:r>
-              <a:rPr lang="ja-JP" altLang="en-US" b="1"/>
+              <a:rPr lang="ja-JP" altLang="en-US" b="1" dirty="0"/>
               <a:t>スクリーン（</a:t>
             </a:r>
             <a:r>
-              <a:rPr lang="en-US" altLang="ja-JP" b="1"/>
+              <a:rPr lang="en-US" altLang="ja-JP" b="1" dirty="0"/>
               <a:t>or </a:t>
             </a:r>
             <a:r>
-              <a:rPr lang="ja-JP" altLang="en-US" b="1"/>
+              <a:rPr lang="ja-JP" altLang="en-US" b="1" dirty="0"/>
               <a:t>電子黒板）</a:t>
             </a:r>
-            <a:endParaRPr lang="en-US" altLang="ja-JP" b="1"/>
+            <a:endParaRPr lang="en-US" altLang="ja-JP" b="1" dirty="0"/>
           </a:p>
           <a:p>
             <a:pPr>
@@ -4296,21 +4296,21 @@
               </a:lnSpc>
             </a:pPr>
             <a:r>
-              <a:rPr kumimoji="1" lang="ja-JP" altLang="en-US" b="1"/>
+              <a:rPr kumimoji="1" lang="ja-JP" altLang="en-US" b="1" dirty="0"/>
               <a:t>生徒用タブレット</a:t>
             </a:r>
             <a:br>
-              <a:rPr lang="en-US" altLang="ja-JP" b="1"/>
+              <a:rPr lang="en-US" altLang="ja-JP" b="1" dirty="0"/>
             </a:br>
             <a:r>
-              <a:rPr lang="ja-JP" altLang="en-US" b="1"/>
+              <a:rPr lang="ja-JP" altLang="en-US" b="1" dirty="0"/>
               <a:t>（</a:t>
             </a:r>
             <a:r>
-              <a:rPr kumimoji="1" lang="ja-JP" altLang="en-US" b="1"/>
+              <a:rPr kumimoji="1" lang="ja-JP" altLang="en-US" b="1" dirty="0"/>
               <a:t>デジタル教科書）</a:t>
             </a:r>
-            <a:endParaRPr kumimoji="1" lang="en-US" altLang="ja-JP" b="1"/>
+            <a:endParaRPr kumimoji="1" lang="en-US" altLang="ja-JP" b="1" dirty="0"/>
           </a:p>
           <a:p>
             <a:pPr>
@@ -4318,10 +4318,22 @@
                 <a:spcPct val="150000"/>
               </a:lnSpc>
             </a:pPr>
-            <a:endParaRPr kumimoji="1" lang="ja-JP" altLang="en-US" b="1"/>
-          </a:p>
-          <a:p>
-            <a:endParaRPr kumimoji="1" lang="ja-JP" altLang="en-US"/>
+            <a:r>
+              <a:rPr kumimoji="1" lang="ja-JP" altLang="en-US" b="1" dirty="0"/>
+              <a:t>アニメーションスライド</a:t>
+            </a:r>
+            <a:endParaRPr kumimoji="1" lang="en-US" altLang="ja-JP" b="1" dirty="0"/>
+          </a:p>
+          <a:p>
+            <a:pPr>
+              <a:lnSpc>
+                <a:spcPct val="150000"/>
+              </a:lnSpc>
+            </a:pPr>
+            <a:endParaRPr kumimoji="1" lang="ja-JP" altLang="en-US" b="1" dirty="0"/>
+          </a:p>
+          <a:p>
+            <a:endParaRPr kumimoji="1" lang="ja-JP" altLang="en-US" dirty="0"/>
           </a:p>
         </p:txBody>
       </p:sp>
@@ -9092,8 +9104,8 @@
           </a:p>
         </p:txBody>
       </p:sp>
-      <mc:AlternateContent xmlns:mc="http://schemas.openxmlformats.org/markup-compatibility/2006">
-        <mc:Choice xmlns:a14="http://schemas.microsoft.com/office/drawing/2010/main" Requires="a14">
+      <mc:AlternateContent xmlns:mc="http://schemas.openxmlformats.org/markup-compatibility/2006" xmlns:a14="http://schemas.microsoft.com/office/drawing/2010/main">
+        <mc:Choice Requires="a14">
           <p:sp>
             <p:nvSpPr>
               <p:cNvPr id="21" name="テキスト ボックス 1">
@@ -9418,7 +9430,7 @@
             </p:txBody>
           </p:sp>
         </mc:Choice>
-        <mc:Fallback>
+        <mc:Fallback xmlns="">
           <p:sp>
             <p:nvSpPr>
               <p:cNvPr id="21" name="テキスト ボックス 1">

--- a/円周角の定理_発表会用授業イメージ説明.pptx
+++ b/円周角の定理_発表会用授業イメージ説明.pptx
@@ -5,7 +5,7 @@
     <p:sldMasterId id="2147483648" r:id="rId1"/>
   </p:sldMasterIdLst>
   <p:notesMasterIdLst>
-    <p:notesMasterId r:id="rId27"/>
+    <p:notesMasterId r:id="rId28"/>
   </p:notesMasterIdLst>
   <p:sldIdLst>
     <p:sldId id="256" r:id="rId2"/>
@@ -20,19 +20,20 @@
     <p:sldId id="290" r:id="rId11"/>
     <p:sldId id="286" r:id="rId12"/>
     <p:sldId id="261" r:id="rId13"/>
-    <p:sldId id="291" r:id="rId14"/>
-    <p:sldId id="292" r:id="rId15"/>
-    <p:sldId id="293" r:id="rId16"/>
-    <p:sldId id="294" r:id="rId17"/>
-    <p:sldId id="262" r:id="rId18"/>
-    <p:sldId id="299" r:id="rId19"/>
-    <p:sldId id="271" r:id="rId20"/>
-    <p:sldId id="295" r:id="rId21"/>
-    <p:sldId id="296" r:id="rId22"/>
-    <p:sldId id="278" r:id="rId23"/>
-    <p:sldId id="298" r:id="rId24"/>
-    <p:sldId id="279" r:id="rId25"/>
-    <p:sldId id="276" r:id="rId26"/>
+    <p:sldId id="300" r:id="rId14"/>
+    <p:sldId id="291" r:id="rId15"/>
+    <p:sldId id="292" r:id="rId16"/>
+    <p:sldId id="293" r:id="rId17"/>
+    <p:sldId id="294" r:id="rId18"/>
+    <p:sldId id="262" r:id="rId19"/>
+    <p:sldId id="299" r:id="rId20"/>
+    <p:sldId id="271" r:id="rId21"/>
+    <p:sldId id="295" r:id="rId22"/>
+    <p:sldId id="296" r:id="rId23"/>
+    <p:sldId id="278" r:id="rId24"/>
+    <p:sldId id="298" r:id="rId25"/>
+    <p:sldId id="279" r:id="rId26"/>
+    <p:sldId id="276" r:id="rId27"/>
   </p:sldIdLst>
   <p:sldSz cx="12192000" cy="6858000"/>
   <p:notesSz cx="6858000" cy="9144000"/>
@@ -4642,31 +4643,23 @@
               <a:buAutoNum type="arabicPeriod"/>
             </a:pPr>
             <a:r>
-              <a:rPr kumimoji="1" lang="ja-JP" altLang="en-US" b="1"/>
-              <a:t>円周角と中心</a:t>
-            </a:r>
-            <a:r>
               <a:rPr kumimoji="1" lang="ja-JP" altLang="en-US" b="1" dirty="0"/>
-              <a:t>角</a:t>
+              <a:t>円周角と中心角</a:t>
             </a:r>
             <a:r>
               <a:rPr kumimoji="1" lang="ja-JP" altLang="en-US" dirty="0"/>
-              <a:t>の</a:t>
-            </a:r>
-            <a:r>
-              <a:rPr kumimoji="1" lang="ja-JP" altLang="en-US"/>
-              <a:t>大きさを測り、</a:t>
-            </a:r>
-            <a:r>
-              <a:rPr lang="ja-JP" altLang="en-US"/>
+              <a:t>の大きさを測り、</a:t>
+            </a:r>
+            <a:r>
+              <a:rPr lang="ja-JP" altLang="en-US" dirty="0"/>
               <a:t>その</a:t>
             </a:r>
             <a:r>
-              <a:rPr lang="ja-JP" altLang="en-US" b="1"/>
+              <a:rPr lang="ja-JP" altLang="en-US" b="1" dirty="0"/>
               <a:t>関係を予想</a:t>
             </a:r>
             <a:r>
-              <a:rPr lang="ja-JP" altLang="en-US"/>
+              <a:rPr lang="ja-JP" altLang="en-US" dirty="0"/>
               <a:t>する</a:t>
             </a:r>
             <a:endParaRPr kumimoji="1" lang="en-US" altLang="ja-JP" dirty="0"/>
@@ -4702,16 +4695,8 @@
               <a:buAutoNum type="arabicPeriod"/>
             </a:pPr>
             <a:r>
-              <a:rPr lang="ja-JP" altLang="en-US" b="1"/>
-              <a:t>円周</a:t>
-            </a:r>
-            <a:r>
               <a:rPr lang="ja-JP" altLang="en-US" b="1" dirty="0"/>
-              <a:t>角</a:t>
-            </a:r>
-            <a:r>
-              <a:rPr lang="ja-JP" altLang="en-US" b="1"/>
-              <a:t>の定理</a:t>
+              <a:t>円周角の定理</a:t>
             </a:r>
             <a:endParaRPr kumimoji="1" lang="ja-JP" altLang="en-US" dirty="0"/>
           </a:p>
@@ -4781,7 +4766,7 @@
           <p:cNvPr id="2" name="タイトル 1">
             <a:extLst>
               <a:ext uri="{FF2B5EF4-FFF2-40B4-BE49-F238E27FC236}">
-                <a16:creationId xmlns:a16="http://schemas.microsoft.com/office/drawing/2014/main" id="{A87C9F7D-5F1C-5DF4-0CDB-F3B08434F40D}"/>
+                <a16:creationId xmlns:a16="http://schemas.microsoft.com/office/drawing/2014/main" id="{66A23555-94E2-4635-93D7-4A9D09F295BC}"/>
               </a:ext>
             </a:extLst>
           </p:cNvPr>
@@ -4798,16 +4783,8 @@
           <a:lstStyle/>
           <a:p>
             <a:r>
-              <a:rPr kumimoji="1" lang="ja-JP" altLang="en-US"/>
-              <a:t>導入（</a:t>
-            </a:r>
-            <a:r>
-              <a:rPr kumimoji="1" lang="en-US" altLang="ja-JP"/>
-              <a:t>10</a:t>
-            </a:r>
-            <a:r>
-              <a:rPr kumimoji="1" lang="ja-JP" altLang="en-US"/>
-              <a:t>分）</a:t>
+              <a:rPr kumimoji="1" lang="ja-JP" altLang="en-US" dirty="0"/>
+              <a:t>本時の目標</a:t>
             </a:r>
           </a:p>
         </p:txBody>
@@ -4817,7 +4794,7 @@
           <p:cNvPr id="3" name="コンテンツ プレースホルダー 2">
             <a:extLst>
               <a:ext uri="{FF2B5EF4-FFF2-40B4-BE49-F238E27FC236}">
-                <a16:creationId xmlns:a16="http://schemas.microsoft.com/office/drawing/2014/main" id="{BB005AF6-FCDD-68A5-9C8F-84B913EB4E2C}"/>
+                <a16:creationId xmlns:a16="http://schemas.microsoft.com/office/drawing/2014/main" id="{D616F654-35AA-4B8C-8E4A-9DB11385CDDF}"/>
               </a:ext>
             </a:extLst>
           </p:cNvPr>
@@ -4839,6 +4816,153 @@
               </a:lnSpc>
             </a:pPr>
             <a:r>
+              <a:rPr kumimoji="1" lang="ja-JP" altLang="en-US" b="1" dirty="0"/>
+              <a:t>円周角と中心角の関係</a:t>
+            </a:r>
+            <a:r>
+              <a:rPr kumimoji="1" lang="ja-JP" altLang="en-US" dirty="0"/>
+              <a:t>について考え、</a:t>
+            </a:r>
+            <a:br>
+              <a:rPr kumimoji="1" lang="en-US" altLang="ja-JP" dirty="0"/>
+            </a:br>
+            <a:r>
+              <a:rPr kumimoji="1" lang="ja-JP" altLang="en-US" dirty="0"/>
+              <a:t>気づいた関係を</a:t>
+            </a:r>
+            <a:r>
+              <a:rPr kumimoji="1" lang="ja-JP" altLang="en-US" b="1" dirty="0"/>
+              <a:t>数学的に証明</a:t>
+            </a:r>
+            <a:r>
+              <a:rPr kumimoji="1" lang="ja-JP" altLang="en-US" dirty="0"/>
+              <a:t>する。</a:t>
+            </a:r>
+          </a:p>
+        </p:txBody>
+      </p:sp>
+      <p:sp>
+        <p:nvSpPr>
+          <p:cNvPr id="4" name="スライド番号プレースホルダー 3">
+            <a:extLst>
+              <a:ext uri="{FF2B5EF4-FFF2-40B4-BE49-F238E27FC236}">
+                <a16:creationId xmlns:a16="http://schemas.microsoft.com/office/drawing/2014/main" id="{4390A642-8AD5-4BEB-8D20-C348122B22D4}"/>
+              </a:ext>
+            </a:extLst>
+          </p:cNvPr>
+          <p:cNvSpPr>
+            <a:spLocks noGrp="1"/>
+          </p:cNvSpPr>
+          <p:nvPr>
+            <p:ph type="sldNum" sz="quarter" idx="12"/>
+          </p:nvPr>
+        </p:nvSpPr>
+        <p:spPr/>
+        <p:txBody>
+          <a:bodyPr/>
+          <a:lstStyle/>
+          <a:p>
+            <a:fld id="{91F53415-5CFC-4B36-B902-1D0CCCCD1D51}" type="slidenum">
+              <a:rPr kumimoji="1" lang="ja-JP" altLang="en-US" smtClean="0"/>
+              <a:t>13</a:t>
+            </a:fld>
+            <a:endParaRPr kumimoji="1" lang="ja-JP" altLang="en-US"/>
+          </a:p>
+        </p:txBody>
+      </p:sp>
+    </p:spTree>
+    <p:extLst>
+      <p:ext uri="{BB962C8B-B14F-4D97-AF65-F5344CB8AC3E}">
+        <p14:creationId xmlns:p14="http://schemas.microsoft.com/office/powerpoint/2010/main" val="4078961452"/>
+      </p:ext>
+    </p:extLst>
+  </p:cSld>
+  <p:clrMapOvr>
+    <a:masterClrMapping/>
+  </p:clrMapOvr>
+</p:sld>
+</file>
+
+<file path=ppt/slides/slide14.xml><?xml version="1.0" encoding="utf-8"?>
+<p:sld xmlns:a="http://schemas.openxmlformats.org/drawingml/2006/main" xmlns:r="http://schemas.openxmlformats.org/officeDocument/2006/relationships" xmlns:p="http://schemas.openxmlformats.org/presentationml/2006/main">
+  <p:cSld>
+    <p:spTree>
+      <p:nvGrpSpPr>
+        <p:cNvPr id="1" name=""/>
+        <p:cNvGrpSpPr/>
+        <p:nvPr/>
+      </p:nvGrpSpPr>
+      <p:grpSpPr>
+        <a:xfrm>
+          <a:off x="0" y="0"/>
+          <a:ext cx="0" cy="0"/>
+          <a:chOff x="0" y="0"/>
+          <a:chExt cx="0" cy="0"/>
+        </a:xfrm>
+      </p:grpSpPr>
+      <p:sp>
+        <p:nvSpPr>
+          <p:cNvPr id="2" name="タイトル 1">
+            <a:extLst>
+              <a:ext uri="{FF2B5EF4-FFF2-40B4-BE49-F238E27FC236}">
+                <a16:creationId xmlns:a16="http://schemas.microsoft.com/office/drawing/2014/main" id="{A87C9F7D-5F1C-5DF4-0CDB-F3B08434F40D}"/>
+              </a:ext>
+            </a:extLst>
+          </p:cNvPr>
+          <p:cNvSpPr>
+            <a:spLocks noGrp="1"/>
+          </p:cNvSpPr>
+          <p:nvPr>
+            <p:ph type="title"/>
+          </p:nvPr>
+        </p:nvSpPr>
+        <p:spPr/>
+        <p:txBody>
+          <a:bodyPr/>
+          <a:lstStyle/>
+          <a:p>
+            <a:r>
+              <a:rPr kumimoji="1" lang="ja-JP" altLang="en-US"/>
+              <a:t>導入（</a:t>
+            </a:r>
+            <a:r>
+              <a:rPr kumimoji="1" lang="en-US" altLang="ja-JP"/>
+              <a:t>10</a:t>
+            </a:r>
+            <a:r>
+              <a:rPr kumimoji="1" lang="ja-JP" altLang="en-US"/>
+              <a:t>分）</a:t>
+            </a:r>
+          </a:p>
+        </p:txBody>
+      </p:sp>
+      <p:sp>
+        <p:nvSpPr>
+          <p:cNvPr id="3" name="コンテンツ プレースホルダー 2">
+            <a:extLst>
+              <a:ext uri="{FF2B5EF4-FFF2-40B4-BE49-F238E27FC236}">
+                <a16:creationId xmlns:a16="http://schemas.microsoft.com/office/drawing/2014/main" id="{BB005AF6-FCDD-68A5-9C8F-84B913EB4E2C}"/>
+              </a:ext>
+            </a:extLst>
+          </p:cNvPr>
+          <p:cNvSpPr>
+            <a:spLocks noGrp="1"/>
+          </p:cNvSpPr>
+          <p:nvPr>
+            <p:ph idx="1"/>
+          </p:nvPr>
+        </p:nvSpPr>
+        <p:spPr/>
+        <p:txBody>
+          <a:bodyPr/>
+          <a:lstStyle/>
+          <a:p>
+            <a:pPr>
+              <a:lnSpc>
+                <a:spcPct val="150000"/>
+              </a:lnSpc>
+            </a:pPr>
+            <a:r>
               <a:rPr kumimoji="1" lang="ja-JP" altLang="en-US"/>
               <a:t>点</a:t>
             </a:r>
@@ -4904,7 +5028,7 @@
           <a:p>
             <a:fld id="{91F53415-5CFC-4B36-B902-1D0CCCCD1D51}" type="slidenum">
               <a:rPr kumimoji="1" lang="ja-JP" altLang="en-US" smtClean="0"/>
-              <a:t>13</a:t>
+              <a:t>14</a:t>
             </a:fld>
             <a:endParaRPr kumimoji="1" lang="ja-JP" altLang="en-US"/>
           </a:p>
@@ -4958,7 +5082,7 @@
 </p:sld>
 </file>
 
-<file path=ppt/slides/slide14.xml><?xml version="1.0" encoding="utf-8"?>
+<file path=ppt/slides/slide15.xml><?xml version="1.0" encoding="utf-8"?>
 <p:sld xmlns:a="http://schemas.openxmlformats.org/drawingml/2006/main" xmlns:r="http://schemas.openxmlformats.org/officeDocument/2006/relationships" xmlns:p="http://schemas.openxmlformats.org/presentationml/2006/main">
   <p:cSld>
     <p:spTree>
@@ -5081,7 +5205,7 @@
           <a:p>
             <a:fld id="{91F53415-5CFC-4B36-B902-1D0CCCCD1D51}" type="slidenum">
               <a:rPr kumimoji="1" lang="ja-JP" altLang="en-US" smtClean="0"/>
-              <a:t>14</a:t>
+              <a:t>15</a:t>
             </a:fld>
             <a:endParaRPr kumimoji="1" lang="ja-JP" altLang="en-US"/>
           </a:p>
@@ -5245,7 +5369,7 @@
 </p:sld>
 </file>
 
-<file path=ppt/slides/slide15.xml><?xml version="1.0" encoding="utf-8"?>
+<file path=ppt/slides/slide16.xml><?xml version="1.0" encoding="utf-8"?>
 <p:sld xmlns:a="http://schemas.openxmlformats.org/drawingml/2006/main" xmlns:r="http://schemas.openxmlformats.org/officeDocument/2006/relationships" xmlns:p="http://schemas.openxmlformats.org/presentationml/2006/main">
   <p:cSld>
     <p:spTree>
@@ -5393,7 +5517,7 @@
           <a:p>
             <a:fld id="{91F53415-5CFC-4B36-B902-1D0CCCCD1D51}" type="slidenum">
               <a:rPr kumimoji="1" lang="ja-JP" altLang="en-US" smtClean="0"/>
-              <a:t>15</a:t>
+              <a:t>16</a:t>
             </a:fld>
             <a:endParaRPr kumimoji="1" lang="ja-JP" altLang="en-US"/>
           </a:p>
@@ -5482,7 +5606,7 @@
 </p:sld>
 </file>
 
-<file path=ppt/slides/slide16.xml><?xml version="1.0" encoding="utf-8"?>
+<file path=ppt/slides/slide17.xml><?xml version="1.0" encoding="utf-8"?>
 <p:sld xmlns:a="http://schemas.openxmlformats.org/drawingml/2006/main" xmlns:r="http://schemas.openxmlformats.org/officeDocument/2006/relationships" xmlns:p="http://schemas.openxmlformats.org/presentationml/2006/main">
   <p:cSld>
     <p:spTree>
@@ -5648,7 +5772,7 @@
           <a:p>
             <a:fld id="{91F53415-5CFC-4B36-B902-1D0CCCCD1D51}" type="slidenum">
               <a:rPr kumimoji="1" lang="ja-JP" altLang="en-US" smtClean="0"/>
-              <a:t>16</a:t>
+              <a:t>17</a:t>
             </a:fld>
             <a:endParaRPr kumimoji="1" lang="ja-JP" altLang="en-US"/>
           </a:p>
@@ -5737,7 +5861,7 @@
 </p:sld>
 </file>
 
-<file path=ppt/slides/slide17.xml><?xml version="1.0" encoding="utf-8"?>
+<file path=ppt/slides/slide18.xml><?xml version="1.0" encoding="utf-8"?>
 <p:sld xmlns:a="http://schemas.openxmlformats.org/drawingml/2006/main" xmlns:r="http://schemas.openxmlformats.org/officeDocument/2006/relationships" xmlns:p="http://schemas.openxmlformats.org/presentationml/2006/main">
   <p:cSld>
     <p:spTree>
@@ -5777,7 +5901,7 @@
           <a:p>
             <a:fld id="{91F53415-5CFC-4B36-B902-1D0CCCCD1D51}" type="slidenum">
               <a:rPr kumimoji="1" lang="ja-JP" altLang="en-US" smtClean="0"/>
-              <a:t>17</a:t>
+              <a:t>18</a:t>
             </a:fld>
             <a:endParaRPr kumimoji="1" lang="ja-JP" altLang="en-US"/>
           </a:p>
@@ -7858,7 +7982,7 @@
 </p:sld>
 </file>
 
-<file path=ppt/slides/slide18.xml><?xml version="1.0" encoding="utf-8"?>
+<file path=ppt/slides/slide19.xml><?xml version="1.0" encoding="utf-8"?>
 <p:sld xmlns:a="http://schemas.openxmlformats.org/drawingml/2006/main" xmlns:r="http://schemas.openxmlformats.org/officeDocument/2006/relationships" xmlns:p="http://schemas.openxmlformats.org/presentationml/2006/main">
   <p:cSld>
     <p:spTree>
@@ -7898,7 +8022,7 @@
           <a:p>
             <a:fld id="{91F53415-5CFC-4B36-B902-1D0CCCCD1D51}" type="slidenum">
               <a:rPr kumimoji="1" lang="ja-JP" altLang="en-US" smtClean="0"/>
-              <a:t>18</a:t>
+              <a:t>19</a:t>
             </a:fld>
             <a:endParaRPr kumimoji="1" lang="ja-JP" altLang="en-US"/>
           </a:p>
@@ -7987,7 +8111,119 @@
 </p:sld>
 </file>
 
-<file path=ppt/slides/slide19.xml><?xml version="1.0" encoding="utf-8"?>
+<file path=ppt/slides/slide2.xml><?xml version="1.0" encoding="utf-8"?>
+<p:sld xmlns:a="http://schemas.openxmlformats.org/drawingml/2006/main" xmlns:r="http://schemas.openxmlformats.org/officeDocument/2006/relationships" xmlns:p="http://schemas.openxmlformats.org/presentationml/2006/main">
+  <p:cSld>
+    <p:spTree>
+      <p:nvGrpSpPr>
+        <p:cNvPr id="1" name=""/>
+        <p:cNvGrpSpPr/>
+        <p:nvPr/>
+      </p:nvGrpSpPr>
+      <p:grpSpPr>
+        <a:xfrm>
+          <a:off x="0" y="0"/>
+          <a:ext cx="0" cy="0"/>
+          <a:chOff x="0" y="0"/>
+          <a:chExt cx="0" cy="0"/>
+        </a:xfrm>
+      </p:grpSpPr>
+      <p:sp>
+        <p:nvSpPr>
+          <p:cNvPr id="2" name="タイトル 1">
+            <a:extLst>
+              <a:ext uri="{FF2B5EF4-FFF2-40B4-BE49-F238E27FC236}">
+                <a16:creationId xmlns:a16="http://schemas.microsoft.com/office/drawing/2014/main" id="{C2C3F0DA-7933-9F00-17A5-E81F22EDC54D}"/>
+              </a:ext>
+            </a:extLst>
+          </p:cNvPr>
+          <p:cNvSpPr>
+            <a:spLocks noGrp="1"/>
+          </p:cNvSpPr>
+          <p:nvPr>
+            <p:ph type="title"/>
+          </p:nvPr>
+        </p:nvSpPr>
+        <p:spPr/>
+        <p:txBody>
+          <a:bodyPr/>
+          <a:lstStyle/>
+          <a:p>
+            <a:r>
+              <a:rPr kumimoji="1" lang="ja-JP" altLang="en-US"/>
+              <a:t>単元について</a:t>
+            </a:r>
+          </a:p>
+        </p:txBody>
+      </p:sp>
+      <p:sp>
+        <p:nvSpPr>
+          <p:cNvPr id="3" name="テキスト プレースホルダー 2">
+            <a:extLst>
+              <a:ext uri="{FF2B5EF4-FFF2-40B4-BE49-F238E27FC236}">
+                <a16:creationId xmlns:a16="http://schemas.microsoft.com/office/drawing/2014/main" id="{8C48B963-7450-6AC4-E663-EE19262C4BE2}"/>
+              </a:ext>
+            </a:extLst>
+          </p:cNvPr>
+          <p:cNvSpPr>
+            <a:spLocks noGrp="1"/>
+          </p:cNvSpPr>
+          <p:nvPr>
+            <p:ph type="body" idx="1"/>
+          </p:nvPr>
+        </p:nvSpPr>
+        <p:spPr/>
+        <p:txBody>
+          <a:bodyPr/>
+          <a:lstStyle/>
+          <a:p>
+            <a:endParaRPr kumimoji="1" lang="ja-JP" altLang="en-US"/>
+          </a:p>
+        </p:txBody>
+      </p:sp>
+      <p:sp>
+        <p:nvSpPr>
+          <p:cNvPr id="4" name="スライド番号プレースホルダー 3">
+            <a:extLst>
+              <a:ext uri="{FF2B5EF4-FFF2-40B4-BE49-F238E27FC236}">
+                <a16:creationId xmlns:a16="http://schemas.microsoft.com/office/drawing/2014/main" id="{1DC51109-5466-981F-1AA5-A670D689D226}"/>
+              </a:ext>
+            </a:extLst>
+          </p:cNvPr>
+          <p:cNvSpPr>
+            <a:spLocks noGrp="1"/>
+          </p:cNvSpPr>
+          <p:nvPr>
+            <p:ph type="sldNum" sz="quarter" idx="12"/>
+          </p:nvPr>
+        </p:nvSpPr>
+        <p:spPr/>
+        <p:txBody>
+          <a:bodyPr/>
+          <a:lstStyle/>
+          <a:p>
+            <a:fld id="{91F53415-5CFC-4B36-B902-1D0CCCCD1D51}" type="slidenum">
+              <a:rPr kumimoji="1" lang="ja-JP" altLang="en-US" smtClean="0"/>
+              <a:t>2</a:t>
+            </a:fld>
+            <a:endParaRPr kumimoji="1" lang="ja-JP" altLang="en-US"/>
+          </a:p>
+        </p:txBody>
+      </p:sp>
+    </p:spTree>
+    <p:extLst>
+      <p:ext uri="{BB962C8B-B14F-4D97-AF65-F5344CB8AC3E}">
+        <p14:creationId xmlns:p14="http://schemas.microsoft.com/office/powerpoint/2010/main" val="4158448329"/>
+      </p:ext>
+    </p:extLst>
+  </p:cSld>
+  <p:clrMapOvr>
+    <a:masterClrMapping/>
+  </p:clrMapOvr>
+</p:sld>
+</file>
+
+<file path=ppt/slides/slide20.xml><?xml version="1.0" encoding="utf-8"?>
 <p:sld xmlns:a="http://schemas.openxmlformats.org/drawingml/2006/main" xmlns:r="http://schemas.openxmlformats.org/officeDocument/2006/relationships" xmlns:p="http://schemas.openxmlformats.org/presentationml/2006/main">
   <p:cSld>
     <p:spTree>
@@ -8489,7 +8725,7 @@
           <a:p>
             <a:fld id="{91F53415-5CFC-4B36-B902-1D0CCCCD1D51}" type="slidenum">
               <a:rPr kumimoji="1" lang="ja-JP" altLang="en-US" smtClean="0"/>
-              <a:t>19</a:t>
+              <a:t>20</a:t>
             </a:fld>
             <a:endParaRPr kumimoji="1" lang="ja-JP" altLang="en-US"/>
           </a:p>
@@ -10309,119 +10545,7 @@
 </p:sld>
 </file>
 
-<file path=ppt/slides/slide2.xml><?xml version="1.0" encoding="utf-8"?>
-<p:sld xmlns:a="http://schemas.openxmlformats.org/drawingml/2006/main" xmlns:r="http://schemas.openxmlformats.org/officeDocument/2006/relationships" xmlns:p="http://schemas.openxmlformats.org/presentationml/2006/main">
-  <p:cSld>
-    <p:spTree>
-      <p:nvGrpSpPr>
-        <p:cNvPr id="1" name=""/>
-        <p:cNvGrpSpPr/>
-        <p:nvPr/>
-      </p:nvGrpSpPr>
-      <p:grpSpPr>
-        <a:xfrm>
-          <a:off x="0" y="0"/>
-          <a:ext cx="0" cy="0"/>
-          <a:chOff x="0" y="0"/>
-          <a:chExt cx="0" cy="0"/>
-        </a:xfrm>
-      </p:grpSpPr>
-      <p:sp>
-        <p:nvSpPr>
-          <p:cNvPr id="2" name="タイトル 1">
-            <a:extLst>
-              <a:ext uri="{FF2B5EF4-FFF2-40B4-BE49-F238E27FC236}">
-                <a16:creationId xmlns:a16="http://schemas.microsoft.com/office/drawing/2014/main" id="{C2C3F0DA-7933-9F00-17A5-E81F22EDC54D}"/>
-              </a:ext>
-            </a:extLst>
-          </p:cNvPr>
-          <p:cNvSpPr>
-            <a:spLocks noGrp="1"/>
-          </p:cNvSpPr>
-          <p:nvPr>
-            <p:ph type="title"/>
-          </p:nvPr>
-        </p:nvSpPr>
-        <p:spPr/>
-        <p:txBody>
-          <a:bodyPr/>
-          <a:lstStyle/>
-          <a:p>
-            <a:r>
-              <a:rPr kumimoji="1" lang="ja-JP" altLang="en-US"/>
-              <a:t>単元について</a:t>
-            </a:r>
-          </a:p>
-        </p:txBody>
-      </p:sp>
-      <p:sp>
-        <p:nvSpPr>
-          <p:cNvPr id="3" name="テキスト プレースホルダー 2">
-            <a:extLst>
-              <a:ext uri="{FF2B5EF4-FFF2-40B4-BE49-F238E27FC236}">
-                <a16:creationId xmlns:a16="http://schemas.microsoft.com/office/drawing/2014/main" id="{8C48B963-7450-6AC4-E663-EE19262C4BE2}"/>
-              </a:ext>
-            </a:extLst>
-          </p:cNvPr>
-          <p:cNvSpPr>
-            <a:spLocks noGrp="1"/>
-          </p:cNvSpPr>
-          <p:nvPr>
-            <p:ph type="body" idx="1"/>
-          </p:nvPr>
-        </p:nvSpPr>
-        <p:spPr/>
-        <p:txBody>
-          <a:bodyPr/>
-          <a:lstStyle/>
-          <a:p>
-            <a:endParaRPr kumimoji="1" lang="ja-JP" altLang="en-US"/>
-          </a:p>
-        </p:txBody>
-      </p:sp>
-      <p:sp>
-        <p:nvSpPr>
-          <p:cNvPr id="4" name="スライド番号プレースホルダー 3">
-            <a:extLst>
-              <a:ext uri="{FF2B5EF4-FFF2-40B4-BE49-F238E27FC236}">
-                <a16:creationId xmlns:a16="http://schemas.microsoft.com/office/drawing/2014/main" id="{1DC51109-5466-981F-1AA5-A670D689D226}"/>
-              </a:ext>
-            </a:extLst>
-          </p:cNvPr>
-          <p:cNvSpPr>
-            <a:spLocks noGrp="1"/>
-          </p:cNvSpPr>
-          <p:nvPr>
-            <p:ph type="sldNum" sz="quarter" idx="12"/>
-          </p:nvPr>
-        </p:nvSpPr>
-        <p:spPr/>
-        <p:txBody>
-          <a:bodyPr/>
-          <a:lstStyle/>
-          <a:p>
-            <a:fld id="{91F53415-5CFC-4B36-B902-1D0CCCCD1D51}" type="slidenum">
-              <a:rPr kumimoji="1" lang="ja-JP" altLang="en-US" smtClean="0"/>
-              <a:t>2</a:t>
-            </a:fld>
-            <a:endParaRPr kumimoji="1" lang="ja-JP" altLang="en-US"/>
-          </a:p>
-        </p:txBody>
-      </p:sp>
-    </p:spTree>
-    <p:extLst>
-      <p:ext uri="{BB962C8B-B14F-4D97-AF65-F5344CB8AC3E}">
-        <p14:creationId xmlns:p14="http://schemas.microsoft.com/office/powerpoint/2010/main" val="4158448329"/>
-      </p:ext>
-    </p:extLst>
-  </p:cSld>
-  <p:clrMapOvr>
-    <a:masterClrMapping/>
-  </p:clrMapOvr>
-</p:sld>
-</file>
-
-<file path=ppt/slides/slide20.xml><?xml version="1.0" encoding="utf-8"?>
+<file path=ppt/slides/slide21.xml><?xml version="1.0" encoding="utf-8"?>
 <p:sld xmlns:a="http://schemas.openxmlformats.org/drawingml/2006/main" xmlns:r="http://schemas.openxmlformats.org/officeDocument/2006/relationships" xmlns:p="http://schemas.openxmlformats.org/presentationml/2006/main">
   <p:cSld>
     <p:spTree>
@@ -10547,7 +10671,7 @@
           <a:p>
             <a:fld id="{91F53415-5CFC-4B36-B902-1D0CCCCD1D51}" type="slidenum">
               <a:rPr kumimoji="1" lang="ja-JP" altLang="en-US" smtClean="0"/>
-              <a:t>20</a:t>
+              <a:t>21</a:t>
             </a:fld>
             <a:endParaRPr kumimoji="1" lang="ja-JP" altLang="en-US"/>
           </a:p>
@@ -10601,118 +10725,6 @@
 </p:sld>
 </file>
 
-<file path=ppt/slides/slide21.xml><?xml version="1.0" encoding="utf-8"?>
-<p:sld xmlns:a="http://schemas.openxmlformats.org/drawingml/2006/main" xmlns:r="http://schemas.openxmlformats.org/officeDocument/2006/relationships" xmlns:p="http://schemas.openxmlformats.org/presentationml/2006/main">
-  <p:cSld>
-    <p:spTree>
-      <p:nvGrpSpPr>
-        <p:cNvPr id="1" name=""/>
-        <p:cNvGrpSpPr/>
-        <p:nvPr/>
-      </p:nvGrpSpPr>
-      <p:grpSpPr>
-        <a:xfrm>
-          <a:off x="0" y="0"/>
-          <a:ext cx="0" cy="0"/>
-          <a:chOff x="0" y="0"/>
-          <a:chExt cx="0" cy="0"/>
-        </a:xfrm>
-      </p:grpSpPr>
-      <p:sp>
-        <p:nvSpPr>
-          <p:cNvPr id="2" name="タイトル 1">
-            <a:extLst>
-              <a:ext uri="{FF2B5EF4-FFF2-40B4-BE49-F238E27FC236}">
-                <a16:creationId xmlns:a16="http://schemas.microsoft.com/office/drawing/2014/main" id="{07CACF70-761B-5B3D-01F5-0D3D6B606E55}"/>
-              </a:ext>
-            </a:extLst>
-          </p:cNvPr>
-          <p:cNvSpPr>
-            <a:spLocks noGrp="1"/>
-          </p:cNvSpPr>
-          <p:nvPr>
-            <p:ph type="title"/>
-          </p:nvPr>
-        </p:nvSpPr>
-        <p:spPr/>
-        <p:txBody>
-          <a:bodyPr/>
-          <a:lstStyle/>
-          <a:p>
-            <a:r>
-              <a:rPr kumimoji="1" lang="ja-JP" altLang="en-US"/>
-              <a:t>以上</a:t>
-            </a:r>
-          </a:p>
-        </p:txBody>
-      </p:sp>
-      <p:sp>
-        <p:nvSpPr>
-          <p:cNvPr id="3" name="テキスト プレースホルダー 2">
-            <a:extLst>
-              <a:ext uri="{FF2B5EF4-FFF2-40B4-BE49-F238E27FC236}">
-                <a16:creationId xmlns:a16="http://schemas.microsoft.com/office/drawing/2014/main" id="{06F2EBFB-E76D-7592-9658-D695E19F3F2B}"/>
-              </a:ext>
-            </a:extLst>
-          </p:cNvPr>
-          <p:cNvSpPr>
-            <a:spLocks noGrp="1"/>
-          </p:cNvSpPr>
-          <p:nvPr>
-            <p:ph type="body" idx="1"/>
-          </p:nvPr>
-        </p:nvSpPr>
-        <p:spPr/>
-        <p:txBody>
-          <a:bodyPr/>
-          <a:lstStyle/>
-          <a:p>
-            <a:endParaRPr kumimoji="1" lang="ja-JP" altLang="en-US"/>
-          </a:p>
-        </p:txBody>
-      </p:sp>
-      <p:sp>
-        <p:nvSpPr>
-          <p:cNvPr id="4" name="スライド番号プレースホルダー 3">
-            <a:extLst>
-              <a:ext uri="{FF2B5EF4-FFF2-40B4-BE49-F238E27FC236}">
-                <a16:creationId xmlns:a16="http://schemas.microsoft.com/office/drawing/2014/main" id="{1990F75C-900D-A8AB-FDEA-95823D932267}"/>
-              </a:ext>
-            </a:extLst>
-          </p:cNvPr>
-          <p:cNvSpPr>
-            <a:spLocks noGrp="1"/>
-          </p:cNvSpPr>
-          <p:nvPr>
-            <p:ph type="sldNum" sz="quarter" idx="12"/>
-          </p:nvPr>
-        </p:nvSpPr>
-        <p:spPr/>
-        <p:txBody>
-          <a:bodyPr/>
-          <a:lstStyle/>
-          <a:p>
-            <a:fld id="{91F53415-5CFC-4B36-B902-1D0CCCCD1D51}" type="slidenum">
-              <a:rPr kumimoji="1" lang="ja-JP" altLang="en-US" smtClean="0"/>
-              <a:t>21</a:t>
-            </a:fld>
-            <a:endParaRPr kumimoji="1" lang="ja-JP" altLang="en-US"/>
-          </a:p>
-        </p:txBody>
-      </p:sp>
-    </p:spTree>
-    <p:extLst>
-      <p:ext uri="{BB962C8B-B14F-4D97-AF65-F5344CB8AC3E}">
-        <p14:creationId xmlns:p14="http://schemas.microsoft.com/office/powerpoint/2010/main" val="2369298392"/>
-      </p:ext>
-    </p:extLst>
-  </p:cSld>
-  <p:clrMapOvr>
-    <a:masterClrMapping/>
-  </p:clrMapOvr>
-</p:sld>
-</file>
-
 <file path=ppt/slides/slide22.xml><?xml version="1.0" encoding="utf-8"?>
 <p:sld xmlns:a="http://schemas.openxmlformats.org/drawingml/2006/main" xmlns:r="http://schemas.openxmlformats.org/officeDocument/2006/relationships" xmlns:p="http://schemas.openxmlformats.org/presentationml/2006/main">
   <p:cSld>
@@ -10732,10 +10744,63 @@
       </p:grpSpPr>
       <p:sp>
         <p:nvSpPr>
-          <p:cNvPr id="2" name="スライド番号プレースホルダー 1">
-            <a:extLst>
-              <a:ext uri="{FF2B5EF4-FFF2-40B4-BE49-F238E27FC236}">
-                <a16:creationId xmlns:a16="http://schemas.microsoft.com/office/drawing/2014/main" id="{BFA0D1EB-0AC5-4EB0-B527-2B77C8899E5F}"/>
+          <p:cNvPr id="2" name="タイトル 1">
+            <a:extLst>
+              <a:ext uri="{FF2B5EF4-FFF2-40B4-BE49-F238E27FC236}">
+                <a16:creationId xmlns:a16="http://schemas.microsoft.com/office/drawing/2014/main" id="{07CACF70-761B-5B3D-01F5-0D3D6B606E55}"/>
+              </a:ext>
+            </a:extLst>
+          </p:cNvPr>
+          <p:cNvSpPr>
+            <a:spLocks noGrp="1"/>
+          </p:cNvSpPr>
+          <p:nvPr>
+            <p:ph type="title"/>
+          </p:nvPr>
+        </p:nvSpPr>
+        <p:spPr/>
+        <p:txBody>
+          <a:bodyPr/>
+          <a:lstStyle/>
+          <a:p>
+            <a:r>
+              <a:rPr kumimoji="1" lang="ja-JP" altLang="en-US"/>
+              <a:t>以上</a:t>
+            </a:r>
+          </a:p>
+        </p:txBody>
+      </p:sp>
+      <p:sp>
+        <p:nvSpPr>
+          <p:cNvPr id="3" name="テキスト プレースホルダー 2">
+            <a:extLst>
+              <a:ext uri="{FF2B5EF4-FFF2-40B4-BE49-F238E27FC236}">
+                <a16:creationId xmlns:a16="http://schemas.microsoft.com/office/drawing/2014/main" id="{06F2EBFB-E76D-7592-9658-D695E19F3F2B}"/>
+              </a:ext>
+            </a:extLst>
+          </p:cNvPr>
+          <p:cNvSpPr>
+            <a:spLocks noGrp="1"/>
+          </p:cNvSpPr>
+          <p:nvPr>
+            <p:ph type="body" idx="1"/>
+          </p:nvPr>
+        </p:nvSpPr>
+        <p:spPr/>
+        <p:txBody>
+          <a:bodyPr/>
+          <a:lstStyle/>
+          <a:p>
+            <a:endParaRPr kumimoji="1" lang="ja-JP" altLang="en-US"/>
+          </a:p>
+        </p:txBody>
+      </p:sp>
+      <p:sp>
+        <p:nvSpPr>
+          <p:cNvPr id="4" name="スライド番号プレースホルダー 3">
+            <a:extLst>
+              <a:ext uri="{FF2B5EF4-FFF2-40B4-BE49-F238E27FC236}">
+                <a16:creationId xmlns:a16="http://schemas.microsoft.com/office/drawing/2014/main" id="{1990F75C-900D-A8AB-FDEA-95823D932267}"/>
               </a:ext>
             </a:extLst>
           </p:cNvPr>
@@ -10754,6 +10819,65 @@
             <a:fld id="{91F53415-5CFC-4B36-B902-1D0CCCCD1D51}" type="slidenum">
               <a:rPr kumimoji="1" lang="ja-JP" altLang="en-US" smtClean="0"/>
               <a:t>22</a:t>
+            </a:fld>
+            <a:endParaRPr kumimoji="1" lang="ja-JP" altLang="en-US"/>
+          </a:p>
+        </p:txBody>
+      </p:sp>
+    </p:spTree>
+    <p:extLst>
+      <p:ext uri="{BB962C8B-B14F-4D97-AF65-F5344CB8AC3E}">
+        <p14:creationId xmlns:p14="http://schemas.microsoft.com/office/powerpoint/2010/main" val="2369298392"/>
+      </p:ext>
+    </p:extLst>
+  </p:cSld>
+  <p:clrMapOvr>
+    <a:masterClrMapping/>
+  </p:clrMapOvr>
+</p:sld>
+</file>
+
+<file path=ppt/slides/slide23.xml><?xml version="1.0" encoding="utf-8"?>
+<p:sld xmlns:a="http://schemas.openxmlformats.org/drawingml/2006/main" xmlns:r="http://schemas.openxmlformats.org/officeDocument/2006/relationships" xmlns:p="http://schemas.openxmlformats.org/presentationml/2006/main">
+  <p:cSld>
+    <p:spTree>
+      <p:nvGrpSpPr>
+        <p:cNvPr id="1" name=""/>
+        <p:cNvGrpSpPr/>
+        <p:nvPr/>
+      </p:nvGrpSpPr>
+      <p:grpSpPr>
+        <a:xfrm>
+          <a:off x="0" y="0"/>
+          <a:ext cx="0" cy="0"/>
+          <a:chOff x="0" y="0"/>
+          <a:chExt cx="0" cy="0"/>
+        </a:xfrm>
+      </p:grpSpPr>
+      <p:sp>
+        <p:nvSpPr>
+          <p:cNvPr id="2" name="スライド番号プレースホルダー 1">
+            <a:extLst>
+              <a:ext uri="{FF2B5EF4-FFF2-40B4-BE49-F238E27FC236}">
+                <a16:creationId xmlns:a16="http://schemas.microsoft.com/office/drawing/2014/main" id="{BFA0D1EB-0AC5-4EB0-B527-2B77C8899E5F}"/>
+              </a:ext>
+            </a:extLst>
+          </p:cNvPr>
+          <p:cNvSpPr>
+            <a:spLocks noGrp="1"/>
+          </p:cNvSpPr>
+          <p:nvPr>
+            <p:ph type="sldNum" sz="quarter" idx="12"/>
+          </p:nvPr>
+        </p:nvSpPr>
+        <p:spPr/>
+        <p:txBody>
+          <a:bodyPr/>
+          <a:lstStyle/>
+          <a:p>
+            <a:fld id="{91F53415-5CFC-4B36-B902-1D0CCCCD1D51}" type="slidenum">
+              <a:rPr kumimoji="1" lang="ja-JP" altLang="en-US" smtClean="0"/>
+              <a:t>23</a:t>
             </a:fld>
             <a:endParaRPr kumimoji="1" lang="ja-JP" altLang="en-US"/>
           </a:p>
@@ -10808,7 +10932,7 @@
 </p:sld>
 </file>
 
-<file path=ppt/slides/slide23.xml><?xml version="1.0" encoding="utf-8"?>
+<file path=ppt/slides/slide24.xml><?xml version="1.0" encoding="utf-8"?>
 <p:sld xmlns:a="http://schemas.openxmlformats.org/drawingml/2006/main" xmlns:r="http://schemas.openxmlformats.org/officeDocument/2006/relationships" xmlns:p="http://schemas.openxmlformats.org/presentationml/2006/main">
   <p:cSld>
     <p:spTree>
@@ -10854,7 +10978,7 @@
           <a:p>
             <a:fld id="{91F53415-5CFC-4B36-B902-1D0CCCCD1D51}" type="slidenum">
               <a:rPr kumimoji="1" lang="ja-JP" altLang="en-US" smtClean="0"/>
-              <a:t>23</a:t>
+              <a:t>24</a:t>
             </a:fld>
             <a:endParaRPr kumimoji="1" lang="ja-JP" altLang="en-US"/>
           </a:p>
@@ -10909,7 +11033,7 @@
 </p:sld>
 </file>
 
-<file path=ppt/slides/slide24.xml><?xml version="1.0" encoding="utf-8"?>
+<file path=ppt/slides/slide25.xml><?xml version="1.0" encoding="utf-8"?>
 <p:sld xmlns:a="http://schemas.openxmlformats.org/drawingml/2006/main" xmlns:r="http://schemas.openxmlformats.org/officeDocument/2006/relationships" xmlns:p="http://schemas.openxmlformats.org/presentationml/2006/main">
   <p:cSld>
     <p:spTree>
@@ -10949,7 +11073,7 @@
           <a:p>
             <a:fld id="{91F53415-5CFC-4B36-B902-1D0CCCCD1D51}" type="slidenum">
               <a:rPr kumimoji="1" lang="ja-JP" altLang="en-US" smtClean="0"/>
-              <a:t>24</a:t>
+              <a:t>25</a:t>
             </a:fld>
             <a:endParaRPr kumimoji="1" lang="ja-JP" altLang="en-US"/>
           </a:p>
@@ -11004,7 +11128,7 @@
 </p:sld>
 </file>
 
-<file path=ppt/slides/slide25.xml><?xml version="1.0" encoding="utf-8"?>
+<file path=ppt/slides/slide26.xml><?xml version="1.0" encoding="utf-8"?>
 <p:sld xmlns:a="http://schemas.openxmlformats.org/drawingml/2006/main" xmlns:r="http://schemas.openxmlformats.org/officeDocument/2006/relationships" xmlns:p="http://schemas.openxmlformats.org/presentationml/2006/main">
   <p:cSld>
     <p:spTree>
@@ -11044,7 +11168,7 @@
           <a:p>
             <a:fld id="{91F53415-5CFC-4B36-B902-1D0CCCCD1D51}" type="slidenum">
               <a:rPr kumimoji="1" lang="ja-JP" altLang="en-US" smtClean="0"/>
-              <a:t>25</a:t>
+              <a:t>26</a:t>
             </a:fld>
             <a:endParaRPr kumimoji="1" lang="ja-JP" altLang="en-US"/>
           </a:p>
